--- a/lectures/4/1_External Secondary Data_Causal Research.pptx
+++ b/lectures/4/1_External Secondary Data_Causal Research.pptx
@@ -5,49 +5,51 @@
     <p:sldMasterId id="2147483648" r:id="rId4"/>
   </p:sldMasterIdLst>
   <p:notesMasterIdLst>
-    <p:notesMasterId r:id="rId42"/>
+    <p:notesMasterId r:id="rId44"/>
   </p:notesMasterIdLst>
   <p:handoutMasterIdLst>
-    <p:handoutMasterId r:id="rId43"/>
+    <p:handoutMasterId r:id="rId45"/>
   </p:handoutMasterIdLst>
   <p:sldIdLst>
     <p:sldId id="293" r:id="rId5"/>
-    <p:sldId id="256" r:id="rId6"/>
-    <p:sldId id="281" r:id="rId7"/>
-    <p:sldId id="282" r:id="rId8"/>
-    <p:sldId id="283" r:id="rId9"/>
-    <p:sldId id="257" r:id="rId10"/>
-    <p:sldId id="260" r:id="rId11"/>
-    <p:sldId id="261" r:id="rId12"/>
-    <p:sldId id="262" r:id="rId13"/>
-    <p:sldId id="263" r:id="rId14"/>
-    <p:sldId id="264" r:id="rId15"/>
-    <p:sldId id="265" r:id="rId16"/>
-    <p:sldId id="266" r:id="rId17"/>
-    <p:sldId id="267" r:id="rId18"/>
-    <p:sldId id="268" r:id="rId19"/>
-    <p:sldId id="270" r:id="rId20"/>
-    <p:sldId id="271" r:id="rId21"/>
-    <p:sldId id="272" r:id="rId22"/>
-    <p:sldId id="273" r:id="rId23"/>
-    <p:sldId id="274" r:id="rId24"/>
-    <p:sldId id="275" r:id="rId25"/>
-    <p:sldId id="278" r:id="rId26"/>
-    <p:sldId id="292" r:id="rId27"/>
-    <p:sldId id="295" r:id="rId28"/>
-    <p:sldId id="298" r:id="rId29"/>
-    <p:sldId id="288" r:id="rId30"/>
-    <p:sldId id="289" r:id="rId31"/>
-    <p:sldId id="290" r:id="rId32"/>
-    <p:sldId id="294" r:id="rId33"/>
-    <p:sldId id="291" r:id="rId34"/>
-    <p:sldId id="297" r:id="rId35"/>
-    <p:sldId id="287" r:id="rId36"/>
-    <p:sldId id="286" r:id="rId37"/>
-    <p:sldId id="296" r:id="rId38"/>
-    <p:sldId id="279" r:id="rId39"/>
-    <p:sldId id="299" r:id="rId40"/>
-    <p:sldId id="280" r:id="rId41"/>
+    <p:sldId id="300" r:id="rId6"/>
+    <p:sldId id="256" r:id="rId7"/>
+    <p:sldId id="281" r:id="rId8"/>
+    <p:sldId id="282" r:id="rId9"/>
+    <p:sldId id="283" r:id="rId10"/>
+    <p:sldId id="257" r:id="rId11"/>
+    <p:sldId id="260" r:id="rId12"/>
+    <p:sldId id="261" r:id="rId13"/>
+    <p:sldId id="262" r:id="rId14"/>
+    <p:sldId id="263" r:id="rId15"/>
+    <p:sldId id="264" r:id="rId16"/>
+    <p:sldId id="265" r:id="rId17"/>
+    <p:sldId id="266" r:id="rId18"/>
+    <p:sldId id="267" r:id="rId19"/>
+    <p:sldId id="268" r:id="rId20"/>
+    <p:sldId id="270" r:id="rId21"/>
+    <p:sldId id="271" r:id="rId22"/>
+    <p:sldId id="272" r:id="rId23"/>
+    <p:sldId id="273" r:id="rId24"/>
+    <p:sldId id="274" r:id="rId25"/>
+    <p:sldId id="275" r:id="rId26"/>
+    <p:sldId id="278" r:id="rId27"/>
+    <p:sldId id="292" r:id="rId28"/>
+    <p:sldId id="295" r:id="rId29"/>
+    <p:sldId id="298" r:id="rId30"/>
+    <p:sldId id="288" r:id="rId31"/>
+    <p:sldId id="289" r:id="rId32"/>
+    <p:sldId id="301" r:id="rId33"/>
+    <p:sldId id="290" r:id="rId34"/>
+    <p:sldId id="294" r:id="rId35"/>
+    <p:sldId id="291" r:id="rId36"/>
+    <p:sldId id="297" r:id="rId37"/>
+    <p:sldId id="287" r:id="rId38"/>
+    <p:sldId id="286" r:id="rId39"/>
+    <p:sldId id="296" r:id="rId40"/>
+    <p:sldId id="279" r:id="rId41"/>
+    <p:sldId id="299" r:id="rId42"/>
+    <p:sldId id="280" r:id="rId43"/>
   </p:sldIdLst>
   <p:sldSz cx="12192000" cy="6858000"/>
   <p:notesSz cx="6858000" cy="9144000"/>
@@ -17679,7 +17681,7 @@
           <a:p>
             <a:fld id="{73B2889B-A0AC-4482-8592-5C96F2309420}" type="datetimeFigureOut">
               <a:rPr lang="en-US" smtClean="0"/>
-              <a:t>2/8/2022</a:t>
+              <a:t>2/6/2023</a:t>
             </a:fld>
             <a:endParaRPr lang="en-US"/>
           </a:p>
@@ -17856,7 +17858,7 @@
           <a:p>
             <a:fld id="{830EB223-FFC0-462A-A3B8-EAA7CE0F8CBD}" type="datetimeFigureOut">
               <a:rPr lang="en-US" smtClean="0"/>
-              <a:t>2/8/2022</a:t>
+              <a:t>2/6/2023</a:t>
             </a:fld>
             <a:endParaRPr lang="en-US" dirty="0"/>
           </a:p>
@@ -18191,7 +18193,7 @@
           <a:p>
             <a:fld id="{BC849E9A-41F7-4779-A581-48A7C374A227}" type="slidenum">
               <a:rPr lang="en-US" smtClean="0"/>
-              <a:t>2</a:t>
+              <a:t>3</a:t>
             </a:fld>
             <a:endParaRPr lang="en-US" dirty="0"/>
           </a:p>
@@ -18278,7 +18280,7 @@
           <a:p>
             <a:fld id="{BC849E9A-41F7-4779-A581-48A7C374A227}" type="slidenum">
               <a:rPr lang="en-US" smtClean="0"/>
-              <a:t>17</a:t>
+              <a:t>18</a:t>
             </a:fld>
             <a:endParaRPr lang="en-US" dirty="0"/>
           </a:p>
@@ -18371,7 +18373,7 @@
           <a:p>
             <a:fld id="{BC849E9A-41F7-4779-A581-48A7C374A227}" type="slidenum">
               <a:rPr lang="en-US" smtClean="0"/>
-              <a:t>18</a:t>
+              <a:t>19</a:t>
             </a:fld>
             <a:endParaRPr lang="en-US" dirty="0"/>
           </a:p>
@@ -18476,7 +18478,7 @@
           <a:p>
             <a:fld id="{BC849E9A-41F7-4779-A581-48A7C374A227}" type="slidenum">
               <a:rPr lang="en-US" smtClean="0"/>
-              <a:t>19</a:t>
+              <a:t>20</a:t>
             </a:fld>
             <a:endParaRPr lang="en-US" dirty="0"/>
           </a:p>
@@ -18589,7 +18591,7 @@
           <a:p>
             <a:fld id="{BC849E9A-41F7-4779-A581-48A7C374A227}" type="slidenum">
               <a:rPr lang="en-US" smtClean="0"/>
-              <a:t>20</a:t>
+              <a:t>21</a:t>
             </a:fld>
             <a:endParaRPr lang="en-US" dirty="0"/>
           </a:p>
@@ -18691,7 +18693,7 @@
           <a:p>
             <a:fld id="{BC849E9A-41F7-4779-A581-48A7C374A227}" type="slidenum">
               <a:rPr lang="en-US" smtClean="0"/>
-              <a:t>21</a:t>
+              <a:t>22</a:t>
             </a:fld>
             <a:endParaRPr lang="en-US" dirty="0"/>
           </a:p>
@@ -18831,7 +18833,7 @@
           <a:p>
             <a:fld id="{BC849E9A-41F7-4779-A581-48A7C374A227}" type="slidenum">
               <a:rPr lang="en-US" smtClean="0"/>
-              <a:t>23</a:t>
+              <a:t>24</a:t>
             </a:fld>
             <a:endParaRPr lang="en-US" dirty="0"/>
           </a:p>
@@ -19014,7 +19016,7 @@
           <a:p>
             <a:fld id="{BC849E9A-41F7-4779-A581-48A7C374A227}" type="slidenum">
               <a:rPr lang="en-US" smtClean="0"/>
-              <a:t>24</a:t>
+              <a:t>25</a:t>
             </a:fld>
             <a:endParaRPr lang="en-US" dirty="0"/>
           </a:p>
@@ -19083,7 +19085,37 @@
                 <a:latin typeface="Arial" panose="020B0604020202020204" pitchFamily="34" charset="0"/>
                 <a:ea typeface="Arial" panose="020B0604020202020204" pitchFamily="34" charset="0"/>
               </a:rPr>
-              <a:t>Most research questions in your project will be this type. You will simply describe some characteristics of your respondents such as how often they eat out at a restaurant, where they usually shop for groceries, how much they would pay for a Valentine’s Day bouquet, or which of several promotional packages they prefer</a:t>
+              <a:t>Most research questions in your project will be this type. You will simply describe some characteristics of your respondents such as how often they eat out at a restaurant, </a:t>
+            </a:r>
+          </a:p>
+          <a:p>
+            <a:r>
+              <a:rPr lang="en-US" sz="1800" dirty="0">
+                <a:effectLst/>
+                <a:latin typeface="Arial" panose="020B0604020202020204" pitchFamily="34" charset="0"/>
+                <a:ea typeface="Arial" panose="020B0604020202020204" pitchFamily="34" charset="0"/>
+              </a:rPr>
+              <a:t>where they usually shop for groceries, </a:t>
+            </a:r>
+          </a:p>
+          <a:p>
+            <a:r>
+              <a:rPr lang="en-US" sz="1800" dirty="0">
+                <a:effectLst/>
+                <a:latin typeface="Arial" panose="020B0604020202020204" pitchFamily="34" charset="0"/>
+                <a:ea typeface="Arial" panose="020B0604020202020204" pitchFamily="34" charset="0"/>
+              </a:rPr>
+              <a:t>how much they would pay for a Valentine’s Day bouquet, or </a:t>
+            </a:r>
+          </a:p>
+          <a:p>
+            <a:r>
+              <a:rPr lang="en-US" sz="1800" dirty="0">
+                <a:effectLst/>
+                <a:latin typeface="Arial" panose="020B0604020202020204" pitchFamily="34" charset="0"/>
+                <a:ea typeface="Arial" panose="020B0604020202020204" pitchFamily="34" charset="0"/>
+              </a:rPr>
+              <a:t>which of several promotional packages they prefer</a:t>
             </a:r>
             <a:endParaRPr lang="en-US" dirty="0"/>
           </a:p>
@@ -19106,7 +19138,7 @@
           <a:p>
             <a:fld id="{BC849E9A-41F7-4779-A581-48A7C374A227}" type="slidenum">
               <a:rPr lang="en-US" smtClean="0"/>
-              <a:t>26</a:t>
+              <a:t>27</a:t>
             </a:fld>
             <a:endParaRPr lang="en-US" dirty="0"/>
           </a:p>
@@ -19345,7 +19377,7 @@
           <a:p>
             <a:fld id="{BC849E9A-41F7-4779-A581-48A7C374A227}" type="slidenum">
               <a:rPr lang="en-US" smtClean="0"/>
-              <a:t>27</a:t>
+              <a:t>28</a:t>
             </a:fld>
             <a:endParaRPr lang="en-US" dirty="0"/>
           </a:p>
@@ -19498,7 +19530,7 @@
           <a:p>
             <a:fld id="{BC849E9A-41F7-4779-A581-48A7C374A227}" type="slidenum">
               <a:rPr lang="en-US" smtClean="0"/>
-              <a:t>29</a:t>
+              <a:t>31</a:t>
             </a:fld>
             <a:endParaRPr lang="en-US" dirty="0"/>
           </a:p>
@@ -19582,7 +19614,7 @@
           <a:p>
             <a:fld id="{BC849E9A-41F7-4779-A581-48A7C374A227}" type="slidenum">
               <a:rPr lang="en-US" smtClean="0"/>
-              <a:t>5</a:t>
+              <a:t>6</a:t>
             </a:fld>
             <a:endParaRPr lang="en-US" dirty="0"/>
           </a:p>
@@ -19672,7 +19704,7 @@
           <a:p>
             <a:fld id="{BC849E9A-41F7-4779-A581-48A7C374A227}" type="slidenum">
               <a:rPr lang="en-US" smtClean="0"/>
-              <a:t>31</a:t>
+              <a:t>33</a:t>
             </a:fld>
             <a:endParaRPr lang="en-US" dirty="0"/>
           </a:p>
@@ -19735,19 +19767,7 @@
           <a:bodyPr/>
           <a:lstStyle/>
           <a:p>
-            <a:r>
-              <a:rPr lang="en-US" dirty="0"/>
-              <a:t>Go over 2 research question </a:t>
-            </a:r>
-          </a:p>
-          <a:p>
             <a:endParaRPr lang="en-US" dirty="0"/>
-          </a:p>
-          <a:p>
-            <a:r>
-              <a:rPr lang="en-US" dirty="0"/>
-              <a:t>Depends on time, might continue or cut it down</a:t>
-            </a:r>
           </a:p>
         </p:txBody>
       </p:sp>
@@ -19768,7 +19788,7 @@
           <a:p>
             <a:fld id="{BC849E9A-41F7-4779-A581-48A7C374A227}" type="slidenum">
               <a:rPr lang="en-US" smtClean="0"/>
-              <a:t>32</a:t>
+              <a:t>34</a:t>
             </a:fld>
             <a:endParaRPr lang="en-US" dirty="0"/>
           </a:p>
@@ -19855,7 +19875,7 @@
           <a:p>
             <a:fld id="{BC849E9A-41F7-4779-A581-48A7C374A227}" type="slidenum">
               <a:rPr lang="en-US" smtClean="0"/>
-              <a:t>33</a:t>
+              <a:t>35</a:t>
             </a:fld>
             <a:endParaRPr lang="en-US" dirty="0"/>
           </a:p>
@@ -19942,7 +19962,7 @@
           <a:p>
             <a:fld id="{BC849E9A-41F7-4779-A581-48A7C374A227}" type="slidenum">
               <a:rPr lang="en-US" smtClean="0"/>
-              <a:t>34</a:t>
+              <a:t>36</a:t>
             </a:fld>
             <a:endParaRPr lang="en-US" dirty="0"/>
           </a:p>
@@ -20029,7 +20049,7 @@
           <a:p>
             <a:fld id="{BC849E9A-41F7-4779-A581-48A7C374A227}" type="slidenum">
               <a:rPr lang="en-US" smtClean="0"/>
-              <a:t>37</a:t>
+              <a:t>39</a:t>
             </a:fld>
             <a:endParaRPr lang="en-US" dirty="0"/>
           </a:p>
@@ -20113,7 +20133,7 @@
           <a:p>
             <a:fld id="{BC849E9A-41F7-4779-A581-48A7C374A227}" type="slidenum">
               <a:rPr lang="en-US" smtClean="0"/>
-              <a:t>7</a:t>
+              <a:t>8</a:t>
             </a:fld>
             <a:endParaRPr lang="en-US" dirty="0"/>
           </a:p>
@@ -20248,7 +20268,7 @@
           <a:p>
             <a:fld id="{BC849E9A-41F7-4779-A581-48A7C374A227}" type="slidenum">
               <a:rPr lang="en-US" smtClean="0"/>
-              <a:t>9</a:t>
+              <a:t>10</a:t>
             </a:fld>
             <a:endParaRPr lang="en-US" dirty="0"/>
           </a:p>
@@ -20335,7 +20355,7 @@
           <a:p>
             <a:fld id="{BC849E9A-41F7-4779-A581-48A7C374A227}" type="slidenum">
               <a:rPr lang="en-US" smtClean="0"/>
-              <a:t>10</a:t>
+              <a:t>11</a:t>
             </a:fld>
             <a:endParaRPr lang="en-US" dirty="0"/>
           </a:p>
@@ -20454,7 +20474,7 @@
           <a:p>
             <a:fld id="{BC849E9A-41F7-4779-A581-48A7C374A227}" type="slidenum">
               <a:rPr lang="en-US" smtClean="0"/>
-              <a:t>11</a:t>
+              <a:t>12</a:t>
             </a:fld>
             <a:endParaRPr lang="en-US" dirty="0"/>
           </a:p>
@@ -20541,7 +20561,7 @@
           <a:p>
             <a:fld id="{BC849E9A-41F7-4779-A581-48A7C374A227}" type="slidenum">
               <a:rPr lang="en-US" smtClean="0"/>
-              <a:t>13</a:t>
+              <a:t>14</a:t>
             </a:fld>
             <a:endParaRPr lang="en-US" dirty="0"/>
           </a:p>
@@ -20634,7 +20654,7 @@
           <a:p>
             <a:fld id="{BC849E9A-41F7-4779-A581-48A7C374A227}" type="slidenum">
               <a:rPr lang="en-US" smtClean="0"/>
-              <a:t>14</a:t>
+              <a:t>15</a:t>
             </a:fld>
             <a:endParaRPr lang="en-US" dirty="0"/>
           </a:p>
@@ -20721,7 +20741,7 @@
           <a:p>
             <a:fld id="{BC849E9A-41F7-4779-A581-48A7C374A227}" type="slidenum">
               <a:rPr lang="en-US" smtClean="0"/>
-              <a:t>15</a:t>
+              <a:t>16</a:t>
             </a:fld>
             <a:endParaRPr lang="en-US" dirty="0"/>
           </a:p>
@@ -20887,7 +20907,7 @@
           <a:p>
             <a:fld id="{C3E42B97-32D9-4793-897A-9BC66F7EB753}" type="datetime1">
               <a:rPr lang="en-US" smtClean="0"/>
-              <a:t>2/8/2022</a:t>
+              <a:t>2/6/2023</a:t>
             </a:fld>
             <a:endParaRPr lang="en-US" dirty="0"/>
           </a:p>
@@ -21089,7 +21109,7 @@
           <a:p>
             <a:fld id="{9817AB96-7354-4F00-8428-CBC1E27BFA74}" type="datetime1">
               <a:rPr lang="en-US" smtClean="0"/>
-              <a:t>2/8/2022</a:t>
+              <a:t>2/6/2023</a:t>
             </a:fld>
             <a:endParaRPr lang="en-US" dirty="0"/>
           </a:p>
@@ -21301,7 +21321,7 @@
           <a:p>
             <a:fld id="{CBCFE11F-0634-4716-B448-438B60059361}" type="datetime1">
               <a:rPr lang="en-US" smtClean="0"/>
-              <a:t>2/8/2022</a:t>
+              <a:t>2/6/2023</a:t>
             </a:fld>
             <a:endParaRPr lang="en-US" dirty="0"/>
           </a:p>
@@ -21503,7 +21523,7 @@
           <a:p>
             <a:fld id="{967285CB-6C42-4833-BB47-ABCB18A3AC73}" type="datetime1">
               <a:rPr lang="en-US" smtClean="0"/>
-              <a:t>2/8/2022</a:t>
+              <a:t>2/6/2023</a:t>
             </a:fld>
             <a:endParaRPr lang="en-US" dirty="0"/>
           </a:p>
@@ -21782,7 +21802,7 @@
           <a:p>
             <a:fld id="{79284254-E52E-46F1-A775-032947BE31CE}" type="datetime1">
               <a:rPr lang="en-US" smtClean="0"/>
-              <a:t>2/8/2022</a:t>
+              <a:t>2/6/2023</a:t>
             </a:fld>
             <a:endParaRPr lang="en-US" dirty="0"/>
           </a:p>
@@ -22051,7 +22071,7 @@
           <a:p>
             <a:fld id="{DD74BABA-F978-4483-ABA8-934D8791C851}" type="datetime1">
               <a:rPr lang="en-US" smtClean="0"/>
-              <a:t>2/8/2022</a:t>
+              <a:t>2/6/2023</a:t>
             </a:fld>
             <a:endParaRPr lang="en-US" dirty="0"/>
           </a:p>
@@ -22467,7 +22487,7 @@
           <a:p>
             <a:fld id="{0E94DB0D-00D3-45D2-A2DE-62396F1D73BF}" type="datetime1">
               <a:rPr lang="en-US" smtClean="0"/>
-              <a:t>2/8/2022</a:t>
+              <a:t>2/6/2023</a:t>
             </a:fld>
             <a:endParaRPr lang="en-US" dirty="0"/>
           </a:p>
@@ -22612,7 +22632,7 @@
           <a:p>
             <a:fld id="{53883F22-8FF9-4ABE-A942-CEB1742E73C6}" type="datetime1">
               <a:rPr lang="en-US" smtClean="0"/>
-              <a:t>2/8/2022</a:t>
+              <a:t>2/6/2023</a:t>
             </a:fld>
             <a:endParaRPr lang="en-US" dirty="0"/>
           </a:p>
@@ -22729,7 +22749,7 @@
           <a:p>
             <a:fld id="{49D8025B-3FFE-4303-8D40-4CE8398E2D95}" type="datetime1">
               <a:rPr lang="en-US" smtClean="0"/>
-              <a:t>2/8/2022</a:t>
+              <a:t>2/6/2023</a:t>
             </a:fld>
             <a:endParaRPr lang="en-US" dirty="0"/>
           </a:p>
@@ -23044,7 +23064,7 @@
           <a:p>
             <a:fld id="{B3F4ED31-5ACB-4E86-9B7D-EF3BB65C4CFC}" type="datetime1">
               <a:rPr lang="en-US" smtClean="0"/>
-              <a:t>2/8/2022</a:t>
+              <a:t>2/6/2023</a:t>
             </a:fld>
             <a:endParaRPr lang="en-US" dirty="0"/>
           </a:p>
@@ -23340,7 +23360,7 @@
           <a:p>
             <a:fld id="{4C117DD1-8C6E-4C28-93E9-E016B1CA4BB5}" type="datetime1">
               <a:rPr lang="en-US" smtClean="0"/>
-              <a:t>2/8/2022</a:t>
+              <a:t>2/6/2023</a:t>
             </a:fld>
             <a:endParaRPr lang="en-US" dirty="0"/>
           </a:p>
@@ -23585,7 +23605,7 @@
           <a:p>
             <a:fld id="{C44B3266-E6ED-4411-AB6D-EF0A43ECE452}" type="datetime1">
               <a:rPr lang="en-US" smtClean="0"/>
-              <a:t>2/8/2022</a:t>
+              <a:t>2/6/2023</a:t>
             </a:fld>
             <a:endParaRPr lang="en-US" dirty="0"/>
           </a:p>
@@ -23991,7 +24011,7 @@
 </file>
 
 <file path=ppt/slides/slide1.xml><?xml version="1.0" encoding="utf-8"?>
-<p:sld xmlns:a="http://schemas.openxmlformats.org/drawingml/2006/main" xmlns:r="http://schemas.openxmlformats.org/officeDocument/2006/relationships" xmlns:p="http://schemas.openxmlformats.org/presentationml/2006/main">
+<p:sld xmlns:a="http://schemas.openxmlformats.org/drawingml/2006/main" xmlns:r="http://schemas.openxmlformats.org/officeDocument/2006/relationships" xmlns:p="http://schemas.openxmlformats.org/presentationml/2006/main" show="0">
   <p:cSld>
     <p:bg>
       <p:bgPr>
@@ -24638,6 +24658,720 @@
       </p:grpSpPr>
       <p:sp useBgFill="1">
         <p:nvSpPr>
+          <p:cNvPr id="22" name="Rectangle 21">
+            <a:extLst>
+              <a:ext uri="{FF2B5EF4-FFF2-40B4-BE49-F238E27FC236}">
+                <a16:creationId xmlns:a16="http://schemas.microsoft.com/office/drawing/2014/main" id="{16F9E488-0718-4E1E-9D12-26779F606252}"/>
+              </a:ext>
+              <a:ext uri="{C183D7F6-B498-43B3-948B-1728B52AA6E4}">
+                <adec:decorative xmlns:adec="http://schemas.microsoft.com/office/drawing/2017/decorative" val="1"/>
+              </a:ext>
+            </a:extLst>
+          </p:cNvPr>
+          <p:cNvSpPr>
+            <a:spLocks noGrp="1" noRot="1" noChangeAspect="1" noMove="1" noResize="1" noEditPoints="1" noAdjustHandles="1" noChangeArrowheads="1" noChangeShapeType="1" noTextEdit="1"/>
+          </p:cNvSpPr>
+          <p:nvPr>
+            <p:extLst>
+              <p:ext uri="{386F3935-93C4-4BCD-93E2-E3B085C9AB24}">
+                <p16:designElem xmlns:p16="http://schemas.microsoft.com/office/powerpoint/2015/main" val="1"/>
+              </p:ext>
+            </p:extLst>
+          </p:nvPr>
+        </p:nvSpPr>
+        <p:spPr>
+          <a:xfrm>
+            <a:off x="0" y="0"/>
+            <a:ext cx="12192000" cy="6858000"/>
+          </a:xfrm>
+          <a:prstGeom prst="rect">
+            <a:avLst/>
+          </a:prstGeom>
+          <a:ln>
+            <a:noFill/>
+          </a:ln>
+        </p:spPr>
+        <p:style>
+          <a:lnRef idx="2">
+            <a:schemeClr val="accent1">
+              <a:shade val="50000"/>
+            </a:schemeClr>
+          </a:lnRef>
+          <a:fillRef idx="1">
+            <a:schemeClr val="accent1"/>
+          </a:fillRef>
+          <a:effectRef idx="0">
+            <a:schemeClr val="accent1"/>
+          </a:effectRef>
+          <a:fontRef idx="minor">
+            <a:schemeClr val="lt1"/>
+          </a:fontRef>
+        </p:style>
+        <p:txBody>
+          <a:bodyPr rtlCol="0" anchor="ctr"/>
+          <a:lstStyle/>
+          <a:p>
+            <a:pPr algn="ctr"/>
+            <a:endParaRPr lang="en-US"/>
+          </a:p>
+        </p:txBody>
+      </p:sp>
+      <p:sp>
+        <p:nvSpPr>
+          <p:cNvPr id="24" name="Rectangle 23">
+            <a:extLst>
+              <a:ext uri="{FF2B5EF4-FFF2-40B4-BE49-F238E27FC236}">
+                <a16:creationId xmlns:a16="http://schemas.microsoft.com/office/drawing/2014/main" id="{CE708407-D01D-4E57-8998-FF799DBC3788}"/>
+              </a:ext>
+              <a:ext uri="{C183D7F6-B498-43B3-948B-1728B52AA6E4}">
+                <adec:decorative xmlns:adec="http://schemas.microsoft.com/office/drawing/2017/decorative" val="1"/>
+              </a:ext>
+            </a:extLst>
+          </p:cNvPr>
+          <p:cNvSpPr>
+            <a:spLocks noGrp="1" noRot="1" noChangeAspect="1" noMove="1" noResize="1" noEditPoints="1" noAdjustHandles="1" noChangeArrowheads="1" noChangeShapeType="1" noTextEdit="1"/>
+          </p:cNvSpPr>
+          <p:nvPr>
+            <p:extLst>
+              <p:ext uri="{386F3935-93C4-4BCD-93E2-E3B085C9AB24}">
+                <p16:designElem xmlns:p16="http://schemas.microsoft.com/office/powerpoint/2015/main" val="1"/>
+              </p:ext>
+            </p:extLst>
+          </p:nvPr>
+        </p:nvSpPr>
+        <p:spPr>
+          <a:xfrm>
+            <a:off x="0" y="0"/>
+            <a:ext cx="4694548" cy="6858000"/>
+          </a:xfrm>
+          <a:prstGeom prst="rect">
+            <a:avLst/>
+          </a:prstGeom>
+          <a:solidFill>
+            <a:schemeClr val="tx1"/>
+          </a:solidFill>
+          <a:ln>
+            <a:noFill/>
+          </a:ln>
+        </p:spPr>
+        <p:style>
+          <a:lnRef idx="2">
+            <a:schemeClr val="accent1">
+              <a:shade val="50000"/>
+            </a:schemeClr>
+          </a:lnRef>
+          <a:fillRef idx="1">
+            <a:schemeClr val="accent1"/>
+          </a:fillRef>
+          <a:effectRef idx="0">
+            <a:schemeClr val="accent1"/>
+          </a:effectRef>
+          <a:fontRef idx="minor">
+            <a:schemeClr val="lt1"/>
+          </a:fontRef>
+        </p:style>
+        <p:txBody>
+          <a:bodyPr rtlCol="0" anchor="ctr"/>
+          <a:lstStyle/>
+          <a:p>
+            <a:pPr algn="ctr"/>
+            <a:endParaRPr lang="en-US"/>
+          </a:p>
+        </p:txBody>
+      </p:sp>
+      <p:sp>
+        <p:nvSpPr>
+          <p:cNvPr id="2" name="Title 1">
+            <a:extLst>
+              <a:ext uri="{FF2B5EF4-FFF2-40B4-BE49-F238E27FC236}">
+                <a16:creationId xmlns:a16="http://schemas.microsoft.com/office/drawing/2014/main" id="{9E26A5AB-EC77-4650-9CC8-F8CFFE84421C}"/>
+              </a:ext>
+            </a:extLst>
+          </p:cNvPr>
+          <p:cNvSpPr>
+            <a:spLocks noGrp="1"/>
+          </p:cNvSpPr>
+          <p:nvPr>
+            <p:ph type="title"/>
+          </p:nvPr>
+        </p:nvSpPr>
+        <p:spPr>
+          <a:xfrm>
+            <a:off x="699723" y="1622066"/>
+            <a:ext cx="3554226" cy="2663688"/>
+          </a:xfrm>
+        </p:spPr>
+        <p:txBody>
+          <a:bodyPr vert="horz" lIns="91440" tIns="45720" rIns="91440" bIns="45720" rtlCol="0" anchor="b">
+            <a:normAutofit/>
+          </a:bodyPr>
+          <a:lstStyle/>
+          <a:p>
+            <a:r>
+              <a:rPr lang="en-US" kern="1200">
+                <a:solidFill>
+                  <a:schemeClr val="bg1"/>
+                </a:solidFill>
+                <a:latin typeface="+mj-lt"/>
+                <a:ea typeface="+mj-ea"/>
+                <a:cs typeface="+mj-cs"/>
+              </a:rPr>
+              <a:t>Marketing Research Process</a:t>
+            </a:r>
+          </a:p>
+        </p:txBody>
+      </p:sp>
+      <p:grpSp>
+        <p:nvGrpSpPr>
+          <p:cNvPr id="26" name="Group 25">
+            <a:extLst>
+              <a:ext uri="{FF2B5EF4-FFF2-40B4-BE49-F238E27FC236}">
+                <a16:creationId xmlns:a16="http://schemas.microsoft.com/office/drawing/2014/main" id="{7F963B07-5C9E-478C-A53E-B6F5B4A78933}"/>
+              </a:ext>
+              <a:ext uri="{C183D7F6-B498-43B3-948B-1728B52AA6E4}">
+                <adec:decorative xmlns:adec="http://schemas.microsoft.com/office/drawing/2017/decorative" val="1"/>
+              </a:ext>
+            </a:extLst>
+          </p:cNvPr>
+          <p:cNvGrpSpPr>
+            <a:grpSpLocks noGrp="1" noUngrp="1" noRot="1" noChangeAspect="1" noMove="1" noResize="1"/>
+          </p:cNvGrpSpPr>
+          <p:nvPr>
+            <p:extLst>
+              <p:ext uri="{386F3935-93C4-4BCD-93E2-E3B085C9AB24}">
+                <p16:designElem xmlns:p16="http://schemas.microsoft.com/office/powerpoint/2015/main" val="1"/>
+              </p:ext>
+            </p:extLst>
+          </p:nvPr>
+        </p:nvGrpSpPr>
+        <p:grpSpPr>
+          <a:xfrm>
+            <a:off x="767290" y="681628"/>
+            <a:ext cx="1128382" cy="847206"/>
+            <a:chOff x="668003" y="1684057"/>
+            <a:chExt cx="1128382" cy="847206"/>
+          </a:xfrm>
+        </p:grpSpPr>
+        <p:sp>
+          <p:nvSpPr>
+            <p:cNvPr id="27" name="Freeform 5">
+              <a:extLst>
+                <a:ext uri="{FF2B5EF4-FFF2-40B4-BE49-F238E27FC236}">
+                  <a16:creationId xmlns:a16="http://schemas.microsoft.com/office/drawing/2014/main" id="{A152F29E-C625-4313-96BF-5675B357C03A}"/>
+                </a:ext>
+                <a:ext uri="{C183D7F6-B498-43B3-948B-1728B52AA6E4}">
+                  <adec:decorative xmlns:adec="http://schemas.microsoft.com/office/drawing/2017/decorative" val="1"/>
+                </a:ext>
+              </a:extLst>
+            </p:cNvPr>
+            <p:cNvSpPr>
+              <a:spLocks/>
+            </p:cNvSpPr>
+            <p:nvPr>
+              <p:extLst>
+                <p:ext uri="{386F3935-93C4-4BCD-93E2-E3B085C9AB24}">
+                  <p16:designElem xmlns:p16="http://schemas.microsoft.com/office/powerpoint/2015/main" val="1"/>
+                </p:ext>
+              </p:extLst>
+            </p:nvPr>
+          </p:nvSpPr>
+          <p:spPr bwMode="auto">
+            <a:xfrm>
+              <a:off x="668003" y="1935883"/>
+              <a:ext cx="675351" cy="595380"/>
+            </a:xfrm>
+            <a:custGeom>
+              <a:avLst/>
+              <a:gdLst>
+                <a:gd name="T0" fmla="*/ 225 w 785"/>
+                <a:gd name="T1" fmla="*/ 692 h 692"/>
+                <a:gd name="T2" fmla="*/ 177 w 785"/>
+                <a:gd name="T3" fmla="*/ 665 h 692"/>
+                <a:gd name="T4" fmla="*/ 9 w 785"/>
+                <a:gd name="T5" fmla="*/ 374 h 692"/>
+                <a:gd name="T6" fmla="*/ 9 w 785"/>
+                <a:gd name="T7" fmla="*/ 318 h 692"/>
+                <a:gd name="T8" fmla="*/ 177 w 785"/>
+                <a:gd name="T9" fmla="*/ 27 h 692"/>
+                <a:gd name="T10" fmla="*/ 225 w 785"/>
+                <a:gd name="T11" fmla="*/ 0 h 692"/>
+                <a:gd name="T12" fmla="*/ 561 w 785"/>
+                <a:gd name="T13" fmla="*/ 0 h 692"/>
+                <a:gd name="T14" fmla="*/ 609 w 785"/>
+                <a:gd name="T15" fmla="*/ 27 h 692"/>
+                <a:gd name="T16" fmla="*/ 777 w 785"/>
+                <a:gd name="T17" fmla="*/ 318 h 692"/>
+                <a:gd name="T18" fmla="*/ 777 w 785"/>
+                <a:gd name="T19" fmla="*/ 374 h 692"/>
+                <a:gd name="T20" fmla="*/ 609 w 785"/>
+                <a:gd name="T21" fmla="*/ 665 h 692"/>
+                <a:gd name="T22" fmla="*/ 561 w 785"/>
+                <a:gd name="T23" fmla="*/ 692 h 692"/>
+                <a:gd name="T24" fmla="*/ 225 w 785"/>
+                <a:gd name="T25" fmla="*/ 692 h 692"/>
+              </a:gdLst>
+              <a:ahLst/>
+              <a:cxnLst>
+                <a:cxn ang="0">
+                  <a:pos x="T0" y="T1"/>
+                </a:cxn>
+                <a:cxn ang="0">
+                  <a:pos x="T2" y="T3"/>
+                </a:cxn>
+                <a:cxn ang="0">
+                  <a:pos x="T4" y="T5"/>
+                </a:cxn>
+                <a:cxn ang="0">
+                  <a:pos x="T6" y="T7"/>
+                </a:cxn>
+                <a:cxn ang="0">
+                  <a:pos x="T8" y="T9"/>
+                </a:cxn>
+                <a:cxn ang="0">
+                  <a:pos x="T10" y="T11"/>
+                </a:cxn>
+                <a:cxn ang="0">
+                  <a:pos x="T12" y="T13"/>
+                </a:cxn>
+                <a:cxn ang="0">
+                  <a:pos x="T14" y="T15"/>
+                </a:cxn>
+                <a:cxn ang="0">
+                  <a:pos x="T16" y="T17"/>
+                </a:cxn>
+                <a:cxn ang="0">
+                  <a:pos x="T18" y="T19"/>
+                </a:cxn>
+                <a:cxn ang="0">
+                  <a:pos x="T20" y="T21"/>
+                </a:cxn>
+                <a:cxn ang="0">
+                  <a:pos x="T22" y="T23"/>
+                </a:cxn>
+                <a:cxn ang="0">
+                  <a:pos x="T24" y="T25"/>
+                </a:cxn>
+              </a:cxnLst>
+              <a:rect l="0" t="0" r="r" b="b"/>
+              <a:pathLst>
+                <a:path w="785" h="692">
+                  <a:moveTo>
+                    <a:pt x="225" y="692"/>
+                  </a:moveTo>
+                  <a:cubicBezTo>
+                    <a:pt x="207" y="692"/>
+                    <a:pt x="185" y="680"/>
+                    <a:pt x="177" y="665"/>
+                  </a:cubicBezTo>
+                  <a:cubicBezTo>
+                    <a:pt x="9" y="374"/>
+                    <a:pt x="9" y="374"/>
+                    <a:pt x="9" y="374"/>
+                  </a:cubicBezTo>
+                  <a:cubicBezTo>
+                    <a:pt x="0" y="358"/>
+                    <a:pt x="0" y="334"/>
+                    <a:pt x="9" y="318"/>
+                  </a:cubicBezTo>
+                  <a:cubicBezTo>
+                    <a:pt x="177" y="27"/>
+                    <a:pt x="177" y="27"/>
+                    <a:pt x="177" y="27"/>
+                  </a:cubicBezTo>
+                  <a:cubicBezTo>
+                    <a:pt x="185" y="12"/>
+                    <a:pt x="207" y="0"/>
+                    <a:pt x="225" y="0"/>
+                  </a:cubicBezTo>
+                  <a:cubicBezTo>
+                    <a:pt x="561" y="0"/>
+                    <a:pt x="561" y="0"/>
+                    <a:pt x="561" y="0"/>
+                  </a:cubicBezTo>
+                  <a:cubicBezTo>
+                    <a:pt x="578" y="0"/>
+                    <a:pt x="600" y="12"/>
+                    <a:pt x="609" y="27"/>
+                  </a:cubicBezTo>
+                  <a:cubicBezTo>
+                    <a:pt x="777" y="318"/>
+                    <a:pt x="777" y="318"/>
+                    <a:pt x="777" y="318"/>
+                  </a:cubicBezTo>
+                  <a:cubicBezTo>
+                    <a:pt x="785" y="334"/>
+                    <a:pt x="785" y="358"/>
+                    <a:pt x="777" y="374"/>
+                  </a:cubicBezTo>
+                  <a:cubicBezTo>
+                    <a:pt x="609" y="665"/>
+                    <a:pt x="609" y="665"/>
+                    <a:pt x="609" y="665"/>
+                  </a:cubicBezTo>
+                  <a:cubicBezTo>
+                    <a:pt x="600" y="680"/>
+                    <a:pt x="578" y="692"/>
+                    <a:pt x="561" y="692"/>
+                  </a:cubicBezTo>
+                  <a:lnTo>
+                    <a:pt x="225" y="692"/>
+                  </a:lnTo>
+                  <a:close/>
+                </a:path>
+              </a:pathLst>
+            </a:custGeom>
+            <a:noFill/>
+            <a:ln w="28575" cmpd="sng">
+              <a:solidFill>
+                <a:schemeClr val="bg1"/>
+              </a:solidFill>
+            </a:ln>
+          </p:spPr>
+          <p:txBody>
+            <a:bodyPr vert="horz" wrap="square" lIns="91440" tIns="45720" rIns="91440" bIns="45720" numCol="1" anchor="t" anchorCtr="0" compatLnSpc="1">
+              <a:prstTxWarp prst="textNoShape">
+                <a:avLst/>
+              </a:prstTxWarp>
+            </a:bodyPr>
+            <a:lstStyle/>
+            <a:p>
+              <a:endParaRPr lang="en-US"/>
+            </a:p>
+          </p:txBody>
+        </p:sp>
+        <p:sp>
+          <p:nvSpPr>
+            <p:cNvPr id="28" name="Freeform 5">
+              <a:extLst>
+                <a:ext uri="{FF2B5EF4-FFF2-40B4-BE49-F238E27FC236}">
+                  <a16:creationId xmlns:a16="http://schemas.microsoft.com/office/drawing/2014/main" id="{C2A5CB78-6497-4151-83B6-568BD27EC573}"/>
+                </a:ext>
+                <a:ext uri="{C183D7F6-B498-43B3-948B-1728B52AA6E4}">
+                  <adec:decorative xmlns:adec="http://schemas.microsoft.com/office/drawing/2017/decorative" val="1"/>
+                </a:ext>
+              </a:extLst>
+            </p:cNvPr>
+            <p:cNvSpPr>
+              <a:spLocks/>
+            </p:cNvSpPr>
+            <p:nvPr>
+              <p:extLst>
+                <p:ext uri="{386F3935-93C4-4BCD-93E2-E3B085C9AB24}">
+                  <p16:designElem xmlns:p16="http://schemas.microsoft.com/office/powerpoint/2015/main" val="1"/>
+                </p:ext>
+              </p:extLst>
+            </p:nvPr>
+          </p:nvSpPr>
+          <p:spPr bwMode="auto">
+            <a:xfrm>
+              <a:off x="1245893" y="1684057"/>
+              <a:ext cx="550492" cy="485306"/>
+            </a:xfrm>
+            <a:custGeom>
+              <a:avLst/>
+              <a:gdLst>
+                <a:gd name="T0" fmla="*/ 225 w 785"/>
+                <a:gd name="T1" fmla="*/ 692 h 692"/>
+                <a:gd name="T2" fmla="*/ 177 w 785"/>
+                <a:gd name="T3" fmla="*/ 665 h 692"/>
+                <a:gd name="T4" fmla="*/ 9 w 785"/>
+                <a:gd name="T5" fmla="*/ 374 h 692"/>
+                <a:gd name="T6" fmla="*/ 9 w 785"/>
+                <a:gd name="T7" fmla="*/ 318 h 692"/>
+                <a:gd name="T8" fmla="*/ 177 w 785"/>
+                <a:gd name="T9" fmla="*/ 27 h 692"/>
+                <a:gd name="T10" fmla="*/ 225 w 785"/>
+                <a:gd name="T11" fmla="*/ 0 h 692"/>
+                <a:gd name="T12" fmla="*/ 561 w 785"/>
+                <a:gd name="T13" fmla="*/ 0 h 692"/>
+                <a:gd name="T14" fmla="*/ 609 w 785"/>
+                <a:gd name="T15" fmla="*/ 27 h 692"/>
+                <a:gd name="T16" fmla="*/ 777 w 785"/>
+                <a:gd name="T17" fmla="*/ 318 h 692"/>
+                <a:gd name="T18" fmla="*/ 777 w 785"/>
+                <a:gd name="T19" fmla="*/ 374 h 692"/>
+                <a:gd name="T20" fmla="*/ 609 w 785"/>
+                <a:gd name="T21" fmla="*/ 665 h 692"/>
+                <a:gd name="T22" fmla="*/ 561 w 785"/>
+                <a:gd name="T23" fmla="*/ 692 h 692"/>
+                <a:gd name="T24" fmla="*/ 225 w 785"/>
+                <a:gd name="T25" fmla="*/ 692 h 692"/>
+              </a:gdLst>
+              <a:ahLst/>
+              <a:cxnLst>
+                <a:cxn ang="0">
+                  <a:pos x="T0" y="T1"/>
+                </a:cxn>
+                <a:cxn ang="0">
+                  <a:pos x="T2" y="T3"/>
+                </a:cxn>
+                <a:cxn ang="0">
+                  <a:pos x="T4" y="T5"/>
+                </a:cxn>
+                <a:cxn ang="0">
+                  <a:pos x="T6" y="T7"/>
+                </a:cxn>
+                <a:cxn ang="0">
+                  <a:pos x="T8" y="T9"/>
+                </a:cxn>
+                <a:cxn ang="0">
+                  <a:pos x="T10" y="T11"/>
+                </a:cxn>
+                <a:cxn ang="0">
+                  <a:pos x="T12" y="T13"/>
+                </a:cxn>
+                <a:cxn ang="0">
+                  <a:pos x="T14" y="T15"/>
+                </a:cxn>
+                <a:cxn ang="0">
+                  <a:pos x="T16" y="T17"/>
+                </a:cxn>
+                <a:cxn ang="0">
+                  <a:pos x="T18" y="T19"/>
+                </a:cxn>
+                <a:cxn ang="0">
+                  <a:pos x="T20" y="T21"/>
+                </a:cxn>
+                <a:cxn ang="0">
+                  <a:pos x="T22" y="T23"/>
+                </a:cxn>
+                <a:cxn ang="0">
+                  <a:pos x="T24" y="T25"/>
+                </a:cxn>
+              </a:cxnLst>
+              <a:rect l="0" t="0" r="r" b="b"/>
+              <a:pathLst>
+                <a:path w="785" h="692">
+                  <a:moveTo>
+                    <a:pt x="225" y="692"/>
+                  </a:moveTo>
+                  <a:cubicBezTo>
+                    <a:pt x="207" y="692"/>
+                    <a:pt x="185" y="680"/>
+                    <a:pt x="177" y="665"/>
+                  </a:cubicBezTo>
+                  <a:cubicBezTo>
+                    <a:pt x="9" y="374"/>
+                    <a:pt x="9" y="374"/>
+                    <a:pt x="9" y="374"/>
+                  </a:cubicBezTo>
+                  <a:cubicBezTo>
+                    <a:pt x="0" y="358"/>
+                    <a:pt x="0" y="334"/>
+                    <a:pt x="9" y="318"/>
+                  </a:cubicBezTo>
+                  <a:cubicBezTo>
+                    <a:pt x="177" y="27"/>
+                    <a:pt x="177" y="27"/>
+                    <a:pt x="177" y="27"/>
+                  </a:cubicBezTo>
+                  <a:cubicBezTo>
+                    <a:pt x="185" y="12"/>
+                    <a:pt x="207" y="0"/>
+                    <a:pt x="225" y="0"/>
+                  </a:cubicBezTo>
+                  <a:cubicBezTo>
+                    <a:pt x="561" y="0"/>
+                    <a:pt x="561" y="0"/>
+                    <a:pt x="561" y="0"/>
+                  </a:cubicBezTo>
+                  <a:cubicBezTo>
+                    <a:pt x="578" y="0"/>
+                    <a:pt x="600" y="12"/>
+                    <a:pt x="609" y="27"/>
+                  </a:cubicBezTo>
+                  <a:cubicBezTo>
+                    <a:pt x="777" y="318"/>
+                    <a:pt x="777" y="318"/>
+                    <a:pt x="777" y="318"/>
+                  </a:cubicBezTo>
+                  <a:cubicBezTo>
+                    <a:pt x="785" y="334"/>
+                    <a:pt x="785" y="358"/>
+                    <a:pt x="777" y="374"/>
+                  </a:cubicBezTo>
+                  <a:cubicBezTo>
+                    <a:pt x="609" y="665"/>
+                    <a:pt x="609" y="665"/>
+                    <a:pt x="609" y="665"/>
+                  </a:cubicBezTo>
+                  <a:cubicBezTo>
+                    <a:pt x="600" y="680"/>
+                    <a:pt x="578" y="692"/>
+                    <a:pt x="561" y="692"/>
+                  </a:cubicBezTo>
+                  <a:lnTo>
+                    <a:pt x="225" y="692"/>
+                  </a:lnTo>
+                  <a:close/>
+                </a:path>
+              </a:pathLst>
+            </a:custGeom>
+            <a:noFill/>
+            <a:ln w="28575" cmpd="sng">
+              <a:solidFill>
+                <a:schemeClr val="bg1"/>
+              </a:solidFill>
+            </a:ln>
+          </p:spPr>
+          <p:txBody>
+            <a:bodyPr vert="horz" wrap="square" lIns="91440" tIns="45720" rIns="91440" bIns="45720" numCol="1" anchor="t" anchorCtr="0" compatLnSpc="1">
+              <a:prstTxWarp prst="textNoShape">
+                <a:avLst/>
+              </a:prstTxWarp>
+            </a:bodyPr>
+            <a:lstStyle/>
+            <a:p>
+              <a:endParaRPr lang="en-US"/>
+            </a:p>
+          </p:txBody>
+        </p:sp>
+      </p:grpSp>
+      <p:sp>
+        <p:nvSpPr>
+          <p:cNvPr id="3" name="Footer Placeholder 2">
+            <a:extLst>
+              <a:ext uri="{FF2B5EF4-FFF2-40B4-BE49-F238E27FC236}">
+                <a16:creationId xmlns:a16="http://schemas.microsoft.com/office/drawing/2014/main" id="{4CE8A43F-9BF3-45F5-88CD-FBEA0476ED6E}"/>
+              </a:ext>
+            </a:extLst>
+          </p:cNvPr>
+          <p:cNvSpPr>
+            <a:spLocks noGrp="1"/>
+          </p:cNvSpPr>
+          <p:nvPr>
+            <p:ph type="ftr" sz="quarter" idx="11"/>
+          </p:nvPr>
+        </p:nvSpPr>
+        <p:spPr>
+          <a:xfrm>
+            <a:off x="7872984" y="384048"/>
+            <a:ext cx="3877056" cy="365125"/>
+          </a:xfrm>
+        </p:spPr>
+        <p:txBody>
+          <a:bodyPr vert="horz" lIns="91440" tIns="45720" rIns="91440" bIns="45720" rtlCol="0" anchor="ctr">
+            <a:normAutofit/>
+          </a:bodyPr>
+          <a:lstStyle/>
+          <a:p>
+            <a:pPr algn="r">
+              <a:spcAft>
+                <a:spcPts val="600"/>
+              </a:spcAft>
+            </a:pPr>
+            <a:r>
+              <a:rPr lang="en-US" sz="1100" kern="1200">
+                <a:solidFill>
+                  <a:schemeClr val="tx1">
+                    <a:alpha val="80000"/>
+                  </a:schemeClr>
+                </a:solidFill>
+                <a:latin typeface="+mn-lt"/>
+                <a:ea typeface="+mn-ea"/>
+                <a:cs typeface="+mn-cs"/>
+              </a:rPr>
+              <a:t>Mike Nguyen</a:t>
+            </a:r>
+          </a:p>
+        </p:txBody>
+      </p:sp>
+      <p:pic>
+        <p:nvPicPr>
+          <p:cNvPr id="4" name="Picture 2" descr="An illustration shows the steps of how to begin to search published sources of secondary data. The steps are as follows:&#10;1. Identify what you want to know and what you already know about the topic.&#10;2. Develop a list of key terms and names.&#10;3. Conduct an online search of relevant databases and Web sites.&#10;4. Compile the information you have found; rework the list of key words and authors if necessary.&#10;5. Consult a reference librarian inside your firm, at a public library, or at a university library.&#10;6. Identify authorities in the subject matter and consult with them.">
+            <a:extLst>
+              <a:ext uri="{FF2B5EF4-FFF2-40B4-BE49-F238E27FC236}">
+                <a16:creationId xmlns:a16="http://schemas.microsoft.com/office/drawing/2014/main" id="{EEAD44D1-BBFB-409C-ACD2-CD9F5AB8C558}"/>
+              </a:ext>
+            </a:extLst>
+          </p:cNvPr>
+          <p:cNvPicPr>
+            <a:picLocks noChangeAspect="1" noChangeArrowheads="1"/>
+          </p:cNvPicPr>
+          <p:nvPr/>
+        </p:nvPicPr>
+        <p:blipFill>
+          <a:blip r:embed="rId3">
+            <a:extLst>
+              <a:ext uri="{28A0092B-C50C-407E-A947-70E740481C1C}">
+                <a14:useLocalDpi xmlns:a14="http://schemas.microsoft.com/office/drawing/2010/main" val="0"/>
+              </a:ext>
+            </a:extLst>
+          </a:blip>
+          <a:stretch>
+            <a:fillRect/>
+          </a:stretch>
+        </p:blipFill>
+        <p:spPr bwMode="auto">
+          <a:xfrm>
+            <a:off x="5208104" y="992104"/>
+            <a:ext cx="6472362" cy="4287939"/>
+          </a:xfrm>
+          <a:prstGeom prst="rect">
+            <a:avLst/>
+          </a:prstGeom>
+          <a:noFill/>
+          <a:extLst>
+            <a:ext uri="{909E8E84-426E-40DD-AFC4-6F175D3DCCD1}">
+              <a14:hiddenFill xmlns:a14="http://schemas.microsoft.com/office/drawing/2010/main">
+                <a:solidFill>
+                  <a:schemeClr val="accent1"/>
+                </a:solidFill>
+              </a14:hiddenFill>
+            </a:ext>
+            <a:ext uri="{91240B29-F687-4F45-9708-019B960494DF}">
+              <a14:hiddenLine xmlns:a14="http://schemas.microsoft.com/office/drawing/2010/main" w="9525">
+                <a:solidFill>
+                  <a:schemeClr val="tx1"/>
+                </a:solidFill>
+                <a:miter lim="800000"/>
+                <a:headEnd/>
+                <a:tailEnd/>
+              </a14:hiddenLine>
+            </a:ext>
+          </a:extLst>
+        </p:spPr>
+      </p:pic>
+    </p:spTree>
+    <p:extLst>
+      <p:ext uri="{BB962C8B-B14F-4D97-AF65-F5344CB8AC3E}">
+        <p14:creationId xmlns:p14="http://schemas.microsoft.com/office/powerpoint/2010/main" val="560149371"/>
+      </p:ext>
+    </p:extLst>
+  </p:cSld>
+  <p:clrMapOvr>
+    <a:masterClrMapping/>
+  </p:clrMapOvr>
+</p:sld>
+</file>
+
+<file path=ppt/slides/slide11.xml><?xml version="1.0" encoding="utf-8"?>
+<p:sld xmlns:a="http://schemas.openxmlformats.org/drawingml/2006/main" xmlns:r="http://schemas.openxmlformats.org/officeDocument/2006/relationships" xmlns:p="http://schemas.openxmlformats.org/presentationml/2006/main">
+  <p:cSld>
+    <p:bg>
+      <p:bgPr>
+        <a:solidFill>
+          <a:schemeClr val="bg1"/>
+        </a:solidFill>
+        <a:effectLst/>
+      </p:bgPr>
+    </p:bg>
+    <p:spTree>
+      <p:nvGrpSpPr>
+        <p:cNvPr id="1" name=""/>
+        <p:cNvGrpSpPr/>
+        <p:nvPr/>
+      </p:nvGrpSpPr>
+      <p:grpSpPr>
+        <a:xfrm>
+          <a:off x="0" y="0"/>
+          <a:ext cx="0" cy="0"/>
+          <a:chOff x="0" y="0"/>
+          <a:chExt cx="0" cy="0"/>
+        </a:xfrm>
+      </p:grpSpPr>
+      <p:sp useBgFill="1">
+        <p:nvSpPr>
           <p:cNvPr id="9" name="Rectangle 8">
             <a:extLst>
               <a:ext uri="{FF2B5EF4-FFF2-40B4-BE49-F238E27FC236}">
@@ -25069,10 +25803,92 @@
   <p:clrMapOvr>
     <a:masterClrMapping/>
   </p:clrMapOvr>
+  <p:timing>
+    <p:tnLst>
+      <p:par>
+        <p:cTn id="1" dur="indefinite" restart="never" nodeType="tmRoot">
+          <p:childTnLst>
+            <p:seq concurrent="1" nextAc="seek">
+              <p:cTn id="2" dur="indefinite" nodeType="mainSeq">
+                <p:childTnLst>
+                  <p:par>
+                    <p:cTn id="3" fill="hold">
+                      <p:stCondLst>
+                        <p:cond delay="indefinite"/>
+                      </p:stCondLst>
+                      <p:childTnLst>
+                        <p:par>
+                          <p:cTn id="4" fill="hold">
+                            <p:stCondLst>
+                              <p:cond delay="0"/>
+                            </p:stCondLst>
+                            <p:childTnLst>
+                              <p:par>
+                                <p:cTn id="5" presetID="1" presetClass="entr" presetSubtype="0" fill="hold" grpId="0" nodeType="clickEffect">
+                                  <p:stCondLst>
+                                    <p:cond delay="0"/>
+                                  </p:stCondLst>
+                                  <p:childTnLst>
+                                    <p:set>
+                                      <p:cBhvr>
+                                        <p:cTn id="6" dur="1" fill="hold">
+                                          <p:stCondLst>
+                                            <p:cond delay="0"/>
+                                          </p:stCondLst>
+                                        </p:cTn>
+                                        <p:tgtEl>
+                                          <p:spTgt spid="3">
+                                            <p:txEl>
+                                              <p:pRg st="0" end="0"/>
+                                            </p:txEl>
+                                          </p:spTgt>
+                                        </p:tgtEl>
+                                        <p:attrNameLst>
+                                          <p:attrName>style.visibility</p:attrName>
+                                        </p:attrNameLst>
+                                      </p:cBhvr>
+                                      <p:to>
+                                        <p:strVal val="visible"/>
+                                      </p:to>
+                                    </p:set>
+                                  </p:childTnLst>
+                                </p:cTn>
+                              </p:par>
+                            </p:childTnLst>
+                          </p:cTn>
+                        </p:par>
+                      </p:childTnLst>
+                    </p:cTn>
+                  </p:par>
+                </p:childTnLst>
+              </p:cTn>
+              <p:prevCondLst>
+                <p:cond evt="onPrev" delay="0">
+                  <p:tgtEl>
+                    <p:sldTgt/>
+                  </p:tgtEl>
+                </p:cond>
+              </p:prevCondLst>
+              <p:nextCondLst>
+                <p:cond evt="onNext" delay="0">
+                  <p:tgtEl>
+                    <p:sldTgt/>
+                  </p:tgtEl>
+                </p:cond>
+              </p:nextCondLst>
+            </p:seq>
+          </p:childTnLst>
+        </p:cTn>
+      </p:par>
+    </p:tnLst>
+    <p:bldLst>
+      <p:bldP spid="3" grpId="0" build="p"/>
+    </p:bldLst>
+  </p:timing>
 </p:sld>
 </file>
 
-<file path=ppt/slides/slide11.xml><?xml version="1.0" encoding="utf-8"?>
+<file path=ppt/slides/slide12.xml><?xml version="1.0" encoding="utf-8"?>
 <p:sld xmlns:a="http://schemas.openxmlformats.org/drawingml/2006/main" xmlns:r="http://schemas.openxmlformats.org/officeDocument/2006/relationships" xmlns:p="http://schemas.openxmlformats.org/presentationml/2006/main">
   <p:cSld>
     <p:bg>
@@ -25740,7 +26556,7 @@
           <a:lstStyle/>
           <a:p>
             <a:r>
-              <a:rPr lang="en-US" sz="2000">
+              <a:rPr lang="en-US" sz="2000" dirty="0">
                 <a:solidFill>
                   <a:schemeClr val="bg1"/>
                 </a:solidFill>
@@ -25816,10 +26632,92 @@
   <p:clrMapOvr>
     <a:masterClrMapping/>
   </p:clrMapOvr>
+  <p:timing>
+    <p:tnLst>
+      <p:par>
+        <p:cTn id="1" dur="indefinite" restart="never" nodeType="tmRoot">
+          <p:childTnLst>
+            <p:seq concurrent="1" nextAc="seek">
+              <p:cTn id="2" dur="indefinite" nodeType="mainSeq">
+                <p:childTnLst>
+                  <p:par>
+                    <p:cTn id="3" fill="hold">
+                      <p:stCondLst>
+                        <p:cond delay="indefinite"/>
+                      </p:stCondLst>
+                      <p:childTnLst>
+                        <p:par>
+                          <p:cTn id="4" fill="hold">
+                            <p:stCondLst>
+                              <p:cond delay="0"/>
+                            </p:stCondLst>
+                            <p:childTnLst>
+                              <p:par>
+                                <p:cTn id="5" presetID="1" presetClass="entr" presetSubtype="0" fill="hold" grpId="0" nodeType="clickEffect">
+                                  <p:stCondLst>
+                                    <p:cond delay="0"/>
+                                  </p:stCondLst>
+                                  <p:childTnLst>
+                                    <p:set>
+                                      <p:cBhvr>
+                                        <p:cTn id="6" dur="1" fill="hold">
+                                          <p:stCondLst>
+                                            <p:cond delay="0"/>
+                                          </p:stCondLst>
+                                        </p:cTn>
+                                        <p:tgtEl>
+                                          <p:spTgt spid="3">
+                                            <p:txEl>
+                                              <p:pRg st="0" end="0"/>
+                                            </p:txEl>
+                                          </p:spTgt>
+                                        </p:tgtEl>
+                                        <p:attrNameLst>
+                                          <p:attrName>style.visibility</p:attrName>
+                                        </p:attrNameLst>
+                                      </p:cBhvr>
+                                      <p:to>
+                                        <p:strVal val="visible"/>
+                                      </p:to>
+                                    </p:set>
+                                  </p:childTnLst>
+                                </p:cTn>
+                              </p:par>
+                            </p:childTnLst>
+                          </p:cTn>
+                        </p:par>
+                      </p:childTnLst>
+                    </p:cTn>
+                  </p:par>
+                </p:childTnLst>
+              </p:cTn>
+              <p:prevCondLst>
+                <p:cond evt="onPrev" delay="0">
+                  <p:tgtEl>
+                    <p:sldTgt/>
+                  </p:tgtEl>
+                </p:cond>
+              </p:prevCondLst>
+              <p:nextCondLst>
+                <p:cond evt="onNext" delay="0">
+                  <p:tgtEl>
+                    <p:sldTgt/>
+                  </p:tgtEl>
+                </p:cond>
+              </p:nextCondLst>
+            </p:seq>
+          </p:childTnLst>
+        </p:cTn>
+      </p:par>
+    </p:tnLst>
+    <p:bldLst>
+      <p:bldP spid="3" grpId="0" build="p"/>
+    </p:bldLst>
+  </p:timing>
 </p:sld>
 </file>
 
-<file path=ppt/slides/slide12.xml><?xml version="1.0" encoding="utf-8"?>
+<file path=ppt/slides/slide13.xml><?xml version="1.0" encoding="utf-8"?>
 <p:sld xmlns:a="http://schemas.openxmlformats.org/drawingml/2006/main" xmlns:r="http://schemas.openxmlformats.org/officeDocument/2006/relationships" xmlns:p="http://schemas.openxmlformats.org/presentationml/2006/main" show="0">
   <p:cSld>
     <p:bg>
@@ -26504,7 +27402,7 @@
 </p:sld>
 </file>
 
-<file path=ppt/slides/slide13.xml><?xml version="1.0" encoding="utf-8"?>
+<file path=ppt/slides/slide14.xml><?xml version="1.0" encoding="utf-8"?>
 <p:sld xmlns:a="http://schemas.openxmlformats.org/drawingml/2006/main" xmlns:r="http://schemas.openxmlformats.org/officeDocument/2006/relationships" xmlns:p="http://schemas.openxmlformats.org/presentationml/2006/main">
   <p:cSld>
     <p:bg>
@@ -27203,7 +28101,7 @@
 </p:sld>
 </file>
 
-<file path=ppt/slides/slide14.xml><?xml version="1.0" encoding="utf-8"?>
+<file path=ppt/slides/slide15.xml><?xml version="1.0" encoding="utf-8"?>
 <p:sld xmlns:a="http://schemas.openxmlformats.org/drawingml/2006/main" xmlns:r="http://schemas.openxmlformats.org/officeDocument/2006/relationships" xmlns:p="http://schemas.openxmlformats.org/presentationml/2006/main">
   <p:cSld>
     <p:bg>
@@ -27524,7 +28422,7 @@
 </p:sld>
 </file>
 
-<file path=ppt/slides/slide15.xml><?xml version="1.0" encoding="utf-8"?>
+<file path=ppt/slides/slide16.xml><?xml version="1.0" encoding="utf-8"?>
 <p:sld xmlns:a="http://schemas.openxmlformats.org/drawingml/2006/main" xmlns:r="http://schemas.openxmlformats.org/officeDocument/2006/relationships" xmlns:p="http://schemas.openxmlformats.org/presentationml/2006/main">
   <p:cSld>
     <p:bg>
@@ -28072,7 +28970,7 @@
 </p:sld>
 </file>
 
-<file path=ppt/slides/slide16.xml><?xml version="1.0" encoding="utf-8"?>
+<file path=ppt/slides/slide17.xml><?xml version="1.0" encoding="utf-8"?>
 <p:sld xmlns:a="http://schemas.openxmlformats.org/drawingml/2006/main" xmlns:r="http://schemas.openxmlformats.org/officeDocument/2006/relationships" xmlns:p="http://schemas.openxmlformats.org/presentationml/2006/main">
   <p:cSld>
     <p:bg>
@@ -28523,7 +29421,7 @@
 </p:sld>
 </file>
 
-<file path=ppt/slides/slide17.xml><?xml version="1.0" encoding="utf-8"?>
+<file path=ppt/slides/slide18.xml><?xml version="1.0" encoding="utf-8"?>
 <p:sld xmlns:a="http://schemas.openxmlformats.org/drawingml/2006/main" xmlns:r="http://schemas.openxmlformats.org/officeDocument/2006/relationships" xmlns:p="http://schemas.openxmlformats.org/presentationml/2006/main">
   <p:cSld>
     <p:bg>
@@ -29392,7 +30290,7 @@
 </p:sld>
 </file>
 
-<file path=ppt/slides/slide18.xml><?xml version="1.0" encoding="utf-8"?>
+<file path=ppt/slides/slide19.xml><?xml version="1.0" encoding="utf-8"?>
 <p:sld xmlns:a="http://schemas.openxmlformats.org/drawingml/2006/main" xmlns:r="http://schemas.openxmlformats.org/officeDocument/2006/relationships" xmlns:p="http://schemas.openxmlformats.org/presentationml/2006/main">
   <p:cSld>
     <p:bg>
@@ -29826,7 +30724,353 @@
 </p:sld>
 </file>
 
-<file path=ppt/slides/slide19.xml><?xml version="1.0" encoding="utf-8"?>
+<file path=ppt/slides/slide2.xml><?xml version="1.0" encoding="utf-8"?>
+<p:sld xmlns:a="http://schemas.openxmlformats.org/drawingml/2006/main" xmlns:r="http://schemas.openxmlformats.org/officeDocument/2006/relationships" xmlns:p="http://schemas.openxmlformats.org/presentationml/2006/main">
+  <p:cSld>
+    <p:bg>
+      <p:bgPr>
+        <a:solidFill>
+          <a:schemeClr val="bg1"/>
+        </a:solidFill>
+        <a:effectLst/>
+      </p:bgPr>
+    </p:bg>
+    <p:spTree>
+      <p:nvGrpSpPr>
+        <p:cNvPr id="1" name=""/>
+        <p:cNvGrpSpPr/>
+        <p:nvPr/>
+      </p:nvGrpSpPr>
+      <p:grpSpPr>
+        <a:xfrm>
+          <a:off x="0" y="0"/>
+          <a:ext cx="0" cy="0"/>
+          <a:chOff x="0" y="0"/>
+          <a:chExt cx="0" cy="0"/>
+        </a:xfrm>
+      </p:grpSpPr>
+      <p:pic>
+        <p:nvPicPr>
+          <p:cNvPr id="1026" name="Picture 2" descr="57 Of The Best Damn Photos On The Internet This Morning - BroBible">
+            <a:extLst>
+              <a:ext uri="{FF2B5EF4-FFF2-40B4-BE49-F238E27FC236}">
+                <a16:creationId xmlns:a16="http://schemas.microsoft.com/office/drawing/2014/main" id="{CF45FE61-9497-0D81-1822-E6972E87DC4E}"/>
+              </a:ext>
+            </a:extLst>
+          </p:cNvPr>
+          <p:cNvPicPr>
+            <a:picLocks noChangeAspect="1" noChangeArrowheads="1"/>
+          </p:cNvPicPr>
+          <p:nvPr/>
+        </p:nvPicPr>
+        <p:blipFill rotWithShape="1">
+          <a:blip r:embed="rId2">
+            <a:extLst>
+              <a:ext uri="{28A0092B-C50C-407E-A947-70E740481C1C}">
+                <a14:useLocalDpi xmlns:a14="http://schemas.microsoft.com/office/drawing/2010/main" val="0"/>
+              </a:ext>
+            </a:extLst>
+          </a:blip>
+          <a:srcRect t="3947" b="10826"/>
+          <a:stretch/>
+        </p:blipFill>
+        <p:spPr bwMode="auto">
+          <a:xfrm>
+            <a:off x="20" y="10"/>
+            <a:ext cx="12191980" cy="6857990"/>
+          </a:xfrm>
+          <a:prstGeom prst="rect">
+            <a:avLst/>
+          </a:prstGeom>
+          <a:noFill/>
+          <a:extLst>
+            <a:ext uri="{909E8E84-426E-40DD-AFC4-6F175D3DCCD1}">
+              <a14:hiddenFill xmlns:a14="http://schemas.microsoft.com/office/drawing/2010/main">
+                <a:solidFill>
+                  <a:srgbClr val="FFFFFF"/>
+                </a:solidFill>
+              </a14:hiddenFill>
+            </a:ext>
+          </a:extLst>
+        </p:spPr>
+      </p:pic>
+      <p:sp>
+        <p:nvSpPr>
+          <p:cNvPr id="1031" name="Rectangle 1030">
+            <a:extLst>
+              <a:ext uri="{FF2B5EF4-FFF2-40B4-BE49-F238E27FC236}">
+                <a16:creationId xmlns:a16="http://schemas.microsoft.com/office/drawing/2014/main" id="{37C89E4B-3C9F-44B9-8B86-D9E3D112D8EC}"/>
+              </a:ext>
+              <a:ext uri="{C183D7F6-B498-43B3-948B-1728B52AA6E4}">
+                <adec:decorative xmlns:adec="http://schemas.microsoft.com/office/drawing/2017/decorative" val="1"/>
+              </a:ext>
+            </a:extLst>
+          </p:cNvPr>
+          <p:cNvSpPr>
+            <a:spLocks noGrp="1" noRot="1" noChangeAspect="1" noMove="1" noResize="1" noEditPoints="1" noAdjustHandles="1" noChangeArrowheads="1" noChangeShapeType="1" noTextEdit="1"/>
+          </p:cNvSpPr>
+          <p:nvPr>
+            <p:extLst>
+              <p:ext uri="{386F3935-93C4-4BCD-93E2-E3B085C9AB24}">
+                <p16:designElem xmlns:p16="http://schemas.microsoft.com/office/powerpoint/2015/main" val="1"/>
+              </p:ext>
+            </p:extLst>
+          </p:nvPr>
+        </p:nvSpPr>
+        <p:spPr>
+          <a:xfrm>
+            <a:off x="0" y="5320142"/>
+            <a:ext cx="12192000" cy="736551"/>
+          </a:xfrm>
+          <a:prstGeom prst="rect">
+            <a:avLst/>
+          </a:prstGeom>
+          <a:solidFill>
+            <a:schemeClr val="bg1">
+              <a:alpha val="93000"/>
+            </a:schemeClr>
+          </a:solidFill>
+          <a:ln>
+            <a:noFill/>
+          </a:ln>
+        </p:spPr>
+        <p:style>
+          <a:lnRef idx="2">
+            <a:schemeClr val="accent1">
+              <a:shade val="50000"/>
+            </a:schemeClr>
+          </a:lnRef>
+          <a:fillRef idx="1">
+            <a:schemeClr val="accent1"/>
+          </a:fillRef>
+          <a:effectRef idx="0">
+            <a:schemeClr val="accent1"/>
+          </a:effectRef>
+          <a:fontRef idx="minor">
+            <a:schemeClr val="lt1"/>
+          </a:fontRef>
+        </p:style>
+        <p:txBody>
+          <a:bodyPr rtlCol="0" anchor="ctr"/>
+          <a:lstStyle/>
+          <a:p>
+            <a:pPr algn="ctr"/>
+            <a:endParaRPr lang="en-US"/>
+          </a:p>
+        </p:txBody>
+      </p:sp>
+      <p:sp>
+        <p:nvSpPr>
+          <p:cNvPr id="2" name="Title 1">
+            <a:extLst>
+              <a:ext uri="{FF2B5EF4-FFF2-40B4-BE49-F238E27FC236}">
+                <a16:creationId xmlns:a16="http://schemas.microsoft.com/office/drawing/2014/main" id="{F1A22986-99D7-8DC2-58BF-FF13738EFE65}"/>
+              </a:ext>
+            </a:extLst>
+          </p:cNvPr>
+          <p:cNvSpPr>
+            <a:spLocks noGrp="1"/>
+          </p:cNvSpPr>
+          <p:nvPr>
+            <p:ph type="title"/>
+          </p:nvPr>
+        </p:nvSpPr>
+        <p:spPr>
+          <a:xfrm>
+            <a:off x="523875" y="5317240"/>
+            <a:ext cx="11210925" cy="744836"/>
+          </a:xfrm>
+        </p:spPr>
+        <p:txBody>
+          <a:bodyPr vert="horz" lIns="91440" tIns="45720" rIns="91440" bIns="45720" rtlCol="0" anchor="ctr">
+            <a:normAutofit/>
+          </a:bodyPr>
+          <a:lstStyle/>
+          <a:p>
+            <a:pPr algn="ctr"/>
+            <a:r>
+              <a:rPr lang="en-US" sz="3600">
+                <a:solidFill>
+                  <a:schemeClr val="tx1">
+                    <a:lumMod val="85000"/>
+                    <a:lumOff val="15000"/>
+                  </a:schemeClr>
+                </a:solidFill>
+              </a:rPr>
+              <a:t>Check-in</a:t>
+            </a:r>
+          </a:p>
+        </p:txBody>
+      </p:sp>
+      <p:cxnSp>
+        <p:nvCxnSpPr>
+          <p:cNvPr id="1033" name="Straight Connector 1032">
+            <a:extLst>
+              <a:ext uri="{FF2B5EF4-FFF2-40B4-BE49-F238E27FC236}">
+                <a16:creationId xmlns:a16="http://schemas.microsoft.com/office/drawing/2014/main" id="{AA2EAA10-076F-46BD-8F0F-B9A2FB77A85C}"/>
+              </a:ext>
+              <a:ext uri="{C183D7F6-B498-43B3-948B-1728B52AA6E4}">
+                <adec:decorative xmlns:adec="http://schemas.microsoft.com/office/drawing/2017/decorative" val="1"/>
+              </a:ext>
+            </a:extLst>
+          </p:cNvPr>
+          <p:cNvCxnSpPr>
+            <a:cxnSpLocks noGrp="1" noRot="1" noChangeAspect="1" noMove="1" noResize="1" noEditPoints="1" noAdjustHandles="1" noChangeArrowheads="1" noChangeShapeType="1"/>
+          </p:cNvCxnSpPr>
+          <p:nvPr>
+            <p:extLst>
+              <p:ext uri="{386F3935-93C4-4BCD-93E2-E3B085C9AB24}">
+                <p16:designElem xmlns:p16="http://schemas.microsoft.com/office/powerpoint/2015/main" val="1"/>
+              </p:ext>
+            </p:extLst>
+          </p:nvPr>
+        </p:nvCxnSpPr>
+        <p:spPr>
+          <a:xfrm>
+            <a:off x="0" y="5241983"/>
+            <a:ext cx="12192000" cy="0"/>
+          </a:xfrm>
+          <a:prstGeom prst="line">
+            <a:avLst/>
+          </a:prstGeom>
+          <a:ln w="41275">
+            <a:solidFill>
+              <a:schemeClr val="bg1">
+                <a:alpha val="90000"/>
+              </a:schemeClr>
+            </a:solidFill>
+          </a:ln>
+        </p:spPr>
+        <p:style>
+          <a:lnRef idx="1">
+            <a:schemeClr val="accent1"/>
+          </a:lnRef>
+          <a:fillRef idx="0">
+            <a:schemeClr val="accent1"/>
+          </a:fillRef>
+          <a:effectRef idx="0">
+            <a:schemeClr val="accent1"/>
+          </a:effectRef>
+          <a:fontRef idx="minor">
+            <a:schemeClr val="tx1"/>
+          </a:fontRef>
+        </p:style>
+      </p:cxnSp>
+      <p:cxnSp>
+        <p:nvCxnSpPr>
+          <p:cNvPr id="1035" name="Straight Connector 1034">
+            <a:extLst>
+              <a:ext uri="{FF2B5EF4-FFF2-40B4-BE49-F238E27FC236}">
+                <a16:creationId xmlns:a16="http://schemas.microsoft.com/office/drawing/2014/main" id="{D891E407-403B-4764-86C9-33A56D3BCAA3}"/>
+              </a:ext>
+              <a:ext uri="{C183D7F6-B498-43B3-948B-1728B52AA6E4}">
+                <adec:decorative xmlns:adec="http://schemas.microsoft.com/office/drawing/2017/decorative" val="1"/>
+              </a:ext>
+            </a:extLst>
+          </p:cNvPr>
+          <p:cNvCxnSpPr>
+            <a:cxnSpLocks noGrp="1" noRot="1" noChangeAspect="1" noMove="1" noResize="1" noEditPoints="1" noAdjustHandles="1" noChangeArrowheads="1" noChangeShapeType="1"/>
+          </p:cNvCxnSpPr>
+          <p:nvPr>
+            <p:extLst>
+              <p:ext uri="{386F3935-93C4-4BCD-93E2-E3B085C9AB24}">
+                <p16:designElem xmlns:p16="http://schemas.microsoft.com/office/powerpoint/2015/main" val="1"/>
+              </p:ext>
+            </p:extLst>
+          </p:nvPr>
+        </p:nvCxnSpPr>
+        <p:spPr>
+          <a:xfrm>
+            <a:off x="0" y="6134852"/>
+            <a:ext cx="12192000" cy="0"/>
+          </a:xfrm>
+          <a:prstGeom prst="line">
+            <a:avLst/>
+          </a:prstGeom>
+          <a:ln w="41275">
+            <a:solidFill>
+              <a:schemeClr val="bg1">
+                <a:alpha val="90000"/>
+              </a:schemeClr>
+            </a:solidFill>
+          </a:ln>
+        </p:spPr>
+        <p:style>
+          <a:lnRef idx="1">
+            <a:schemeClr val="accent1"/>
+          </a:lnRef>
+          <a:fillRef idx="0">
+            <a:schemeClr val="accent1"/>
+          </a:fillRef>
+          <a:effectRef idx="0">
+            <a:schemeClr val="accent1"/>
+          </a:effectRef>
+          <a:fontRef idx="minor">
+            <a:schemeClr val="tx1"/>
+          </a:fontRef>
+        </p:style>
+      </p:cxnSp>
+      <p:sp>
+        <p:nvSpPr>
+          <p:cNvPr id="4" name="Footer Placeholder 3">
+            <a:extLst>
+              <a:ext uri="{FF2B5EF4-FFF2-40B4-BE49-F238E27FC236}">
+                <a16:creationId xmlns:a16="http://schemas.microsoft.com/office/drawing/2014/main" id="{4C0E722F-0539-2B1F-EBE6-4281252DEE6E}"/>
+              </a:ext>
+            </a:extLst>
+          </p:cNvPr>
+          <p:cNvSpPr>
+            <a:spLocks noGrp="1"/>
+          </p:cNvSpPr>
+          <p:nvPr>
+            <p:ph type="ftr" sz="quarter" idx="11"/>
+          </p:nvPr>
+        </p:nvSpPr>
+        <p:spPr>
+          <a:xfrm>
+            <a:off x="4038600" y="6356350"/>
+            <a:ext cx="4114800" cy="365125"/>
+          </a:xfrm>
+        </p:spPr>
+        <p:txBody>
+          <a:bodyPr vert="horz" lIns="91440" tIns="45720" rIns="91440" bIns="45720" rtlCol="0" anchor="ctr">
+            <a:normAutofit/>
+          </a:bodyPr>
+          <a:lstStyle/>
+          <a:p>
+            <a:pPr defTabSz="457200">
+              <a:spcAft>
+                <a:spcPts val="600"/>
+              </a:spcAft>
+            </a:pPr>
+            <a:r>
+              <a:rPr lang="en-US" kern="1200">
+                <a:solidFill>
+                  <a:srgbClr val="FFFFFF"/>
+                </a:solidFill>
+                <a:latin typeface="+mn-lt"/>
+                <a:ea typeface="+mn-ea"/>
+                <a:cs typeface="+mn-cs"/>
+              </a:rPr>
+              <a:t>Mike Nguyen</a:t>
+            </a:r>
+          </a:p>
+        </p:txBody>
+      </p:sp>
+    </p:spTree>
+    <p:extLst>
+      <p:ext uri="{BB962C8B-B14F-4D97-AF65-F5344CB8AC3E}">
+        <p14:creationId xmlns:p14="http://schemas.microsoft.com/office/powerpoint/2010/main" val="184933746"/>
+      </p:ext>
+    </p:extLst>
+  </p:cSld>
+  <p:clrMapOvr>
+    <a:masterClrMapping/>
+  </p:clrMapOvr>
+</p:sld>
+</file>
+
+<file path=ppt/slides/slide20.xml><?xml version="1.0" encoding="utf-8"?>
 <p:sld xmlns:a="http://schemas.openxmlformats.org/drawingml/2006/main" xmlns:r="http://schemas.openxmlformats.org/officeDocument/2006/relationships" xmlns:p="http://schemas.openxmlformats.org/presentationml/2006/main">
   <p:cSld>
     <p:spTree>
@@ -29976,1486 +31220,7 @@
 </p:sld>
 </file>
 
-<file path=ppt/slides/slide2.xml><?xml version="1.0" encoding="utf-8"?>
-<p:sld xmlns:a="http://schemas.openxmlformats.org/drawingml/2006/main" xmlns:r="http://schemas.openxmlformats.org/officeDocument/2006/relationships" xmlns:p="http://schemas.openxmlformats.org/presentationml/2006/main">
-  <p:cSld>
-    <p:bg>
-      <p:bgPr>
-        <a:solidFill>
-          <a:schemeClr val="bg1">
-            <a:tint val="95000"/>
-            <a:satMod val="170000"/>
-          </a:schemeClr>
-        </a:solidFill>
-        <a:effectLst/>
-      </p:bgPr>
-    </p:bg>
-    <p:spTree>
-      <p:nvGrpSpPr>
-        <p:cNvPr id="1" name=""/>
-        <p:cNvGrpSpPr/>
-        <p:nvPr/>
-      </p:nvGrpSpPr>
-      <p:grpSpPr>
-        <a:xfrm>
-          <a:off x="0" y="0"/>
-          <a:ext cx="0" cy="0"/>
-          <a:chOff x="0" y="0"/>
-          <a:chExt cx="0" cy="0"/>
-        </a:xfrm>
-      </p:grpSpPr>
-      <p:sp>
-        <p:nvSpPr>
-          <p:cNvPr id="2" name="Title 1">
-            <a:extLst>
-              <a:ext uri="{FF2B5EF4-FFF2-40B4-BE49-F238E27FC236}">
-                <a16:creationId xmlns:a16="http://schemas.microsoft.com/office/drawing/2014/main" id="{E561AC0E-7195-4ACF-AA0A-5E2923A987F7}"/>
-              </a:ext>
-            </a:extLst>
-          </p:cNvPr>
-          <p:cNvSpPr>
-            <a:spLocks noGrp="1"/>
-          </p:cNvSpPr>
-          <p:nvPr>
-            <p:ph type="ctrTitle"/>
-          </p:nvPr>
-        </p:nvSpPr>
-        <p:spPr>
-          <a:xfrm>
-            <a:off x="4654295" y="4522156"/>
-            <a:ext cx="5609222" cy="1363215"/>
-          </a:xfrm>
-        </p:spPr>
-        <p:txBody>
-          <a:bodyPr anchor="t">
-            <a:normAutofit/>
-          </a:bodyPr>
-          <a:lstStyle/>
-          <a:p>
-            <a:pPr algn="l"/>
-            <a:r>
-              <a:rPr lang="en-US" sz="4400" dirty="0">
-                <a:latin typeface="Franklin Gothic Book" panose="020B0503020102020204" pitchFamily="34" charset="0"/>
-                <a:cs typeface="Segoe UI" panose="020B0502040204020203" pitchFamily="34" charset="0"/>
-              </a:rPr>
-              <a:t>Using External Secondary Data</a:t>
-            </a:r>
-          </a:p>
-        </p:txBody>
-      </p:sp>
-      <p:sp>
-        <p:nvSpPr>
-          <p:cNvPr id="29" name="Freeform: Shape 28">
-            <a:extLst>
-              <a:ext uri="{FF2B5EF4-FFF2-40B4-BE49-F238E27FC236}">
-                <a16:creationId xmlns:a16="http://schemas.microsoft.com/office/drawing/2014/main" id="{F6E384F5-137A-40B1-97F0-694CC6ECD59C}"/>
-              </a:ext>
-              <a:ext uri="{C183D7F6-B498-43B3-948B-1728B52AA6E4}">
-                <adec:decorative xmlns:adec="http://schemas.microsoft.com/office/drawing/2017/decorative" val="1"/>
-              </a:ext>
-            </a:extLst>
-          </p:cNvPr>
-          <p:cNvSpPr>
-            <a:spLocks noGrp="1" noRot="1" noChangeAspect="1" noMove="1" noResize="1" noEditPoints="1" noAdjustHandles="1" noChangeArrowheads="1" noChangeShapeType="1" noTextEdit="1"/>
-          </p:cNvSpPr>
-          <p:nvPr>
-            <p:extLst>
-              <p:ext uri="{386F3935-93C4-4BCD-93E2-E3B085C9AB24}">
-                <p16:designElem xmlns:p16="http://schemas.microsoft.com/office/powerpoint/2015/main" val="1"/>
-              </p:ext>
-            </p:extLst>
-          </p:nvPr>
-        </p:nvSpPr>
-        <p:spPr>
-          <a:xfrm>
-            <a:off x="0" y="2122218"/>
-            <a:ext cx="3730752" cy="4735782"/>
-          </a:xfrm>
-          <a:custGeom>
-            <a:avLst/>
-            <a:gdLst>
-              <a:gd name="connsiteX0" fmla="*/ 640080 w 3730752"/>
-              <a:gd name="connsiteY0" fmla="*/ 0 h 4735782"/>
-              <a:gd name="connsiteX1" fmla="*/ 3730752 w 3730752"/>
-              <a:gd name="connsiteY1" fmla="*/ 3090672 h 4735782"/>
-              <a:gd name="connsiteX2" fmla="*/ 3357725 w 3730752"/>
-              <a:gd name="connsiteY2" fmla="*/ 4563870 h 4735782"/>
-              <a:gd name="connsiteX3" fmla="*/ 3253285 w 3730752"/>
-              <a:gd name="connsiteY3" fmla="*/ 4735782 h 4735782"/>
-              <a:gd name="connsiteX4" fmla="*/ 0 w 3730752"/>
-              <a:gd name="connsiteY4" fmla="*/ 4735782 h 4735782"/>
-              <a:gd name="connsiteX5" fmla="*/ 0 w 3730752"/>
-              <a:gd name="connsiteY5" fmla="*/ 67215 h 4735782"/>
-              <a:gd name="connsiteX6" fmla="*/ 17202 w 3730752"/>
-              <a:gd name="connsiteY6" fmla="*/ 62792 h 4735782"/>
-              <a:gd name="connsiteX7" fmla="*/ 640080 w 3730752"/>
-              <a:gd name="connsiteY7" fmla="*/ 0 h 4735782"/>
-            </a:gdLst>
-            <a:ahLst/>
-            <a:cxnLst>
-              <a:cxn ang="0">
-                <a:pos x="connsiteX0" y="connsiteY0"/>
-              </a:cxn>
-              <a:cxn ang="0">
-                <a:pos x="connsiteX1" y="connsiteY1"/>
-              </a:cxn>
-              <a:cxn ang="0">
-                <a:pos x="connsiteX2" y="connsiteY2"/>
-              </a:cxn>
-              <a:cxn ang="0">
-                <a:pos x="connsiteX3" y="connsiteY3"/>
-              </a:cxn>
-              <a:cxn ang="0">
-                <a:pos x="connsiteX4" y="connsiteY4"/>
-              </a:cxn>
-              <a:cxn ang="0">
-                <a:pos x="connsiteX5" y="connsiteY5"/>
-              </a:cxn>
-              <a:cxn ang="0">
-                <a:pos x="connsiteX6" y="connsiteY6"/>
-              </a:cxn>
-              <a:cxn ang="0">
-                <a:pos x="connsiteX7" y="connsiteY7"/>
-              </a:cxn>
-            </a:cxnLst>
-            <a:rect l="l" t="t" r="r" b="b"/>
-            <a:pathLst>
-              <a:path w="3730752" h="4735782">
-                <a:moveTo>
-                  <a:pt x="640080" y="0"/>
-                </a:moveTo>
-                <a:cubicBezTo>
-                  <a:pt x="2347011" y="0"/>
-                  <a:pt x="3730752" y="1383741"/>
-                  <a:pt x="3730752" y="3090672"/>
-                </a:cubicBezTo>
-                <a:cubicBezTo>
-                  <a:pt x="3730752" y="3624088"/>
-                  <a:pt x="3595621" y="4125943"/>
-                  <a:pt x="3357725" y="4563870"/>
-                </a:cubicBezTo>
-                <a:lnTo>
-                  <a:pt x="3253285" y="4735782"/>
-                </a:lnTo>
-                <a:lnTo>
-                  <a:pt x="0" y="4735782"/>
-                </a:lnTo>
-                <a:lnTo>
-                  <a:pt x="0" y="67215"/>
-                </a:lnTo>
-                <a:lnTo>
-                  <a:pt x="17202" y="62792"/>
-                </a:lnTo>
-                <a:cubicBezTo>
-                  <a:pt x="218397" y="21621"/>
-                  <a:pt x="426714" y="0"/>
-                  <a:pt x="640080" y="0"/>
-                </a:cubicBezTo>
-                <a:close/>
-              </a:path>
-            </a:pathLst>
-          </a:custGeom>
-          <a:solidFill>
-            <a:srgbClr val="FFFFFF">
-              <a:alpha val="80000"/>
-            </a:srgbClr>
-          </a:solidFill>
-          <a:ln>
-            <a:noFill/>
-          </a:ln>
-        </p:spPr>
-        <p:style>
-          <a:lnRef idx="2">
-            <a:schemeClr val="accent1">
-              <a:shade val="50000"/>
-            </a:schemeClr>
-          </a:lnRef>
-          <a:fillRef idx="1">
-            <a:schemeClr val="accent1"/>
-          </a:fillRef>
-          <a:effectRef idx="0">
-            <a:schemeClr val="accent1"/>
-          </a:effectRef>
-          <a:fontRef idx="minor">
-            <a:schemeClr val="lt1"/>
-          </a:fontRef>
-        </p:style>
-        <p:txBody>
-          <a:bodyPr wrap="square" rtlCol="0" anchor="ctr">
-            <a:noAutofit/>
-          </a:bodyPr>
-          <a:lstStyle/>
-          <a:p>
-            <a:pPr marL="0" marR="0" lvl="0" indent="0" algn="ctr" defTabSz="914400" rtl="0" eaLnBrk="1" fontAlgn="auto" latinLnBrk="0" hangingPunct="1">
-              <a:lnSpc>
-                <a:spcPct val="100000"/>
-              </a:lnSpc>
-              <a:spcBef>
-                <a:spcPts val="0"/>
-              </a:spcBef>
-              <a:spcAft>
-                <a:spcPts val="0"/>
-              </a:spcAft>
-              <a:buClrTx/>
-              <a:buSzTx/>
-              <a:buFontTx/>
-              <a:buNone/>
-              <a:tabLst/>
-              <a:defRPr/>
-            </a:pPr>
-            <a:endParaRPr kumimoji="0" lang="en-US" sz="1800" b="0" i="0" u="none" strike="noStrike" kern="1200" cap="none" spc="0" normalizeH="0" baseline="0" noProof="0" dirty="0">
-              <a:ln>
-                <a:noFill/>
-              </a:ln>
-              <a:solidFill>
-                <a:prstClr val="white"/>
-              </a:solidFill>
-              <a:effectLst/>
-              <a:uLnTx/>
-              <a:uFillTx/>
-              <a:latin typeface="Calibri" panose="020F0502020204030204"/>
-              <a:ea typeface="+mn-ea"/>
-              <a:cs typeface="+mn-cs"/>
-            </a:endParaRPr>
-          </a:p>
-        </p:txBody>
-      </p:sp>
-      <p:sp>
-        <p:nvSpPr>
-          <p:cNvPr id="31" name="Freeform: Shape 30">
-            <a:extLst>
-              <a:ext uri="{FF2B5EF4-FFF2-40B4-BE49-F238E27FC236}">
-                <a16:creationId xmlns:a16="http://schemas.microsoft.com/office/drawing/2014/main" id="{EBA87361-6D30-46E4-834B-719CF59055EA}"/>
-              </a:ext>
-              <a:ext uri="{C183D7F6-B498-43B3-948B-1728B52AA6E4}">
-                <adec:decorative xmlns:adec="http://schemas.microsoft.com/office/drawing/2017/decorative" val="1"/>
-              </a:ext>
-            </a:extLst>
-          </p:cNvPr>
-          <p:cNvSpPr>
-            <a:spLocks noGrp="1" noRot="1" noChangeAspect="1" noMove="1" noResize="1" noEditPoints="1" noAdjustHandles="1" noChangeArrowheads="1" noChangeShapeType="1" noTextEdit="1"/>
-          </p:cNvSpPr>
-          <p:nvPr>
-            <p:extLst>
-              <p:ext uri="{386F3935-93C4-4BCD-93E2-E3B085C9AB24}">
-                <p16:designElem xmlns:p16="http://schemas.microsoft.com/office/powerpoint/2015/main" val="1"/>
-              </p:ext>
-            </p:extLst>
-          </p:nvPr>
-        </p:nvSpPr>
-        <p:spPr>
-          <a:xfrm>
-            <a:off x="0" y="2288332"/>
-            <a:ext cx="3564638" cy="4569668"/>
-          </a:xfrm>
-          <a:custGeom>
-            <a:avLst/>
-            <a:gdLst>
-              <a:gd name="connsiteX0" fmla="*/ 640080 w 3564638"/>
-              <a:gd name="connsiteY0" fmla="*/ 0 h 4569668"/>
-              <a:gd name="connsiteX1" fmla="*/ 3564638 w 3564638"/>
-              <a:gd name="connsiteY1" fmla="*/ 2924558 h 4569668"/>
-              <a:gd name="connsiteX2" fmla="*/ 3065170 w 3564638"/>
-              <a:gd name="connsiteY2" fmla="*/ 4559707 h 4569668"/>
-              <a:gd name="connsiteX3" fmla="*/ 3057720 w 3564638"/>
-              <a:gd name="connsiteY3" fmla="*/ 4569668 h 4569668"/>
-              <a:gd name="connsiteX4" fmla="*/ 0 w 3564638"/>
-              <a:gd name="connsiteY4" fmla="*/ 4569668 h 4569668"/>
-              <a:gd name="connsiteX5" fmla="*/ 0 w 3564638"/>
-              <a:gd name="connsiteY5" fmla="*/ 72448 h 4569668"/>
-              <a:gd name="connsiteX6" fmla="*/ 50679 w 3564638"/>
-              <a:gd name="connsiteY6" fmla="*/ 59417 h 4569668"/>
-              <a:gd name="connsiteX7" fmla="*/ 640080 w 3564638"/>
-              <a:gd name="connsiteY7" fmla="*/ 0 h 4569668"/>
-            </a:gdLst>
-            <a:ahLst/>
-            <a:cxnLst>
-              <a:cxn ang="0">
-                <a:pos x="connsiteX0" y="connsiteY0"/>
-              </a:cxn>
-              <a:cxn ang="0">
-                <a:pos x="connsiteX1" y="connsiteY1"/>
-              </a:cxn>
-              <a:cxn ang="0">
-                <a:pos x="connsiteX2" y="connsiteY2"/>
-              </a:cxn>
-              <a:cxn ang="0">
-                <a:pos x="connsiteX3" y="connsiteY3"/>
-              </a:cxn>
-              <a:cxn ang="0">
-                <a:pos x="connsiteX4" y="connsiteY4"/>
-              </a:cxn>
-              <a:cxn ang="0">
-                <a:pos x="connsiteX5" y="connsiteY5"/>
-              </a:cxn>
-              <a:cxn ang="0">
-                <a:pos x="connsiteX6" y="connsiteY6"/>
-              </a:cxn>
-              <a:cxn ang="0">
-                <a:pos x="connsiteX7" y="connsiteY7"/>
-              </a:cxn>
-            </a:cxnLst>
-            <a:rect l="l" t="t" r="r" b="b"/>
-            <a:pathLst>
-              <a:path w="3564638" h="4569668">
-                <a:moveTo>
-                  <a:pt x="640080" y="0"/>
-                </a:moveTo>
-                <a:cubicBezTo>
-                  <a:pt x="2255269" y="0"/>
-                  <a:pt x="3564638" y="1309369"/>
-                  <a:pt x="3564638" y="2924558"/>
-                </a:cubicBezTo>
-                <a:cubicBezTo>
-                  <a:pt x="3564638" y="3530254"/>
-                  <a:pt x="3380508" y="4092944"/>
-                  <a:pt x="3065170" y="4559707"/>
-                </a:cubicBezTo>
-                <a:lnTo>
-                  <a:pt x="3057720" y="4569668"/>
-                </a:lnTo>
-                <a:lnTo>
-                  <a:pt x="0" y="4569668"/>
-                </a:lnTo>
-                <a:lnTo>
-                  <a:pt x="0" y="72448"/>
-                </a:lnTo>
-                <a:lnTo>
-                  <a:pt x="50679" y="59417"/>
-                </a:lnTo>
-                <a:cubicBezTo>
-                  <a:pt x="241061" y="20459"/>
-                  <a:pt x="438181" y="0"/>
-                  <a:pt x="640080" y="0"/>
-                </a:cubicBezTo>
-                <a:close/>
-              </a:path>
-            </a:pathLst>
-          </a:custGeom>
-          <a:solidFill>
-            <a:schemeClr val="tx1"/>
-          </a:solidFill>
-          <a:ln>
-            <a:noFill/>
-          </a:ln>
-        </p:spPr>
-        <p:style>
-          <a:lnRef idx="2">
-            <a:schemeClr val="accent1">
-              <a:shade val="50000"/>
-            </a:schemeClr>
-          </a:lnRef>
-          <a:fillRef idx="1">
-            <a:schemeClr val="accent1"/>
-          </a:fillRef>
-          <a:effectRef idx="0">
-            <a:schemeClr val="accent1"/>
-          </a:effectRef>
-          <a:fontRef idx="minor">
-            <a:schemeClr val="lt1"/>
-          </a:fontRef>
-        </p:style>
-        <p:txBody>
-          <a:bodyPr wrap="square" rtlCol="0" anchor="ctr">
-            <a:noAutofit/>
-          </a:bodyPr>
-          <a:lstStyle/>
-          <a:p>
-            <a:pPr marL="0" marR="0" lvl="0" indent="0" algn="ctr" defTabSz="914400" rtl="0" eaLnBrk="1" fontAlgn="auto" latinLnBrk="0" hangingPunct="1">
-              <a:lnSpc>
-                <a:spcPct val="100000"/>
-              </a:lnSpc>
-              <a:spcBef>
-                <a:spcPts val="0"/>
-              </a:spcBef>
-              <a:spcAft>
-                <a:spcPts val="0"/>
-              </a:spcAft>
-              <a:buClrTx/>
-              <a:buSzTx/>
-              <a:buFontTx/>
-              <a:buNone/>
-              <a:tabLst/>
-              <a:defRPr/>
-            </a:pPr>
-            <a:endParaRPr kumimoji="0" lang="en-US" sz="1800" b="0" i="0" u="none" strike="noStrike" kern="1200" cap="none" spc="0" normalizeH="0" baseline="0" noProof="0" dirty="0">
-              <a:ln>
-                <a:noFill/>
-              </a:ln>
-              <a:solidFill>
-                <a:prstClr val="white"/>
-              </a:solidFill>
-              <a:effectLst/>
-              <a:uLnTx/>
-              <a:uFillTx/>
-              <a:latin typeface="Calibri" panose="020F0502020204030204"/>
-              <a:ea typeface="+mn-ea"/>
-              <a:cs typeface="+mn-cs"/>
-            </a:endParaRPr>
-          </a:p>
-        </p:txBody>
-      </p:sp>
-      <p:sp>
-        <p:nvSpPr>
-          <p:cNvPr id="33" name="Freeform: Shape 32">
-            <a:extLst>
-              <a:ext uri="{FF2B5EF4-FFF2-40B4-BE49-F238E27FC236}">
-                <a16:creationId xmlns:a16="http://schemas.microsoft.com/office/drawing/2014/main" id="{9DBC4630-03DA-474F-BBCB-BA3AE6B317A4}"/>
-              </a:ext>
-              <a:ext uri="{C183D7F6-B498-43B3-948B-1728B52AA6E4}">
-                <adec:decorative xmlns:adec="http://schemas.microsoft.com/office/drawing/2017/decorative" val="1"/>
-              </a:ext>
-            </a:extLst>
-          </p:cNvPr>
-          <p:cNvSpPr>
-            <a:spLocks noGrp="1" noRot="1" noChangeAspect="1" noMove="1" noResize="1" noEditPoints="1" noAdjustHandles="1" noChangeArrowheads="1" noChangeShapeType="1" noTextEdit="1"/>
-          </p:cNvSpPr>
-          <p:nvPr>
-            <p:extLst>
-              <p:ext uri="{386F3935-93C4-4BCD-93E2-E3B085C9AB24}">
-                <p16:designElem xmlns:p16="http://schemas.microsoft.com/office/powerpoint/2015/main" val="1"/>
-              </p:ext>
-            </p:extLst>
-          </p:nvPr>
-        </p:nvSpPr>
-        <p:spPr>
-          <a:xfrm>
-            <a:off x="1081982" y="-4332"/>
-            <a:ext cx="4242816" cy="2454158"/>
-          </a:xfrm>
-          <a:custGeom>
-            <a:avLst/>
-            <a:gdLst>
-              <a:gd name="connsiteX0" fmla="*/ 28633 w 4242816"/>
-              <a:gd name="connsiteY0" fmla="*/ 0 h 2454158"/>
-              <a:gd name="connsiteX1" fmla="*/ 4214183 w 4242816"/>
-              <a:gd name="connsiteY1" fmla="*/ 0 h 2454158"/>
-              <a:gd name="connsiteX2" fmla="*/ 4231864 w 4242816"/>
-              <a:gd name="connsiteY2" fmla="*/ 115848 h 2454158"/>
-              <a:gd name="connsiteX3" fmla="*/ 4242816 w 4242816"/>
-              <a:gd name="connsiteY3" fmla="*/ 332750 h 2454158"/>
-              <a:gd name="connsiteX4" fmla="*/ 2121408 w 4242816"/>
-              <a:gd name="connsiteY4" fmla="*/ 2454158 h 2454158"/>
-              <a:gd name="connsiteX5" fmla="*/ 0 w 4242816"/>
-              <a:gd name="connsiteY5" fmla="*/ 332750 h 2454158"/>
-              <a:gd name="connsiteX6" fmla="*/ 10953 w 4242816"/>
-              <a:gd name="connsiteY6" fmla="*/ 115848 h 2454158"/>
-            </a:gdLst>
-            <a:ahLst/>
-            <a:cxnLst>
-              <a:cxn ang="0">
-                <a:pos x="connsiteX0" y="connsiteY0"/>
-              </a:cxn>
-              <a:cxn ang="0">
-                <a:pos x="connsiteX1" y="connsiteY1"/>
-              </a:cxn>
-              <a:cxn ang="0">
-                <a:pos x="connsiteX2" y="connsiteY2"/>
-              </a:cxn>
-              <a:cxn ang="0">
-                <a:pos x="connsiteX3" y="connsiteY3"/>
-              </a:cxn>
-              <a:cxn ang="0">
-                <a:pos x="connsiteX4" y="connsiteY4"/>
-              </a:cxn>
-              <a:cxn ang="0">
-                <a:pos x="connsiteX5" y="connsiteY5"/>
-              </a:cxn>
-              <a:cxn ang="0">
-                <a:pos x="connsiteX6" y="connsiteY6"/>
-              </a:cxn>
-            </a:cxnLst>
-            <a:rect l="l" t="t" r="r" b="b"/>
-            <a:pathLst>
-              <a:path w="4242816" h="2454158">
-                <a:moveTo>
-                  <a:pt x="28633" y="0"/>
-                </a:moveTo>
-                <a:lnTo>
-                  <a:pt x="4214183" y="0"/>
-                </a:lnTo>
-                <a:lnTo>
-                  <a:pt x="4231864" y="115848"/>
-                </a:lnTo>
-                <a:cubicBezTo>
-                  <a:pt x="4239106" y="187164"/>
-                  <a:pt x="4242816" y="259524"/>
-                  <a:pt x="4242816" y="332750"/>
-                </a:cubicBezTo>
-                <a:cubicBezTo>
-                  <a:pt x="4242816" y="1504371"/>
-                  <a:pt x="3293029" y="2454158"/>
-                  <a:pt x="2121408" y="2454158"/>
-                </a:cubicBezTo>
-                <a:cubicBezTo>
-                  <a:pt x="949787" y="2454158"/>
-                  <a:pt x="0" y="1504371"/>
-                  <a:pt x="0" y="332750"/>
-                </a:cubicBezTo>
-                <a:cubicBezTo>
-                  <a:pt x="0" y="259524"/>
-                  <a:pt x="3710" y="187164"/>
-                  <a:pt x="10953" y="115848"/>
-                </a:cubicBezTo>
-                <a:close/>
-              </a:path>
-            </a:pathLst>
-          </a:custGeom>
-          <a:solidFill>
-            <a:srgbClr val="FFFFFF">
-              <a:alpha val="80000"/>
-            </a:srgbClr>
-          </a:solidFill>
-          <a:ln>
-            <a:noFill/>
-          </a:ln>
-        </p:spPr>
-        <p:style>
-          <a:lnRef idx="2">
-            <a:schemeClr val="accent1">
-              <a:shade val="50000"/>
-            </a:schemeClr>
-          </a:lnRef>
-          <a:fillRef idx="1">
-            <a:schemeClr val="accent1"/>
-          </a:fillRef>
-          <a:effectRef idx="0">
-            <a:schemeClr val="accent1"/>
-          </a:effectRef>
-          <a:fontRef idx="minor">
-            <a:schemeClr val="lt1"/>
-          </a:fontRef>
-        </p:style>
-        <p:txBody>
-          <a:bodyPr wrap="square" rtlCol="0" anchor="ctr">
-            <a:noAutofit/>
-          </a:bodyPr>
-          <a:lstStyle/>
-          <a:p>
-            <a:pPr marL="0" marR="0" lvl="0" indent="0" algn="ctr" defTabSz="914400" rtl="0" eaLnBrk="1" fontAlgn="auto" latinLnBrk="0" hangingPunct="1">
-              <a:lnSpc>
-                <a:spcPct val="100000"/>
-              </a:lnSpc>
-              <a:spcBef>
-                <a:spcPts val="0"/>
-              </a:spcBef>
-              <a:spcAft>
-                <a:spcPts val="0"/>
-              </a:spcAft>
-              <a:buClrTx/>
-              <a:buSzTx/>
-              <a:buFontTx/>
-              <a:buNone/>
-              <a:tabLst/>
-              <a:defRPr/>
-            </a:pPr>
-            <a:endParaRPr kumimoji="0" lang="en-US" sz="1800" b="0" i="0" u="none" strike="noStrike" kern="1200" cap="none" spc="0" normalizeH="0" baseline="0" noProof="0" dirty="0">
-              <a:ln>
-                <a:noFill/>
-              </a:ln>
-              <a:solidFill>
-                <a:prstClr val="white"/>
-              </a:solidFill>
-              <a:effectLst/>
-              <a:uLnTx/>
-              <a:uFillTx/>
-              <a:latin typeface="Calibri" panose="020F0502020204030204"/>
-              <a:ea typeface="+mn-ea"/>
-              <a:cs typeface="+mn-cs"/>
-            </a:endParaRPr>
-          </a:p>
-        </p:txBody>
-      </p:sp>
-      <p:sp>
-        <p:nvSpPr>
-          <p:cNvPr id="35" name="Freeform: Shape 34">
-            <a:extLst>
-              <a:ext uri="{FF2B5EF4-FFF2-40B4-BE49-F238E27FC236}">
-                <a16:creationId xmlns:a16="http://schemas.microsoft.com/office/drawing/2014/main" id="{D89DB1C0-FEEC-4CB6-88B2-F9C5562E09D1}"/>
-              </a:ext>
-              <a:ext uri="{C183D7F6-B498-43B3-948B-1728B52AA6E4}">
-                <adec:decorative xmlns:adec="http://schemas.microsoft.com/office/drawing/2017/decorative" val="1"/>
-              </a:ext>
-            </a:extLst>
-          </p:cNvPr>
-          <p:cNvSpPr>
-            <a:spLocks noGrp="1" noRot="1" noChangeAspect="1" noMove="1" noResize="1" noEditPoints="1" noAdjustHandles="1" noChangeArrowheads="1" noChangeShapeType="1" noTextEdit="1"/>
-          </p:cNvSpPr>
-          <p:nvPr>
-            <p:extLst>
-              <p:ext uri="{386F3935-93C4-4BCD-93E2-E3B085C9AB24}">
-                <p16:designElem xmlns:p16="http://schemas.microsoft.com/office/powerpoint/2015/main" val="1"/>
-              </p:ext>
-            </p:extLst>
-          </p:nvPr>
-        </p:nvSpPr>
-        <p:spPr>
-          <a:xfrm>
-            <a:off x="1246574" y="0"/>
-            <a:ext cx="3913632" cy="2285234"/>
-          </a:xfrm>
-          <a:custGeom>
-            <a:avLst/>
-            <a:gdLst>
-              <a:gd name="connsiteX0" fmla="*/ 29691 w 3913632"/>
-              <a:gd name="connsiteY0" fmla="*/ 0 h 2285234"/>
-              <a:gd name="connsiteX1" fmla="*/ 3883942 w 3913632"/>
-              <a:gd name="connsiteY1" fmla="*/ 0 h 2285234"/>
-              <a:gd name="connsiteX2" fmla="*/ 3903529 w 3913632"/>
-              <a:gd name="connsiteY2" fmla="*/ 128345 h 2285234"/>
-              <a:gd name="connsiteX3" fmla="*/ 3913632 w 3913632"/>
-              <a:gd name="connsiteY3" fmla="*/ 328418 h 2285234"/>
-              <a:gd name="connsiteX4" fmla="*/ 1956816 w 3913632"/>
-              <a:gd name="connsiteY4" fmla="*/ 2285234 h 2285234"/>
-              <a:gd name="connsiteX5" fmla="*/ 0 w 3913632"/>
-              <a:gd name="connsiteY5" fmla="*/ 328418 h 2285234"/>
-              <a:gd name="connsiteX6" fmla="*/ 10103 w 3913632"/>
-              <a:gd name="connsiteY6" fmla="*/ 128345 h 2285234"/>
-            </a:gdLst>
-            <a:ahLst/>
-            <a:cxnLst>
-              <a:cxn ang="0">
-                <a:pos x="connsiteX0" y="connsiteY0"/>
-              </a:cxn>
-              <a:cxn ang="0">
-                <a:pos x="connsiteX1" y="connsiteY1"/>
-              </a:cxn>
-              <a:cxn ang="0">
-                <a:pos x="connsiteX2" y="connsiteY2"/>
-              </a:cxn>
-              <a:cxn ang="0">
-                <a:pos x="connsiteX3" y="connsiteY3"/>
-              </a:cxn>
-              <a:cxn ang="0">
-                <a:pos x="connsiteX4" y="connsiteY4"/>
-              </a:cxn>
-              <a:cxn ang="0">
-                <a:pos x="connsiteX5" y="connsiteY5"/>
-              </a:cxn>
-              <a:cxn ang="0">
-                <a:pos x="connsiteX6" y="connsiteY6"/>
-              </a:cxn>
-            </a:cxnLst>
-            <a:rect l="l" t="t" r="r" b="b"/>
-            <a:pathLst>
-              <a:path w="3913632" h="2285234">
-                <a:moveTo>
-                  <a:pt x="29691" y="0"/>
-                </a:moveTo>
-                <a:lnTo>
-                  <a:pt x="3883942" y="0"/>
-                </a:lnTo>
-                <a:lnTo>
-                  <a:pt x="3903529" y="128345"/>
-                </a:lnTo>
-                <a:cubicBezTo>
-                  <a:pt x="3910210" y="194127"/>
-                  <a:pt x="3913632" y="260873"/>
-                  <a:pt x="3913632" y="328418"/>
-                </a:cubicBezTo>
-                <a:cubicBezTo>
-                  <a:pt x="3913632" y="1409138"/>
-                  <a:pt x="3037536" y="2285234"/>
-                  <a:pt x="1956816" y="2285234"/>
-                </a:cubicBezTo>
-                <a:cubicBezTo>
-                  <a:pt x="876096" y="2285234"/>
-                  <a:pt x="0" y="1409138"/>
-                  <a:pt x="0" y="328418"/>
-                </a:cubicBezTo>
-                <a:cubicBezTo>
-                  <a:pt x="0" y="260873"/>
-                  <a:pt x="3422" y="194127"/>
-                  <a:pt x="10103" y="128345"/>
-                </a:cubicBezTo>
-                <a:close/>
-              </a:path>
-            </a:pathLst>
-          </a:custGeom>
-          <a:solidFill>
-            <a:schemeClr val="tx1"/>
-          </a:solidFill>
-          <a:ln>
-            <a:noFill/>
-          </a:ln>
-        </p:spPr>
-        <p:style>
-          <a:lnRef idx="2">
-            <a:schemeClr val="accent1">
-              <a:shade val="50000"/>
-            </a:schemeClr>
-          </a:lnRef>
-          <a:fillRef idx="1">
-            <a:schemeClr val="accent1"/>
-          </a:fillRef>
-          <a:effectRef idx="0">
-            <a:schemeClr val="accent1"/>
-          </a:effectRef>
-          <a:fontRef idx="minor">
-            <a:schemeClr val="lt1"/>
-          </a:fontRef>
-        </p:style>
-        <p:txBody>
-          <a:bodyPr wrap="square" rtlCol="0" anchor="ctr">
-            <a:noAutofit/>
-          </a:bodyPr>
-          <a:lstStyle/>
-          <a:p>
-            <a:pPr marL="0" marR="0" lvl="0" indent="0" algn="ctr" defTabSz="914400" rtl="0" eaLnBrk="1" fontAlgn="auto" latinLnBrk="0" hangingPunct="1">
-              <a:lnSpc>
-                <a:spcPct val="100000"/>
-              </a:lnSpc>
-              <a:spcBef>
-                <a:spcPts val="0"/>
-              </a:spcBef>
-              <a:spcAft>
-                <a:spcPts val="0"/>
-              </a:spcAft>
-              <a:buClrTx/>
-              <a:buSzTx/>
-              <a:buFontTx/>
-              <a:buNone/>
-              <a:tabLst/>
-              <a:defRPr/>
-            </a:pPr>
-            <a:endParaRPr kumimoji="0" lang="en-US" sz="1800" b="0" i="0" u="none" strike="noStrike" kern="1200" cap="none" spc="0" normalizeH="0" baseline="0" noProof="0" dirty="0">
-              <a:ln>
-                <a:noFill/>
-              </a:ln>
-              <a:solidFill>
-                <a:prstClr val="white"/>
-              </a:solidFill>
-              <a:effectLst/>
-              <a:uLnTx/>
-              <a:uFillTx/>
-              <a:latin typeface="Calibri" panose="020F0502020204030204"/>
-              <a:ea typeface="+mn-ea"/>
-              <a:cs typeface="+mn-cs"/>
-            </a:endParaRPr>
-          </a:p>
-        </p:txBody>
-      </p:sp>
-      <p:pic>
-        <p:nvPicPr>
-          <p:cNvPr id="9" name="Graphic 8" descr="Open Book">
-            <a:extLst>
-              <a:ext uri="{FF2B5EF4-FFF2-40B4-BE49-F238E27FC236}">
-                <a16:creationId xmlns:a16="http://schemas.microsoft.com/office/drawing/2014/main" id="{93E427C7-0218-4592-82DA-2431E4BF8756}"/>
-              </a:ext>
-            </a:extLst>
-          </p:cNvPr>
-          <p:cNvPicPr>
-            <a:picLocks noChangeAspect="1"/>
-          </p:cNvPicPr>
-          <p:nvPr/>
-        </p:nvPicPr>
-        <p:blipFill>
-          <a:blip r:embed="rId3">
-            <a:extLst>
-              <a:ext uri="{28A0092B-C50C-407E-A947-70E740481C1C}">
-                <a14:useLocalDpi xmlns:a14="http://schemas.microsoft.com/office/drawing/2010/main" val="0"/>
-              </a:ext>
-              <a:ext uri="{96DAC541-7B7A-43D3-8B79-37D633B846F1}">
-                <asvg:svgBlip xmlns:asvg="http://schemas.microsoft.com/office/drawing/2016/SVG/main" r:embed="rId4"/>
-              </a:ext>
-            </a:extLst>
-          </a:blip>
-          <a:stretch>
-            <a:fillRect/>
-          </a:stretch>
-        </p:blipFill>
-        <p:spPr>
-          <a:xfrm>
-            <a:off x="2385250" y="164573"/>
-            <a:ext cx="1636279" cy="1636279"/>
-          </a:xfrm>
-          <a:prstGeom prst="rect">
-            <a:avLst/>
-          </a:prstGeom>
-        </p:spPr>
-      </p:pic>
-      <p:sp>
-        <p:nvSpPr>
-          <p:cNvPr id="37" name="Oval 36">
-            <a:extLst>
-              <a:ext uri="{FF2B5EF4-FFF2-40B4-BE49-F238E27FC236}">
-                <a16:creationId xmlns:a16="http://schemas.microsoft.com/office/drawing/2014/main" id="{78418A25-6EAC-4140-BFE6-284E1925B5EE}"/>
-              </a:ext>
-              <a:ext uri="{C183D7F6-B498-43B3-948B-1728B52AA6E4}">
-                <adec:decorative xmlns:adec="http://schemas.microsoft.com/office/drawing/2017/decorative" val="1"/>
-              </a:ext>
-            </a:extLst>
-          </p:cNvPr>
-          <p:cNvSpPr>
-            <a:spLocks noGrp="1" noRot="1" noChangeAspect="1" noMove="1" noResize="1" noEditPoints="1" noAdjustHandles="1" noChangeArrowheads="1" noChangeShapeType="1" noTextEdit="1"/>
-          </p:cNvSpPr>
-          <p:nvPr>
-            <p:extLst>
-              <p:ext uri="{386F3935-93C4-4BCD-93E2-E3B085C9AB24}">
-                <p16:designElem xmlns:p16="http://schemas.microsoft.com/office/powerpoint/2015/main" val="1"/>
-              </p:ext>
-            </p:extLst>
-          </p:nvPr>
-        </p:nvSpPr>
-        <p:spPr>
-          <a:xfrm>
-            <a:off x="5303117" y="615908"/>
-            <a:ext cx="3182112" cy="3182112"/>
-          </a:xfrm>
-          <a:prstGeom prst="ellipse">
-            <a:avLst/>
-          </a:prstGeom>
-          <a:solidFill>
-            <a:srgbClr val="FFFFFF">
-              <a:alpha val="80000"/>
-            </a:srgbClr>
-          </a:solidFill>
-          <a:ln>
-            <a:noFill/>
-          </a:ln>
-        </p:spPr>
-        <p:style>
-          <a:lnRef idx="2">
-            <a:schemeClr val="accent1">
-              <a:shade val="50000"/>
-            </a:schemeClr>
-          </a:lnRef>
-          <a:fillRef idx="1">
-            <a:schemeClr val="accent1"/>
-          </a:fillRef>
-          <a:effectRef idx="0">
-            <a:schemeClr val="accent1"/>
-          </a:effectRef>
-          <a:fontRef idx="minor">
-            <a:schemeClr val="lt1"/>
-          </a:fontRef>
-        </p:style>
-        <p:txBody>
-          <a:bodyPr rtlCol="0" anchor="ctr"/>
-          <a:lstStyle/>
-          <a:p>
-            <a:pPr marL="0" marR="0" lvl="0" indent="0" algn="ctr" defTabSz="914400" rtl="0" eaLnBrk="1" fontAlgn="auto" latinLnBrk="0" hangingPunct="1">
-              <a:lnSpc>
-                <a:spcPct val="100000"/>
-              </a:lnSpc>
-              <a:spcBef>
-                <a:spcPts val="0"/>
-              </a:spcBef>
-              <a:spcAft>
-                <a:spcPts val="0"/>
-              </a:spcAft>
-              <a:buClrTx/>
-              <a:buSzTx/>
-              <a:buFontTx/>
-              <a:buNone/>
-              <a:tabLst/>
-              <a:defRPr/>
-            </a:pPr>
-            <a:endParaRPr kumimoji="0" lang="en-US" sz="1800" b="0" i="0" u="none" strike="noStrike" kern="1200" cap="none" spc="0" normalizeH="0" baseline="0" noProof="0" dirty="0">
-              <a:ln>
-                <a:noFill/>
-              </a:ln>
-              <a:solidFill>
-                <a:prstClr val="white"/>
-              </a:solidFill>
-              <a:effectLst/>
-              <a:uLnTx/>
-              <a:uFillTx/>
-              <a:latin typeface="Calibri" panose="020F0502020204030204"/>
-              <a:ea typeface="+mn-ea"/>
-              <a:cs typeface="+mn-cs"/>
-            </a:endParaRPr>
-          </a:p>
-        </p:txBody>
-      </p:sp>
-      <p:sp>
-        <p:nvSpPr>
-          <p:cNvPr id="39" name="Oval 38">
-            <a:extLst>
-              <a:ext uri="{FF2B5EF4-FFF2-40B4-BE49-F238E27FC236}">
-                <a16:creationId xmlns:a16="http://schemas.microsoft.com/office/drawing/2014/main" id="{08163D1C-ED91-4D5F-A33B-CF1256B270D4}"/>
-              </a:ext>
-              <a:ext uri="{C183D7F6-B498-43B3-948B-1728B52AA6E4}">
-                <adec:decorative xmlns:adec="http://schemas.microsoft.com/office/drawing/2017/decorative" val="1"/>
-              </a:ext>
-            </a:extLst>
-          </p:cNvPr>
-          <p:cNvSpPr>
-            <a:spLocks noGrp="1" noRot="1" noChangeAspect="1" noMove="1" noResize="1" noEditPoints="1" noAdjustHandles="1" noChangeArrowheads="1" noChangeShapeType="1" noTextEdit="1"/>
-          </p:cNvSpPr>
-          <p:nvPr>
-            <p:extLst>
-              <p:ext uri="{386F3935-93C4-4BCD-93E2-E3B085C9AB24}">
-                <p16:designElem xmlns:p16="http://schemas.microsoft.com/office/powerpoint/2015/main" val="1"/>
-              </p:ext>
-            </p:extLst>
-          </p:nvPr>
-        </p:nvSpPr>
-        <p:spPr>
-          <a:xfrm>
-            <a:off x="5467709" y="780500"/>
-            <a:ext cx="2852928" cy="2852928"/>
-          </a:xfrm>
-          <a:prstGeom prst="ellipse">
-            <a:avLst/>
-          </a:prstGeom>
-          <a:solidFill>
-            <a:schemeClr val="tx1"/>
-          </a:solidFill>
-          <a:ln>
-            <a:noFill/>
-          </a:ln>
-        </p:spPr>
-        <p:style>
-          <a:lnRef idx="2">
-            <a:schemeClr val="accent1">
-              <a:shade val="50000"/>
-            </a:schemeClr>
-          </a:lnRef>
-          <a:fillRef idx="1">
-            <a:schemeClr val="accent1"/>
-          </a:fillRef>
-          <a:effectRef idx="0">
-            <a:schemeClr val="accent1"/>
-          </a:effectRef>
-          <a:fontRef idx="minor">
-            <a:schemeClr val="lt1"/>
-          </a:fontRef>
-        </p:style>
-        <p:txBody>
-          <a:bodyPr rtlCol="0" anchor="ctr"/>
-          <a:lstStyle/>
-          <a:p>
-            <a:pPr marL="0" marR="0" lvl="0" indent="0" algn="ctr" defTabSz="914400" rtl="0" eaLnBrk="1" fontAlgn="auto" latinLnBrk="0" hangingPunct="1">
-              <a:lnSpc>
-                <a:spcPct val="100000"/>
-              </a:lnSpc>
-              <a:spcBef>
-                <a:spcPts val="0"/>
-              </a:spcBef>
-              <a:spcAft>
-                <a:spcPts val="0"/>
-              </a:spcAft>
-              <a:buClrTx/>
-              <a:buSzTx/>
-              <a:buFontTx/>
-              <a:buNone/>
-              <a:tabLst/>
-              <a:defRPr/>
-            </a:pPr>
-            <a:endParaRPr kumimoji="0" lang="en-US" sz="1800" b="0" i="0" u="none" strike="noStrike" kern="1200" cap="none" spc="0" normalizeH="0" baseline="0" noProof="0" dirty="0">
-              <a:ln>
-                <a:noFill/>
-              </a:ln>
-              <a:solidFill>
-                <a:prstClr val="white"/>
-              </a:solidFill>
-              <a:effectLst/>
-              <a:uLnTx/>
-              <a:uFillTx/>
-              <a:latin typeface="Calibri" panose="020F0502020204030204"/>
-              <a:ea typeface="+mn-ea"/>
-              <a:cs typeface="+mn-cs"/>
-            </a:endParaRPr>
-          </a:p>
-        </p:txBody>
-      </p:sp>
-      <p:pic>
-        <p:nvPicPr>
-          <p:cNvPr id="5" name="Graphic 4" descr="Chat">
-            <a:extLst>
-              <a:ext uri="{FF2B5EF4-FFF2-40B4-BE49-F238E27FC236}">
-                <a16:creationId xmlns:a16="http://schemas.microsoft.com/office/drawing/2014/main" id="{EB71843F-0A0B-4317-B205-4B0A0B97C0FD}"/>
-              </a:ext>
-            </a:extLst>
-          </p:cNvPr>
-          <p:cNvPicPr>
-            <a:picLocks noChangeAspect="1"/>
-          </p:cNvPicPr>
-          <p:nvPr/>
-        </p:nvPicPr>
-        <p:blipFill>
-          <a:blip r:embed="rId5">
-            <a:extLst>
-              <a:ext uri="{28A0092B-C50C-407E-A947-70E740481C1C}">
-                <a14:useLocalDpi xmlns:a14="http://schemas.microsoft.com/office/drawing/2010/main" val="0"/>
-              </a:ext>
-              <a:ext uri="{96DAC541-7B7A-43D3-8B79-37D633B846F1}">
-                <asvg:svgBlip xmlns:asvg="http://schemas.microsoft.com/office/drawing/2016/SVG/main" r:embed="rId6"/>
-              </a:ext>
-            </a:extLst>
-          </a:blip>
-          <a:stretch>
-            <a:fillRect/>
-          </a:stretch>
-        </p:blipFill>
-        <p:spPr>
-          <a:xfrm>
-            <a:off x="5980302" y="1293093"/>
-            <a:ext cx="1827742" cy="1827742"/>
-          </a:xfrm>
-          <a:prstGeom prst="rect">
-            <a:avLst/>
-          </a:prstGeom>
-        </p:spPr>
-      </p:pic>
-      <p:pic>
-        <p:nvPicPr>
-          <p:cNvPr id="7" name="Graphic 6" descr="Blackboard">
-            <a:extLst>
-              <a:ext uri="{FF2B5EF4-FFF2-40B4-BE49-F238E27FC236}">
-                <a16:creationId xmlns:a16="http://schemas.microsoft.com/office/drawing/2014/main" id="{2696A1A4-8E43-47F6-A6DC-A9ADAB053D8B}"/>
-              </a:ext>
-            </a:extLst>
-          </p:cNvPr>
-          <p:cNvPicPr>
-            <a:picLocks noChangeAspect="1"/>
-          </p:cNvPicPr>
-          <p:nvPr/>
-        </p:nvPicPr>
-        <p:blipFill>
-          <a:blip r:embed="rId7">
-            <a:extLst>
-              <a:ext uri="{28A0092B-C50C-407E-A947-70E740481C1C}">
-                <a14:useLocalDpi xmlns:a14="http://schemas.microsoft.com/office/drawing/2010/main" val="0"/>
-              </a:ext>
-              <a:ext uri="{96DAC541-7B7A-43D3-8B79-37D633B846F1}">
-                <asvg:svgBlip xmlns:asvg="http://schemas.microsoft.com/office/drawing/2016/SVG/main" r:embed="rId8"/>
-              </a:ext>
-            </a:extLst>
-          </a:blip>
-          <a:stretch>
-            <a:fillRect/>
-          </a:stretch>
-        </p:blipFill>
-        <p:spPr>
-          <a:xfrm>
-            <a:off x="130924" y="3621724"/>
-            <a:ext cx="2594886" cy="2594886"/>
-          </a:xfrm>
-          <a:prstGeom prst="rect">
-            <a:avLst/>
-          </a:prstGeom>
-        </p:spPr>
-      </p:pic>
-      <p:sp>
-        <p:nvSpPr>
-          <p:cNvPr id="41" name="Freeform: Shape 40">
-            <a:extLst>
-              <a:ext uri="{FF2B5EF4-FFF2-40B4-BE49-F238E27FC236}">
-                <a16:creationId xmlns:a16="http://schemas.microsoft.com/office/drawing/2014/main" id="{31103AB2-C090-458F-B752-294F23AFA8AD}"/>
-              </a:ext>
-              <a:ext uri="{C183D7F6-B498-43B3-948B-1728B52AA6E4}">
-                <adec:decorative xmlns:adec="http://schemas.microsoft.com/office/drawing/2017/decorative" val="1"/>
-              </a:ext>
-            </a:extLst>
-          </p:cNvPr>
-          <p:cNvSpPr>
-            <a:spLocks noGrp="1" noRot="1" noChangeAspect="1" noMove="1" noResize="1" noEditPoints="1" noAdjustHandles="1" noChangeArrowheads="1" noChangeShapeType="1" noTextEdit="1"/>
-          </p:cNvSpPr>
-          <p:nvPr>
-            <p:extLst>
-              <p:ext uri="{386F3935-93C4-4BCD-93E2-E3B085C9AB24}">
-                <p16:designElem xmlns:p16="http://schemas.microsoft.com/office/powerpoint/2015/main" val="1"/>
-              </p:ext>
-            </p:extLst>
-          </p:nvPr>
-        </p:nvSpPr>
-        <p:spPr>
-          <a:xfrm>
-            <a:off x="8752568" y="-4331"/>
-            <a:ext cx="3439432" cy="3785157"/>
-          </a:xfrm>
-          <a:custGeom>
-            <a:avLst/>
-            <a:gdLst>
-              <a:gd name="connsiteX0" fmla="*/ 198262 w 3439432"/>
-              <a:gd name="connsiteY0" fmla="*/ 0 h 3785157"/>
-              <a:gd name="connsiteX1" fmla="*/ 3439432 w 3439432"/>
-              <a:gd name="connsiteY1" fmla="*/ 0 h 3785157"/>
-              <a:gd name="connsiteX2" fmla="*/ 3439432 w 3439432"/>
-              <a:gd name="connsiteY2" fmla="*/ 3697836 h 3785157"/>
-              <a:gd name="connsiteX3" fmla="*/ 3318024 w 3439432"/>
-              <a:gd name="connsiteY3" fmla="*/ 3729054 h 3785157"/>
-              <a:gd name="connsiteX4" fmla="*/ 2761488 w 3439432"/>
-              <a:gd name="connsiteY4" fmla="*/ 3785157 h 3785157"/>
-              <a:gd name="connsiteX5" fmla="*/ 0 w 3439432"/>
-              <a:gd name="connsiteY5" fmla="*/ 1023669 h 3785157"/>
-              <a:gd name="connsiteX6" fmla="*/ 124151 w 3439432"/>
-              <a:gd name="connsiteY6" fmla="*/ 202487 h 3785157"/>
-            </a:gdLst>
-            <a:ahLst/>
-            <a:cxnLst>
-              <a:cxn ang="0">
-                <a:pos x="connsiteX0" y="connsiteY0"/>
-              </a:cxn>
-              <a:cxn ang="0">
-                <a:pos x="connsiteX1" y="connsiteY1"/>
-              </a:cxn>
-              <a:cxn ang="0">
-                <a:pos x="connsiteX2" y="connsiteY2"/>
-              </a:cxn>
-              <a:cxn ang="0">
-                <a:pos x="connsiteX3" y="connsiteY3"/>
-              </a:cxn>
-              <a:cxn ang="0">
-                <a:pos x="connsiteX4" y="connsiteY4"/>
-              </a:cxn>
-              <a:cxn ang="0">
-                <a:pos x="connsiteX5" y="connsiteY5"/>
-              </a:cxn>
-              <a:cxn ang="0">
-                <a:pos x="connsiteX6" y="connsiteY6"/>
-              </a:cxn>
-            </a:cxnLst>
-            <a:rect l="l" t="t" r="r" b="b"/>
-            <a:pathLst>
-              <a:path w="3439432" h="3785157">
-                <a:moveTo>
-                  <a:pt x="198262" y="0"/>
-                </a:moveTo>
-                <a:lnTo>
-                  <a:pt x="3439432" y="0"/>
-                </a:lnTo>
-                <a:lnTo>
-                  <a:pt x="3439432" y="3697836"/>
-                </a:lnTo>
-                <a:lnTo>
-                  <a:pt x="3318024" y="3729054"/>
-                </a:lnTo>
-                <a:cubicBezTo>
-                  <a:pt x="3138258" y="3765839"/>
-                  <a:pt x="2952129" y="3785157"/>
-                  <a:pt x="2761488" y="3785157"/>
-                </a:cubicBezTo>
-                <a:cubicBezTo>
-                  <a:pt x="1236360" y="3785157"/>
-                  <a:pt x="0" y="2548797"/>
-                  <a:pt x="0" y="1023669"/>
-                </a:cubicBezTo>
-                <a:cubicBezTo>
-                  <a:pt x="0" y="737708"/>
-                  <a:pt x="43466" y="461898"/>
-                  <a:pt x="124151" y="202487"/>
-                </a:cubicBezTo>
-                <a:close/>
-              </a:path>
-            </a:pathLst>
-          </a:custGeom>
-          <a:solidFill>
-            <a:srgbClr val="FFFFFF">
-              <a:alpha val="80000"/>
-            </a:srgbClr>
-          </a:solidFill>
-          <a:ln>
-            <a:noFill/>
-          </a:ln>
-        </p:spPr>
-        <p:style>
-          <a:lnRef idx="2">
-            <a:schemeClr val="accent1">
-              <a:shade val="50000"/>
-            </a:schemeClr>
-          </a:lnRef>
-          <a:fillRef idx="1">
-            <a:schemeClr val="accent1"/>
-          </a:fillRef>
-          <a:effectRef idx="0">
-            <a:schemeClr val="accent1"/>
-          </a:effectRef>
-          <a:fontRef idx="minor">
-            <a:schemeClr val="lt1"/>
-          </a:fontRef>
-        </p:style>
-        <p:txBody>
-          <a:bodyPr wrap="square" rtlCol="0" anchor="ctr">
-            <a:noAutofit/>
-          </a:bodyPr>
-          <a:lstStyle/>
-          <a:p>
-            <a:pPr marL="0" marR="0" lvl="0" indent="0" algn="ctr" defTabSz="914400" rtl="0" eaLnBrk="1" fontAlgn="auto" latinLnBrk="0" hangingPunct="1">
-              <a:lnSpc>
-                <a:spcPct val="100000"/>
-              </a:lnSpc>
-              <a:spcBef>
-                <a:spcPts val="0"/>
-              </a:spcBef>
-              <a:spcAft>
-                <a:spcPts val="0"/>
-              </a:spcAft>
-              <a:buClrTx/>
-              <a:buSzTx/>
-              <a:buFontTx/>
-              <a:buNone/>
-              <a:tabLst/>
-              <a:defRPr/>
-            </a:pPr>
-            <a:endParaRPr kumimoji="0" lang="en-US" sz="1800" b="0" i="0" u="none" strike="noStrike" kern="1200" cap="none" spc="0" normalizeH="0" baseline="0" noProof="0" dirty="0">
-              <a:ln>
-                <a:noFill/>
-              </a:ln>
-              <a:solidFill>
-                <a:prstClr val="white"/>
-              </a:solidFill>
-              <a:effectLst/>
-              <a:uLnTx/>
-              <a:uFillTx/>
-              <a:latin typeface="Calibri" panose="020F0502020204030204"/>
-              <a:ea typeface="+mn-ea"/>
-              <a:cs typeface="+mn-cs"/>
-            </a:endParaRPr>
-          </a:p>
-        </p:txBody>
-      </p:sp>
-      <p:sp>
-        <p:nvSpPr>
-          <p:cNvPr id="43" name="Freeform: Shape 42">
-            <a:extLst>
-              <a:ext uri="{FF2B5EF4-FFF2-40B4-BE49-F238E27FC236}">
-                <a16:creationId xmlns:a16="http://schemas.microsoft.com/office/drawing/2014/main" id="{83D471F3-782A-4BA1-9CAB-FF5CDF0A75E0}"/>
-              </a:ext>
-              <a:ext uri="{C183D7F6-B498-43B3-948B-1728B52AA6E4}">
-                <adec:decorative xmlns:adec="http://schemas.microsoft.com/office/drawing/2017/decorative" val="1"/>
-              </a:ext>
-            </a:extLst>
-          </p:cNvPr>
-          <p:cNvSpPr>
-            <a:spLocks noGrp="1" noRot="1" noChangeAspect="1" noMove="1" noResize="1" noEditPoints="1" noAdjustHandles="1" noChangeArrowheads="1" noChangeShapeType="1" noTextEdit="1"/>
-          </p:cNvSpPr>
-          <p:nvPr>
-            <p:extLst>
-              <p:ext uri="{386F3935-93C4-4BCD-93E2-E3B085C9AB24}">
-                <p16:designElem xmlns:p16="http://schemas.microsoft.com/office/powerpoint/2015/main" val="1"/>
-              </p:ext>
-            </p:extLst>
-          </p:nvPr>
-        </p:nvSpPr>
-        <p:spPr>
-          <a:xfrm>
-            <a:off x="8918761" y="-4332"/>
-            <a:ext cx="3273238" cy="3618965"/>
-          </a:xfrm>
-          <a:custGeom>
-            <a:avLst/>
-            <a:gdLst>
-              <a:gd name="connsiteX0" fmla="*/ 210437 w 3273238"/>
-              <a:gd name="connsiteY0" fmla="*/ 0 h 3618965"/>
-              <a:gd name="connsiteX1" fmla="*/ 3273238 w 3273238"/>
-              <a:gd name="connsiteY1" fmla="*/ 0 h 3618965"/>
-              <a:gd name="connsiteX2" fmla="*/ 3273238 w 3273238"/>
-              <a:gd name="connsiteY2" fmla="*/ 3526409 h 3618965"/>
-              <a:gd name="connsiteX3" fmla="*/ 3118338 w 3273238"/>
-              <a:gd name="connsiteY3" fmla="*/ 3566238 h 3618965"/>
-              <a:gd name="connsiteX4" fmla="*/ 2595295 w 3273238"/>
-              <a:gd name="connsiteY4" fmla="*/ 3618965 h 3618965"/>
-              <a:gd name="connsiteX5" fmla="*/ 0 w 3273238"/>
-              <a:gd name="connsiteY5" fmla="*/ 1023670 h 3618965"/>
-              <a:gd name="connsiteX6" fmla="*/ 203951 w 3273238"/>
-              <a:gd name="connsiteY6" fmla="*/ 13464 h 3618965"/>
-            </a:gdLst>
-            <a:ahLst/>
-            <a:cxnLst>
-              <a:cxn ang="0">
-                <a:pos x="connsiteX0" y="connsiteY0"/>
-              </a:cxn>
-              <a:cxn ang="0">
-                <a:pos x="connsiteX1" y="connsiteY1"/>
-              </a:cxn>
-              <a:cxn ang="0">
-                <a:pos x="connsiteX2" y="connsiteY2"/>
-              </a:cxn>
-              <a:cxn ang="0">
-                <a:pos x="connsiteX3" y="connsiteY3"/>
-              </a:cxn>
-              <a:cxn ang="0">
-                <a:pos x="connsiteX4" y="connsiteY4"/>
-              </a:cxn>
-              <a:cxn ang="0">
-                <a:pos x="connsiteX5" y="connsiteY5"/>
-              </a:cxn>
-              <a:cxn ang="0">
-                <a:pos x="connsiteX6" y="connsiteY6"/>
-              </a:cxn>
-            </a:cxnLst>
-            <a:rect l="l" t="t" r="r" b="b"/>
-            <a:pathLst>
-              <a:path w="3273238" h="3618965">
-                <a:moveTo>
-                  <a:pt x="210437" y="0"/>
-                </a:moveTo>
-                <a:lnTo>
-                  <a:pt x="3273238" y="0"/>
-                </a:lnTo>
-                <a:lnTo>
-                  <a:pt x="3273238" y="3526409"/>
-                </a:lnTo>
-                <a:lnTo>
-                  <a:pt x="3118338" y="3566238"/>
-                </a:lnTo>
-                <a:cubicBezTo>
-                  <a:pt x="2949390" y="3600810"/>
-                  <a:pt x="2774463" y="3618965"/>
-                  <a:pt x="2595295" y="3618965"/>
-                </a:cubicBezTo>
-                <a:cubicBezTo>
-                  <a:pt x="1161953" y="3618965"/>
-                  <a:pt x="0" y="2457012"/>
-                  <a:pt x="0" y="1023670"/>
-                </a:cubicBezTo>
-                <a:cubicBezTo>
-                  <a:pt x="0" y="665335"/>
-                  <a:pt x="72622" y="323961"/>
-                  <a:pt x="203951" y="13464"/>
-                </a:cubicBezTo>
-                <a:close/>
-              </a:path>
-            </a:pathLst>
-          </a:custGeom>
-          <a:solidFill>
-            <a:schemeClr val="tx1"/>
-          </a:solidFill>
-          <a:ln>
-            <a:noFill/>
-          </a:ln>
-        </p:spPr>
-        <p:style>
-          <a:lnRef idx="2">
-            <a:schemeClr val="accent1">
-              <a:shade val="50000"/>
-            </a:schemeClr>
-          </a:lnRef>
-          <a:fillRef idx="1">
-            <a:schemeClr val="accent1"/>
-          </a:fillRef>
-          <a:effectRef idx="0">
-            <a:schemeClr val="accent1"/>
-          </a:effectRef>
-          <a:fontRef idx="minor">
-            <a:schemeClr val="lt1"/>
-          </a:fontRef>
-        </p:style>
-        <p:txBody>
-          <a:bodyPr wrap="square" rtlCol="0" anchor="ctr">
-            <a:noAutofit/>
-          </a:bodyPr>
-          <a:lstStyle/>
-          <a:p>
-            <a:pPr marL="0" marR="0" lvl="0" indent="0" algn="ctr" defTabSz="914400" rtl="0" eaLnBrk="1" fontAlgn="auto" latinLnBrk="0" hangingPunct="1">
-              <a:lnSpc>
-                <a:spcPct val="100000"/>
-              </a:lnSpc>
-              <a:spcBef>
-                <a:spcPts val="0"/>
-              </a:spcBef>
-              <a:spcAft>
-                <a:spcPts val="0"/>
-              </a:spcAft>
-              <a:buClrTx/>
-              <a:buSzTx/>
-              <a:buFontTx/>
-              <a:buNone/>
-              <a:tabLst/>
-              <a:defRPr/>
-            </a:pPr>
-            <a:endParaRPr kumimoji="0" lang="en-US" sz="1800" b="0" i="0" u="none" strike="noStrike" kern="1200" cap="none" spc="0" normalizeH="0" baseline="0" noProof="0" dirty="0">
-              <a:ln>
-                <a:noFill/>
-              </a:ln>
-              <a:solidFill>
-                <a:prstClr val="white"/>
-              </a:solidFill>
-              <a:effectLst/>
-              <a:uLnTx/>
-              <a:uFillTx/>
-              <a:latin typeface="Calibri" panose="020F0502020204030204"/>
-              <a:ea typeface="+mn-ea"/>
-              <a:cs typeface="+mn-cs"/>
-            </a:endParaRPr>
-          </a:p>
-        </p:txBody>
-      </p:sp>
-      <p:pic>
-        <p:nvPicPr>
-          <p:cNvPr id="11" name="Graphic 10" descr="Books on Shelf">
-            <a:extLst>
-              <a:ext uri="{FF2B5EF4-FFF2-40B4-BE49-F238E27FC236}">
-                <a16:creationId xmlns:a16="http://schemas.microsoft.com/office/drawing/2014/main" id="{18A239E6-97C0-4A74-8E7A-C9FD39A8C92C}"/>
-              </a:ext>
-            </a:extLst>
-          </p:cNvPr>
-          <p:cNvPicPr>
-            <a:picLocks noChangeAspect="1"/>
-          </p:cNvPicPr>
-          <p:nvPr/>
-        </p:nvPicPr>
-        <p:blipFill>
-          <a:blip r:embed="rId9">
-            <a:extLst>
-              <a:ext uri="{28A0092B-C50C-407E-A947-70E740481C1C}">
-                <a14:useLocalDpi xmlns:a14="http://schemas.microsoft.com/office/drawing/2010/main" val="0"/>
-              </a:ext>
-              <a:ext uri="{96DAC541-7B7A-43D3-8B79-37D633B846F1}">
-                <asvg:svgBlip xmlns:asvg="http://schemas.microsoft.com/office/drawing/2016/SVG/main" r:embed="rId10"/>
-              </a:ext>
-            </a:extLst>
-          </a:blip>
-          <a:stretch>
-            <a:fillRect/>
-          </a:stretch>
-        </p:blipFill>
-        <p:spPr>
-          <a:xfrm>
-            <a:off x="9725024" y="327889"/>
-            <a:ext cx="2260711" cy="2260711"/>
-          </a:xfrm>
-          <a:prstGeom prst="rect">
-            <a:avLst/>
-          </a:prstGeom>
-        </p:spPr>
-      </p:pic>
-      <p:sp>
-        <p:nvSpPr>
-          <p:cNvPr id="3" name="Footer Placeholder 2">
-            <a:extLst>
-              <a:ext uri="{FF2B5EF4-FFF2-40B4-BE49-F238E27FC236}">
-                <a16:creationId xmlns:a16="http://schemas.microsoft.com/office/drawing/2014/main" id="{7B7E3F3C-6289-4276-9B28-D54596104263}"/>
-              </a:ext>
-            </a:extLst>
-          </p:cNvPr>
-          <p:cNvSpPr>
-            <a:spLocks noGrp="1"/>
-          </p:cNvSpPr>
-          <p:nvPr>
-            <p:ph type="ftr" sz="quarter" idx="11"/>
-          </p:nvPr>
-        </p:nvSpPr>
-        <p:spPr/>
-        <p:txBody>
-          <a:bodyPr/>
-          <a:lstStyle/>
-          <a:p>
-            <a:r>
-              <a:rPr lang="en-US"/>
-              <a:t>Mike Nguyen</a:t>
-            </a:r>
-            <a:endParaRPr lang="en-US" dirty="0"/>
-          </a:p>
-        </p:txBody>
-      </p:sp>
-    </p:spTree>
-    <p:extLst>
-      <p:ext uri="{BB962C8B-B14F-4D97-AF65-F5344CB8AC3E}">
-        <p14:creationId xmlns:p14="http://schemas.microsoft.com/office/powerpoint/2010/main" val="322398974"/>
-      </p:ext>
-    </p:extLst>
-  </p:cSld>
-  <p:clrMapOvr>
-    <a:overrideClrMapping bg1="dk1" tx1="lt1" bg2="dk2" tx2="lt2" accent1="accent1" accent2="accent2" accent3="accent3" accent4="accent4" accent5="accent5" accent6="accent6" hlink="hlink" folHlink="folHlink"/>
-  </p:clrMapOvr>
-</p:sld>
-</file>
-
-<file path=ppt/slides/slide20.xml><?xml version="1.0" encoding="utf-8"?>
+<file path=ppt/slides/slide21.xml><?xml version="1.0" encoding="utf-8"?>
 <p:sld xmlns:a="http://schemas.openxmlformats.org/drawingml/2006/main" xmlns:r="http://schemas.openxmlformats.org/officeDocument/2006/relationships" xmlns:p="http://schemas.openxmlformats.org/presentationml/2006/main">
   <p:cSld>
     <p:bg>
@@ -31851,7 +31616,7 @@
 </p:sld>
 </file>
 
-<file path=ppt/slides/slide21.xml><?xml version="1.0" encoding="utf-8"?>
+<file path=ppt/slides/slide22.xml><?xml version="1.0" encoding="utf-8"?>
 <p:sld xmlns:a="http://schemas.openxmlformats.org/drawingml/2006/main" xmlns:r="http://schemas.openxmlformats.org/officeDocument/2006/relationships" xmlns:p="http://schemas.openxmlformats.org/presentationml/2006/main">
   <p:cSld>
     <p:bg>
@@ -32563,7 +32328,7 @@
 </p:sld>
 </file>
 
-<file path=ppt/slides/slide22.xml><?xml version="1.0" encoding="utf-8"?>
+<file path=ppt/slides/slide23.xml><?xml version="1.0" encoding="utf-8"?>
 <p:sld xmlns:a="http://schemas.openxmlformats.org/drawingml/2006/main" xmlns:r="http://schemas.openxmlformats.org/officeDocument/2006/relationships" xmlns:p="http://schemas.openxmlformats.org/presentationml/2006/main">
   <p:cSld>
     <p:bg>
@@ -33518,7 +33283,7 @@
 </p:sld>
 </file>
 
-<file path=ppt/slides/slide23.xml><?xml version="1.0" encoding="utf-8"?>
+<file path=ppt/slides/slide24.xml><?xml version="1.0" encoding="utf-8"?>
 <p:sld xmlns:a="http://schemas.openxmlformats.org/drawingml/2006/main" xmlns:r="http://schemas.openxmlformats.org/officeDocument/2006/relationships" xmlns:p="http://schemas.openxmlformats.org/presentationml/2006/main">
   <p:cSld>
     <p:spTree>
@@ -34188,10 +33953,538 @@
   <p:clrMapOvr>
     <a:masterClrMapping/>
   </p:clrMapOvr>
+  <p:timing>
+    <p:tnLst>
+      <p:par>
+        <p:cTn id="1" dur="indefinite" restart="never" nodeType="tmRoot">
+          <p:childTnLst>
+            <p:seq concurrent="1" nextAc="seek">
+              <p:cTn id="2" dur="indefinite" nodeType="mainSeq">
+                <p:childTnLst>
+                  <p:par>
+                    <p:cTn id="3" fill="hold">
+                      <p:stCondLst>
+                        <p:cond delay="indefinite"/>
+                      </p:stCondLst>
+                      <p:childTnLst>
+                        <p:par>
+                          <p:cTn id="4" fill="hold">
+                            <p:stCondLst>
+                              <p:cond delay="0"/>
+                            </p:stCondLst>
+                            <p:childTnLst>
+                              <p:par>
+                                <p:cTn id="5" presetID="1" presetClass="entr" presetSubtype="0" fill="hold" grpId="0" nodeType="clickEffect">
+                                  <p:stCondLst>
+                                    <p:cond delay="0"/>
+                                  </p:stCondLst>
+                                  <p:childTnLst>
+                                    <p:set>
+                                      <p:cBhvr>
+                                        <p:cTn id="6" dur="1" fill="hold">
+                                          <p:stCondLst>
+                                            <p:cond delay="0"/>
+                                          </p:stCondLst>
+                                        </p:cTn>
+                                        <p:tgtEl>
+                                          <p:spTgt spid="8"/>
+                                        </p:tgtEl>
+                                        <p:attrNameLst>
+                                          <p:attrName>style.visibility</p:attrName>
+                                        </p:attrNameLst>
+                                      </p:cBhvr>
+                                      <p:to>
+                                        <p:strVal val="visible"/>
+                                      </p:to>
+                                    </p:set>
+                                  </p:childTnLst>
+                                </p:cTn>
+                              </p:par>
+                            </p:childTnLst>
+                          </p:cTn>
+                        </p:par>
+                      </p:childTnLst>
+                    </p:cTn>
+                  </p:par>
+                  <p:par>
+                    <p:cTn id="7" fill="hold">
+                      <p:stCondLst>
+                        <p:cond delay="indefinite"/>
+                      </p:stCondLst>
+                      <p:childTnLst>
+                        <p:par>
+                          <p:cTn id="8" fill="hold">
+                            <p:stCondLst>
+                              <p:cond delay="0"/>
+                            </p:stCondLst>
+                            <p:childTnLst>
+                              <p:par>
+                                <p:cTn id="9" presetID="1" presetClass="entr" presetSubtype="0" fill="hold" grpId="0" nodeType="clickEffect">
+                                  <p:stCondLst>
+                                    <p:cond delay="0"/>
+                                  </p:stCondLst>
+                                  <p:childTnLst>
+                                    <p:set>
+                                      <p:cBhvr>
+                                        <p:cTn id="10" dur="1" fill="hold">
+                                          <p:stCondLst>
+                                            <p:cond delay="0"/>
+                                          </p:stCondLst>
+                                        </p:cTn>
+                                        <p:tgtEl>
+                                          <p:spTgt spid="22"/>
+                                        </p:tgtEl>
+                                        <p:attrNameLst>
+                                          <p:attrName>style.visibility</p:attrName>
+                                        </p:attrNameLst>
+                                      </p:cBhvr>
+                                      <p:to>
+                                        <p:strVal val="visible"/>
+                                      </p:to>
+                                    </p:set>
+                                  </p:childTnLst>
+                                </p:cTn>
+                              </p:par>
+                            </p:childTnLst>
+                          </p:cTn>
+                        </p:par>
+                      </p:childTnLst>
+                    </p:cTn>
+                  </p:par>
+                  <p:par>
+                    <p:cTn id="11" fill="hold">
+                      <p:stCondLst>
+                        <p:cond delay="indefinite"/>
+                      </p:stCondLst>
+                      <p:childTnLst>
+                        <p:par>
+                          <p:cTn id="12" fill="hold">
+                            <p:stCondLst>
+                              <p:cond delay="0"/>
+                            </p:stCondLst>
+                            <p:childTnLst>
+                              <p:par>
+                                <p:cTn id="13" presetID="1" presetClass="entr" presetSubtype="0" fill="hold" grpId="0" nodeType="clickEffect">
+                                  <p:stCondLst>
+                                    <p:cond delay="0"/>
+                                  </p:stCondLst>
+                                  <p:childTnLst>
+                                    <p:set>
+                                      <p:cBhvr>
+                                        <p:cTn id="14" dur="1" fill="hold">
+                                          <p:stCondLst>
+                                            <p:cond delay="0"/>
+                                          </p:stCondLst>
+                                        </p:cTn>
+                                        <p:tgtEl>
+                                          <p:spTgt spid="9"/>
+                                        </p:tgtEl>
+                                        <p:attrNameLst>
+                                          <p:attrName>style.visibility</p:attrName>
+                                        </p:attrNameLst>
+                                      </p:cBhvr>
+                                      <p:to>
+                                        <p:strVal val="visible"/>
+                                      </p:to>
+                                    </p:set>
+                                  </p:childTnLst>
+                                </p:cTn>
+                              </p:par>
+                              <p:par>
+                                <p:cTn id="15" presetID="1" presetClass="entr" presetSubtype="0" fill="hold" nodeType="withEffect">
+                                  <p:stCondLst>
+                                    <p:cond delay="0"/>
+                                  </p:stCondLst>
+                                  <p:childTnLst>
+                                    <p:set>
+                                      <p:cBhvr>
+                                        <p:cTn id="16" dur="1" fill="hold">
+                                          <p:stCondLst>
+                                            <p:cond delay="0"/>
+                                          </p:stCondLst>
+                                        </p:cTn>
+                                        <p:tgtEl>
+                                          <p:spTgt spid="17"/>
+                                        </p:tgtEl>
+                                        <p:attrNameLst>
+                                          <p:attrName>style.visibility</p:attrName>
+                                        </p:attrNameLst>
+                                      </p:cBhvr>
+                                      <p:to>
+                                        <p:strVal val="visible"/>
+                                      </p:to>
+                                    </p:set>
+                                  </p:childTnLst>
+                                </p:cTn>
+                              </p:par>
+                            </p:childTnLst>
+                          </p:cTn>
+                        </p:par>
+                      </p:childTnLst>
+                    </p:cTn>
+                  </p:par>
+                  <p:par>
+                    <p:cTn id="17" fill="hold">
+                      <p:stCondLst>
+                        <p:cond delay="indefinite"/>
+                      </p:stCondLst>
+                      <p:childTnLst>
+                        <p:par>
+                          <p:cTn id="18" fill="hold">
+                            <p:stCondLst>
+                              <p:cond delay="0"/>
+                            </p:stCondLst>
+                            <p:childTnLst>
+                              <p:par>
+                                <p:cTn id="19" presetID="1" presetClass="entr" presetSubtype="0" fill="hold" grpId="0" nodeType="clickEffect">
+                                  <p:stCondLst>
+                                    <p:cond delay="0"/>
+                                  </p:stCondLst>
+                                  <p:childTnLst>
+                                    <p:set>
+                                      <p:cBhvr>
+                                        <p:cTn id="20" dur="1" fill="hold">
+                                          <p:stCondLst>
+                                            <p:cond delay="0"/>
+                                          </p:stCondLst>
+                                        </p:cTn>
+                                        <p:tgtEl>
+                                          <p:spTgt spid="18"/>
+                                        </p:tgtEl>
+                                        <p:attrNameLst>
+                                          <p:attrName>style.visibility</p:attrName>
+                                        </p:attrNameLst>
+                                      </p:cBhvr>
+                                      <p:to>
+                                        <p:strVal val="visible"/>
+                                      </p:to>
+                                    </p:set>
+                                  </p:childTnLst>
+                                </p:cTn>
+                              </p:par>
+                              <p:par>
+                                <p:cTn id="21" presetID="1" presetClass="entr" presetSubtype="0" fill="hold" grpId="0" nodeType="withEffect">
+                                  <p:stCondLst>
+                                    <p:cond delay="0"/>
+                                  </p:stCondLst>
+                                  <p:childTnLst>
+                                    <p:set>
+                                      <p:cBhvr>
+                                        <p:cTn id="22" dur="1" fill="hold">
+                                          <p:stCondLst>
+                                            <p:cond delay="0"/>
+                                          </p:stCondLst>
+                                        </p:cTn>
+                                        <p:tgtEl>
+                                          <p:spTgt spid="19"/>
+                                        </p:tgtEl>
+                                        <p:attrNameLst>
+                                          <p:attrName>style.visibility</p:attrName>
+                                        </p:attrNameLst>
+                                      </p:cBhvr>
+                                      <p:to>
+                                        <p:strVal val="visible"/>
+                                      </p:to>
+                                    </p:set>
+                                  </p:childTnLst>
+                                </p:cTn>
+                              </p:par>
+                            </p:childTnLst>
+                          </p:cTn>
+                        </p:par>
+                      </p:childTnLst>
+                    </p:cTn>
+                  </p:par>
+                  <p:par>
+                    <p:cTn id="23" fill="hold">
+                      <p:stCondLst>
+                        <p:cond delay="indefinite"/>
+                      </p:stCondLst>
+                      <p:childTnLst>
+                        <p:par>
+                          <p:cTn id="24" fill="hold">
+                            <p:stCondLst>
+                              <p:cond delay="0"/>
+                            </p:stCondLst>
+                            <p:childTnLst>
+                              <p:par>
+                                <p:cTn id="25" presetID="1" presetClass="entr" presetSubtype="0" fill="hold" grpId="0" nodeType="clickEffect">
+                                  <p:stCondLst>
+                                    <p:cond delay="0"/>
+                                  </p:stCondLst>
+                                  <p:childTnLst>
+                                    <p:set>
+                                      <p:cBhvr>
+                                        <p:cTn id="26" dur="1" fill="hold">
+                                          <p:stCondLst>
+                                            <p:cond delay="0"/>
+                                          </p:stCondLst>
+                                        </p:cTn>
+                                        <p:tgtEl>
+                                          <p:spTgt spid="20"/>
+                                        </p:tgtEl>
+                                        <p:attrNameLst>
+                                          <p:attrName>style.visibility</p:attrName>
+                                        </p:attrNameLst>
+                                      </p:cBhvr>
+                                      <p:to>
+                                        <p:strVal val="visible"/>
+                                      </p:to>
+                                    </p:set>
+                                  </p:childTnLst>
+                                </p:cTn>
+                              </p:par>
+                              <p:par>
+                                <p:cTn id="27" presetID="1" presetClass="entr" presetSubtype="0" fill="hold" grpId="0" nodeType="withEffect">
+                                  <p:stCondLst>
+                                    <p:cond delay="0"/>
+                                  </p:stCondLst>
+                                  <p:childTnLst>
+                                    <p:set>
+                                      <p:cBhvr>
+                                        <p:cTn id="28" dur="1" fill="hold">
+                                          <p:stCondLst>
+                                            <p:cond delay="0"/>
+                                          </p:stCondLst>
+                                        </p:cTn>
+                                        <p:tgtEl>
+                                          <p:spTgt spid="5"/>
+                                        </p:tgtEl>
+                                        <p:attrNameLst>
+                                          <p:attrName>style.visibility</p:attrName>
+                                        </p:attrNameLst>
+                                      </p:cBhvr>
+                                      <p:to>
+                                        <p:strVal val="visible"/>
+                                      </p:to>
+                                    </p:set>
+                                  </p:childTnLst>
+                                </p:cTn>
+                              </p:par>
+                              <p:par>
+                                <p:cTn id="29" presetID="1" presetClass="entr" presetSubtype="0" fill="hold" nodeType="withEffect">
+                                  <p:stCondLst>
+                                    <p:cond delay="0"/>
+                                  </p:stCondLst>
+                                  <p:childTnLst>
+                                    <p:set>
+                                      <p:cBhvr>
+                                        <p:cTn id="30" dur="1" fill="hold">
+                                          <p:stCondLst>
+                                            <p:cond delay="0"/>
+                                          </p:stCondLst>
+                                        </p:cTn>
+                                        <p:tgtEl>
+                                          <p:spTgt spid="11"/>
+                                        </p:tgtEl>
+                                        <p:attrNameLst>
+                                          <p:attrName>style.visibility</p:attrName>
+                                        </p:attrNameLst>
+                                      </p:cBhvr>
+                                      <p:to>
+                                        <p:strVal val="visible"/>
+                                      </p:to>
+                                    </p:set>
+                                  </p:childTnLst>
+                                </p:cTn>
+                              </p:par>
+                              <p:par>
+                                <p:cTn id="31" presetID="1" presetClass="entr" presetSubtype="0" fill="hold" grpId="0" nodeType="withEffect">
+                                  <p:stCondLst>
+                                    <p:cond delay="0"/>
+                                  </p:stCondLst>
+                                  <p:childTnLst>
+                                    <p:set>
+                                      <p:cBhvr>
+                                        <p:cTn id="32" dur="1" fill="hold">
+                                          <p:stCondLst>
+                                            <p:cond delay="0"/>
+                                          </p:stCondLst>
+                                        </p:cTn>
+                                        <p:tgtEl>
+                                          <p:spTgt spid="6"/>
+                                        </p:tgtEl>
+                                        <p:attrNameLst>
+                                          <p:attrName>style.visibility</p:attrName>
+                                        </p:attrNameLst>
+                                      </p:cBhvr>
+                                      <p:to>
+                                        <p:strVal val="visible"/>
+                                      </p:to>
+                                    </p:set>
+                                  </p:childTnLst>
+                                </p:cTn>
+                              </p:par>
+                              <p:par>
+                                <p:cTn id="33" presetID="1" presetClass="entr" presetSubtype="0" fill="hold" grpId="0" nodeType="withEffect">
+                                  <p:stCondLst>
+                                    <p:cond delay="0"/>
+                                  </p:stCondLst>
+                                  <p:childTnLst>
+                                    <p:set>
+                                      <p:cBhvr>
+                                        <p:cTn id="34" dur="1" fill="hold">
+                                          <p:stCondLst>
+                                            <p:cond delay="0"/>
+                                          </p:stCondLst>
+                                        </p:cTn>
+                                        <p:tgtEl>
+                                          <p:spTgt spid="21"/>
+                                        </p:tgtEl>
+                                        <p:attrNameLst>
+                                          <p:attrName>style.visibility</p:attrName>
+                                        </p:attrNameLst>
+                                      </p:cBhvr>
+                                      <p:to>
+                                        <p:strVal val="visible"/>
+                                      </p:to>
+                                    </p:set>
+                                  </p:childTnLst>
+                                </p:cTn>
+                              </p:par>
+                              <p:par>
+                                <p:cTn id="35" presetID="1" presetClass="entr" presetSubtype="0" fill="hold" grpId="0" nodeType="withEffect">
+                                  <p:stCondLst>
+                                    <p:cond delay="0"/>
+                                  </p:stCondLst>
+                                  <p:childTnLst>
+                                    <p:set>
+                                      <p:cBhvr>
+                                        <p:cTn id="36" dur="1" fill="hold">
+                                          <p:stCondLst>
+                                            <p:cond delay="0"/>
+                                          </p:stCondLst>
+                                        </p:cTn>
+                                        <p:tgtEl>
+                                          <p:spTgt spid="3"/>
+                                        </p:tgtEl>
+                                        <p:attrNameLst>
+                                          <p:attrName>style.visibility</p:attrName>
+                                        </p:attrNameLst>
+                                      </p:cBhvr>
+                                      <p:to>
+                                        <p:strVal val="visible"/>
+                                      </p:to>
+                                    </p:set>
+                                  </p:childTnLst>
+                                </p:cTn>
+                              </p:par>
+                            </p:childTnLst>
+                          </p:cTn>
+                        </p:par>
+                      </p:childTnLst>
+                    </p:cTn>
+                  </p:par>
+                  <p:par>
+                    <p:cTn id="37" fill="hold">
+                      <p:stCondLst>
+                        <p:cond delay="indefinite"/>
+                      </p:stCondLst>
+                      <p:childTnLst>
+                        <p:par>
+                          <p:cTn id="38" fill="hold">
+                            <p:stCondLst>
+                              <p:cond delay="0"/>
+                            </p:stCondLst>
+                            <p:childTnLst>
+                              <p:par>
+                                <p:cTn id="39" presetID="1" presetClass="entr" presetSubtype="0" fill="hold" nodeType="clickEffect">
+                                  <p:stCondLst>
+                                    <p:cond delay="0"/>
+                                  </p:stCondLst>
+                                  <p:childTnLst>
+                                    <p:set>
+                                      <p:cBhvr>
+                                        <p:cTn id="40" dur="1" fill="hold">
+                                          <p:stCondLst>
+                                            <p:cond delay="0"/>
+                                          </p:stCondLst>
+                                        </p:cTn>
+                                        <p:tgtEl>
+                                          <p:spTgt spid="13"/>
+                                        </p:tgtEl>
+                                        <p:attrNameLst>
+                                          <p:attrName>style.visibility</p:attrName>
+                                        </p:attrNameLst>
+                                      </p:cBhvr>
+                                      <p:to>
+                                        <p:strVal val="visible"/>
+                                      </p:to>
+                                    </p:set>
+                                  </p:childTnLst>
+                                </p:cTn>
+                              </p:par>
+                              <p:par>
+                                <p:cTn id="41" presetID="1" presetClass="entr" presetSubtype="0" fill="hold" nodeType="withEffect">
+                                  <p:stCondLst>
+                                    <p:cond delay="0"/>
+                                  </p:stCondLst>
+                                  <p:childTnLst>
+                                    <p:set>
+                                      <p:cBhvr>
+                                        <p:cTn id="42" dur="1" fill="hold">
+                                          <p:stCondLst>
+                                            <p:cond delay="0"/>
+                                          </p:stCondLst>
+                                        </p:cTn>
+                                        <p:tgtEl>
+                                          <p:spTgt spid="15"/>
+                                        </p:tgtEl>
+                                        <p:attrNameLst>
+                                          <p:attrName>style.visibility</p:attrName>
+                                        </p:attrNameLst>
+                                      </p:cBhvr>
+                                      <p:to>
+                                        <p:strVal val="visible"/>
+                                      </p:to>
+                                    </p:set>
+                                  </p:childTnLst>
+                                </p:cTn>
+                              </p:par>
+                            </p:childTnLst>
+                          </p:cTn>
+                        </p:par>
+                      </p:childTnLst>
+                    </p:cTn>
+                  </p:par>
+                </p:childTnLst>
+              </p:cTn>
+              <p:prevCondLst>
+                <p:cond evt="onPrev" delay="0">
+                  <p:tgtEl>
+                    <p:sldTgt/>
+                  </p:tgtEl>
+                </p:cond>
+              </p:prevCondLst>
+              <p:nextCondLst>
+                <p:cond evt="onNext" delay="0">
+                  <p:tgtEl>
+                    <p:sldTgt/>
+                  </p:tgtEl>
+                </p:cond>
+              </p:nextCondLst>
+            </p:seq>
+          </p:childTnLst>
+        </p:cTn>
+      </p:par>
+    </p:tnLst>
+    <p:bldLst>
+      <p:bldP spid="5" grpId="0" animBg="1"/>
+      <p:bldP spid="6" grpId="0" animBg="1"/>
+      <p:bldP spid="8" grpId="0" animBg="1"/>
+      <p:bldP spid="9" grpId="0" animBg="1"/>
+      <p:bldP spid="18" grpId="0" animBg="1"/>
+      <p:bldP spid="19" grpId="0"/>
+      <p:bldP spid="20" grpId="0" animBg="1"/>
+      <p:bldP spid="21" grpId="0"/>
+      <p:bldP spid="3" grpId="0"/>
+      <p:bldP spid="22" grpId="0"/>
+    </p:bldLst>
+  </p:timing>
 </p:sld>
 </file>
 
-<file path=ppt/slides/slide24.xml><?xml version="1.0" encoding="utf-8"?>
+<file path=ppt/slides/slide25.xml><?xml version="1.0" encoding="utf-8"?>
 <p:sld xmlns:a="http://schemas.openxmlformats.org/drawingml/2006/main" xmlns:r="http://schemas.openxmlformats.org/officeDocument/2006/relationships" xmlns:p="http://schemas.openxmlformats.org/presentationml/2006/main">
   <p:cSld>
     <p:spTree>
@@ -34677,8 +34970,8 @@
 </p:sld>
 </file>
 
-<file path=ppt/slides/slide25.xml><?xml version="1.0" encoding="utf-8"?>
-<p:sld xmlns:a="http://schemas.openxmlformats.org/drawingml/2006/main" xmlns:r="http://schemas.openxmlformats.org/officeDocument/2006/relationships" xmlns:p="http://schemas.openxmlformats.org/presentationml/2006/main">
+<file path=ppt/slides/slide26.xml><?xml version="1.0" encoding="utf-8"?>
+<p:sld xmlns:a="http://schemas.openxmlformats.org/drawingml/2006/main" xmlns:r="http://schemas.openxmlformats.org/officeDocument/2006/relationships" xmlns:p="http://schemas.openxmlformats.org/presentationml/2006/main" show="0">
   <p:cSld>
     <p:bg>
       <p:bgPr>
@@ -34931,7 +35224,7 @@
 </p:sld>
 </file>
 
-<file path=ppt/slides/slide26.xml><?xml version="1.0" encoding="utf-8"?>
+<file path=ppt/slides/slide27.xml><?xml version="1.0" encoding="utf-8"?>
 <p:sld xmlns:a="http://schemas.openxmlformats.org/drawingml/2006/main" xmlns:r="http://schemas.openxmlformats.org/officeDocument/2006/relationships" xmlns:p="http://schemas.openxmlformats.org/presentationml/2006/main">
   <p:cSld>
     <p:bg>
@@ -35365,7 +35658,7 @@
               <a:buNone/>
             </a:pPr>
             <a:r>
-              <a:rPr lang="en-US" sz="2400"/>
+              <a:rPr lang="en-US" sz="2400" dirty="0"/>
               <a:t>Describe some characteristics of your respondents </a:t>
             </a:r>
           </a:p>
@@ -35505,10 +35798,285 @@
   <p:clrMapOvr>
     <a:masterClrMapping/>
   </p:clrMapOvr>
+  <p:timing>
+    <p:tnLst>
+      <p:par>
+        <p:cTn id="1" dur="indefinite" restart="never" nodeType="tmRoot">
+          <p:childTnLst>
+            <p:seq concurrent="1" nextAc="seek">
+              <p:cTn id="2" dur="indefinite" nodeType="mainSeq">
+                <p:childTnLst>
+                  <p:par>
+                    <p:cTn id="3" fill="hold">
+                      <p:stCondLst>
+                        <p:cond delay="indefinite"/>
+                      </p:stCondLst>
+                      <p:childTnLst>
+                        <p:par>
+                          <p:cTn id="4" fill="hold">
+                            <p:stCondLst>
+                              <p:cond delay="0"/>
+                            </p:stCondLst>
+                            <p:childTnLst>
+                              <p:par>
+                                <p:cTn id="5" presetID="1" presetClass="entr" presetSubtype="0" fill="hold" nodeType="clickEffect">
+                                  <p:stCondLst>
+                                    <p:cond delay="0"/>
+                                  </p:stCondLst>
+                                  <p:childTnLst>
+                                    <p:set>
+                                      <p:cBhvr>
+                                        <p:cTn id="6" dur="1" fill="hold">
+                                          <p:stCondLst>
+                                            <p:cond delay="0"/>
+                                          </p:stCondLst>
+                                        </p:cTn>
+                                        <p:tgtEl>
+                                          <p:spTgt spid="3">
+                                            <p:txEl>
+                                              <p:pRg st="0" end="0"/>
+                                            </p:txEl>
+                                          </p:spTgt>
+                                        </p:tgtEl>
+                                        <p:attrNameLst>
+                                          <p:attrName>style.visibility</p:attrName>
+                                        </p:attrNameLst>
+                                      </p:cBhvr>
+                                      <p:to>
+                                        <p:strVal val="visible"/>
+                                      </p:to>
+                                    </p:set>
+                                  </p:childTnLst>
+                                </p:cTn>
+                              </p:par>
+                            </p:childTnLst>
+                          </p:cTn>
+                        </p:par>
+                      </p:childTnLst>
+                    </p:cTn>
+                  </p:par>
+                  <p:par>
+                    <p:cTn id="7" fill="hold">
+                      <p:stCondLst>
+                        <p:cond delay="indefinite"/>
+                      </p:stCondLst>
+                      <p:childTnLst>
+                        <p:par>
+                          <p:cTn id="8" fill="hold">
+                            <p:stCondLst>
+                              <p:cond delay="0"/>
+                            </p:stCondLst>
+                            <p:childTnLst>
+                              <p:par>
+                                <p:cTn id="9" presetID="1" presetClass="entr" presetSubtype="0" fill="hold" nodeType="clickEffect">
+                                  <p:stCondLst>
+                                    <p:cond delay="0"/>
+                                  </p:stCondLst>
+                                  <p:childTnLst>
+                                    <p:set>
+                                      <p:cBhvr>
+                                        <p:cTn id="10" dur="1" fill="hold">
+                                          <p:stCondLst>
+                                            <p:cond delay="0"/>
+                                          </p:stCondLst>
+                                        </p:cTn>
+                                        <p:tgtEl>
+                                          <p:spTgt spid="3">
+                                            <p:txEl>
+                                              <p:pRg st="1" end="1"/>
+                                            </p:txEl>
+                                          </p:spTgt>
+                                        </p:tgtEl>
+                                        <p:attrNameLst>
+                                          <p:attrName>style.visibility</p:attrName>
+                                        </p:attrNameLst>
+                                      </p:cBhvr>
+                                      <p:to>
+                                        <p:strVal val="visible"/>
+                                      </p:to>
+                                    </p:set>
+                                  </p:childTnLst>
+                                </p:cTn>
+                              </p:par>
+                            </p:childTnLst>
+                          </p:cTn>
+                        </p:par>
+                      </p:childTnLst>
+                    </p:cTn>
+                  </p:par>
+                  <p:par>
+                    <p:cTn id="11" fill="hold">
+                      <p:stCondLst>
+                        <p:cond delay="indefinite"/>
+                      </p:stCondLst>
+                      <p:childTnLst>
+                        <p:par>
+                          <p:cTn id="12" fill="hold">
+                            <p:stCondLst>
+                              <p:cond delay="0"/>
+                            </p:stCondLst>
+                            <p:childTnLst>
+                              <p:par>
+                                <p:cTn id="13" presetID="1" presetClass="entr" presetSubtype="0" fill="hold" nodeType="clickEffect">
+                                  <p:stCondLst>
+                                    <p:cond delay="0"/>
+                                  </p:stCondLst>
+                                  <p:childTnLst>
+                                    <p:set>
+                                      <p:cBhvr>
+                                        <p:cTn id="14" dur="1" fill="hold">
+                                          <p:stCondLst>
+                                            <p:cond delay="0"/>
+                                          </p:stCondLst>
+                                        </p:cTn>
+                                        <p:tgtEl>
+                                          <p:spTgt spid="3">
+                                            <p:txEl>
+                                              <p:pRg st="2" end="2"/>
+                                            </p:txEl>
+                                          </p:spTgt>
+                                        </p:tgtEl>
+                                        <p:attrNameLst>
+                                          <p:attrName>style.visibility</p:attrName>
+                                        </p:attrNameLst>
+                                      </p:cBhvr>
+                                      <p:to>
+                                        <p:strVal val="visible"/>
+                                      </p:to>
+                                    </p:set>
+                                  </p:childTnLst>
+                                </p:cTn>
+                              </p:par>
+                            </p:childTnLst>
+                          </p:cTn>
+                        </p:par>
+                      </p:childTnLst>
+                    </p:cTn>
+                  </p:par>
+                  <p:par>
+                    <p:cTn id="15" fill="hold">
+                      <p:stCondLst>
+                        <p:cond delay="indefinite"/>
+                      </p:stCondLst>
+                      <p:childTnLst>
+                        <p:par>
+                          <p:cTn id="16" fill="hold">
+                            <p:stCondLst>
+                              <p:cond delay="0"/>
+                            </p:stCondLst>
+                            <p:childTnLst>
+                              <p:par>
+                                <p:cTn id="17" presetID="1" presetClass="entr" presetSubtype="0" fill="hold" nodeType="clickEffect">
+                                  <p:stCondLst>
+                                    <p:cond delay="0"/>
+                                  </p:stCondLst>
+                                  <p:childTnLst>
+                                    <p:set>
+                                      <p:cBhvr>
+                                        <p:cTn id="18" dur="1" fill="hold">
+                                          <p:stCondLst>
+                                            <p:cond delay="0"/>
+                                          </p:stCondLst>
+                                        </p:cTn>
+                                        <p:tgtEl>
+                                          <p:spTgt spid="3">
+                                            <p:txEl>
+                                              <p:pRg st="3" end="3"/>
+                                            </p:txEl>
+                                          </p:spTgt>
+                                        </p:tgtEl>
+                                        <p:attrNameLst>
+                                          <p:attrName>style.visibility</p:attrName>
+                                        </p:attrNameLst>
+                                      </p:cBhvr>
+                                      <p:to>
+                                        <p:strVal val="visible"/>
+                                      </p:to>
+                                    </p:set>
+                                  </p:childTnLst>
+                                </p:cTn>
+                              </p:par>
+                            </p:childTnLst>
+                          </p:cTn>
+                        </p:par>
+                      </p:childTnLst>
+                    </p:cTn>
+                  </p:par>
+                  <p:par>
+                    <p:cTn id="19" fill="hold">
+                      <p:stCondLst>
+                        <p:cond delay="indefinite"/>
+                      </p:stCondLst>
+                      <p:childTnLst>
+                        <p:par>
+                          <p:cTn id="20" fill="hold">
+                            <p:stCondLst>
+                              <p:cond delay="0"/>
+                            </p:stCondLst>
+                            <p:childTnLst>
+                              <p:par>
+                                <p:cTn id="21" presetID="1" presetClass="entr" presetSubtype="0" fill="hold" nodeType="clickEffect">
+                                  <p:stCondLst>
+                                    <p:cond delay="0"/>
+                                  </p:stCondLst>
+                                  <p:childTnLst>
+                                    <p:set>
+                                      <p:cBhvr>
+                                        <p:cTn id="22" dur="1" fill="hold">
+                                          <p:stCondLst>
+                                            <p:cond delay="0"/>
+                                          </p:stCondLst>
+                                        </p:cTn>
+                                        <p:tgtEl>
+                                          <p:spTgt spid="3">
+                                            <p:txEl>
+                                              <p:pRg st="4" end="4"/>
+                                            </p:txEl>
+                                          </p:spTgt>
+                                        </p:tgtEl>
+                                        <p:attrNameLst>
+                                          <p:attrName>style.visibility</p:attrName>
+                                        </p:attrNameLst>
+                                      </p:cBhvr>
+                                      <p:to>
+                                        <p:strVal val="visible"/>
+                                      </p:to>
+                                    </p:set>
+                                  </p:childTnLst>
+                                </p:cTn>
+                              </p:par>
+                            </p:childTnLst>
+                          </p:cTn>
+                        </p:par>
+                      </p:childTnLst>
+                    </p:cTn>
+                  </p:par>
+                </p:childTnLst>
+              </p:cTn>
+              <p:prevCondLst>
+                <p:cond evt="onPrev" delay="0">
+                  <p:tgtEl>
+                    <p:sldTgt/>
+                  </p:tgtEl>
+                </p:cond>
+              </p:prevCondLst>
+              <p:nextCondLst>
+                <p:cond evt="onNext" delay="0">
+                  <p:tgtEl>
+                    <p:sldTgt/>
+                  </p:tgtEl>
+                </p:cond>
+              </p:nextCondLst>
+            </p:seq>
+          </p:childTnLst>
+        </p:cTn>
+      </p:par>
+    </p:tnLst>
+  </p:timing>
 </p:sld>
 </file>
 
-<file path=ppt/slides/slide27.xml><?xml version="1.0" encoding="utf-8"?>
+<file path=ppt/slides/slide28.xml><?xml version="1.0" encoding="utf-8"?>
 <p:sld xmlns:a="http://schemas.openxmlformats.org/drawingml/2006/main" xmlns:r="http://schemas.openxmlformats.org/officeDocument/2006/relationships" xmlns:p="http://schemas.openxmlformats.org/presentationml/2006/main">
   <p:cSld>
     <p:bg>
@@ -35884,7 +36452,7 @@
               <a:buNone/>
             </a:pPr>
             <a:r>
-              <a:rPr lang="en-US" sz="2200"/>
+              <a:rPr lang="en-US" sz="2200" dirty="0"/>
               <a:t>Whether subgroups of your sample differ on some characteristics.</a:t>
             </a:r>
           </a:p>
@@ -35893,68 +36461,58 @@
               <a:buNone/>
             </a:pPr>
             <a:r>
-              <a:rPr lang="en-US" sz="2200"/>
-              <a:t>A difference analysis RA has both a </a:t>
+              <a:rPr lang="en-US" sz="2200" dirty="0"/>
+              <a:t>A difference analysis RQ has both a </a:t>
             </a:r>
             <a:r>
-              <a:rPr lang="en-US" sz="2200" b="1"/>
+              <a:rPr lang="en-US" sz="2200" b="1" dirty="0"/>
               <a:t>grouping variable </a:t>
             </a:r>
             <a:r>
-              <a:rPr lang="en-US" sz="2200"/>
+              <a:rPr lang="en-US" sz="2200" dirty="0"/>
               <a:t>and a </a:t>
             </a:r>
             <a:r>
-              <a:rPr lang="en-US" sz="2200" b="1"/>
+              <a:rPr lang="en-US" sz="2200" b="1" dirty="0"/>
               <a:t>comparison/analysis variable</a:t>
             </a:r>
             <a:r>
-              <a:rPr lang="en-US" sz="2200"/>
+              <a:rPr lang="en-US" sz="2200" dirty="0"/>
               <a:t>. </a:t>
             </a:r>
           </a:p>
           <a:p>
             <a:r>
-              <a:rPr lang="en-US" sz="2200"/>
+              <a:rPr lang="en-US" sz="2200" dirty="0"/>
               <a:t>Is there a difference between </a:t>
             </a:r>
             <a:r>
-              <a:rPr lang="en-US" sz="2200" b="1"/>
+              <a:rPr lang="en-US" sz="2200" b="1" dirty="0"/>
               <a:t>on and off-campus students </a:t>
             </a:r>
             <a:r>
-              <a:rPr lang="en-US" sz="2200"/>
+              <a:rPr lang="en-US" sz="2200" dirty="0"/>
               <a:t>regarding </a:t>
             </a:r>
             <a:r>
-              <a:rPr lang="en-US" sz="2200" b="1"/>
+              <a:rPr lang="en-US" sz="2200" b="1" dirty="0"/>
               <a:t>how often they want pizza delivered</a:t>
             </a:r>
             <a:r>
-              <a:rPr lang="en-US" sz="2200"/>
+              <a:rPr lang="en-US" sz="2200" dirty="0"/>
               <a:t>?</a:t>
             </a:r>
           </a:p>
           <a:p>
             <a:r>
-              <a:rPr lang="en-US" sz="2200">
-                <a:effectLst/>
-                <a:latin typeface="Arial" panose="020B0604020202020204" pitchFamily="34" charset="0"/>
-                <a:ea typeface="Arial" panose="020B0604020202020204" pitchFamily="34" charset="0"/>
-              </a:rPr>
-              <a:t>Do Greek and non-Greek students differ in their favorite place to buy clothes in Columbia? </a:t>
-            </a:r>
-          </a:p>
-          <a:p>
-            <a:r>
-              <a:rPr lang="en-US" sz="2200">
+              <a:rPr lang="en-US" sz="2200" dirty="0">
                 <a:effectLst/>
                 <a:latin typeface="Arial" panose="020B0604020202020204" pitchFamily="34" charset="0"/>
                 <a:ea typeface="Arial" panose="020B0604020202020204" pitchFamily="34" charset="0"/>
               </a:rPr>
               <a:t>Do residents of the three main zip codes in Columbia differ in the frequency with which they shop in downtown Columbia? </a:t>
             </a:r>
-            <a:endParaRPr lang="en-US" sz="2200"/>
+            <a:endParaRPr lang="en-US" sz="2200" dirty="0"/>
           </a:p>
         </p:txBody>
       </p:sp>
@@ -36008,10 +36566,2192 @@
   <p:clrMapOvr>
     <a:masterClrMapping/>
   </p:clrMapOvr>
+  <p:timing>
+    <p:tnLst>
+      <p:par>
+        <p:cTn id="1" dur="indefinite" restart="never" nodeType="tmRoot">
+          <p:childTnLst>
+            <p:seq concurrent="1" nextAc="seek">
+              <p:cTn id="2" dur="indefinite" nodeType="mainSeq">
+                <p:childTnLst>
+                  <p:par>
+                    <p:cTn id="3" fill="hold">
+                      <p:stCondLst>
+                        <p:cond delay="indefinite"/>
+                      </p:stCondLst>
+                      <p:childTnLst>
+                        <p:par>
+                          <p:cTn id="4" fill="hold">
+                            <p:stCondLst>
+                              <p:cond delay="0"/>
+                            </p:stCondLst>
+                            <p:childTnLst>
+                              <p:par>
+                                <p:cTn id="5" presetID="1" presetClass="entr" presetSubtype="0" fill="hold" nodeType="clickEffect">
+                                  <p:stCondLst>
+                                    <p:cond delay="0"/>
+                                  </p:stCondLst>
+                                  <p:childTnLst>
+                                    <p:set>
+                                      <p:cBhvr>
+                                        <p:cTn id="6" dur="1" fill="hold">
+                                          <p:stCondLst>
+                                            <p:cond delay="0"/>
+                                          </p:stCondLst>
+                                        </p:cTn>
+                                        <p:tgtEl>
+                                          <p:spTgt spid="3">
+                                            <p:txEl>
+                                              <p:pRg st="0" end="0"/>
+                                            </p:txEl>
+                                          </p:spTgt>
+                                        </p:tgtEl>
+                                        <p:attrNameLst>
+                                          <p:attrName>style.visibility</p:attrName>
+                                        </p:attrNameLst>
+                                      </p:cBhvr>
+                                      <p:to>
+                                        <p:strVal val="visible"/>
+                                      </p:to>
+                                    </p:set>
+                                  </p:childTnLst>
+                                </p:cTn>
+                              </p:par>
+                            </p:childTnLst>
+                          </p:cTn>
+                        </p:par>
+                      </p:childTnLst>
+                    </p:cTn>
+                  </p:par>
+                  <p:par>
+                    <p:cTn id="7" fill="hold">
+                      <p:stCondLst>
+                        <p:cond delay="indefinite"/>
+                      </p:stCondLst>
+                      <p:childTnLst>
+                        <p:par>
+                          <p:cTn id="8" fill="hold">
+                            <p:stCondLst>
+                              <p:cond delay="0"/>
+                            </p:stCondLst>
+                            <p:childTnLst>
+                              <p:par>
+                                <p:cTn id="9" presetID="1" presetClass="entr" presetSubtype="0" fill="hold" nodeType="clickEffect">
+                                  <p:stCondLst>
+                                    <p:cond delay="0"/>
+                                  </p:stCondLst>
+                                  <p:childTnLst>
+                                    <p:set>
+                                      <p:cBhvr>
+                                        <p:cTn id="10" dur="1" fill="hold">
+                                          <p:stCondLst>
+                                            <p:cond delay="0"/>
+                                          </p:stCondLst>
+                                        </p:cTn>
+                                        <p:tgtEl>
+                                          <p:spTgt spid="3">
+                                            <p:txEl>
+                                              <p:pRg st="1" end="1"/>
+                                            </p:txEl>
+                                          </p:spTgt>
+                                        </p:tgtEl>
+                                        <p:attrNameLst>
+                                          <p:attrName>style.visibility</p:attrName>
+                                        </p:attrNameLst>
+                                      </p:cBhvr>
+                                      <p:to>
+                                        <p:strVal val="visible"/>
+                                      </p:to>
+                                    </p:set>
+                                  </p:childTnLst>
+                                </p:cTn>
+                              </p:par>
+                            </p:childTnLst>
+                          </p:cTn>
+                        </p:par>
+                      </p:childTnLst>
+                    </p:cTn>
+                  </p:par>
+                  <p:par>
+                    <p:cTn id="11" fill="hold">
+                      <p:stCondLst>
+                        <p:cond delay="indefinite"/>
+                      </p:stCondLst>
+                      <p:childTnLst>
+                        <p:par>
+                          <p:cTn id="12" fill="hold">
+                            <p:stCondLst>
+                              <p:cond delay="0"/>
+                            </p:stCondLst>
+                            <p:childTnLst>
+                              <p:par>
+                                <p:cTn id="13" presetID="1" presetClass="entr" presetSubtype="0" fill="hold" nodeType="clickEffect">
+                                  <p:stCondLst>
+                                    <p:cond delay="0"/>
+                                  </p:stCondLst>
+                                  <p:childTnLst>
+                                    <p:set>
+                                      <p:cBhvr>
+                                        <p:cTn id="14" dur="1" fill="hold">
+                                          <p:stCondLst>
+                                            <p:cond delay="0"/>
+                                          </p:stCondLst>
+                                        </p:cTn>
+                                        <p:tgtEl>
+                                          <p:spTgt spid="3">
+                                            <p:txEl>
+                                              <p:pRg st="2" end="2"/>
+                                            </p:txEl>
+                                          </p:spTgt>
+                                        </p:tgtEl>
+                                        <p:attrNameLst>
+                                          <p:attrName>style.visibility</p:attrName>
+                                        </p:attrNameLst>
+                                      </p:cBhvr>
+                                      <p:to>
+                                        <p:strVal val="visible"/>
+                                      </p:to>
+                                    </p:set>
+                                  </p:childTnLst>
+                                </p:cTn>
+                              </p:par>
+                            </p:childTnLst>
+                          </p:cTn>
+                        </p:par>
+                      </p:childTnLst>
+                    </p:cTn>
+                  </p:par>
+                  <p:par>
+                    <p:cTn id="15" fill="hold">
+                      <p:stCondLst>
+                        <p:cond delay="indefinite"/>
+                      </p:stCondLst>
+                      <p:childTnLst>
+                        <p:par>
+                          <p:cTn id="16" fill="hold">
+                            <p:stCondLst>
+                              <p:cond delay="0"/>
+                            </p:stCondLst>
+                            <p:childTnLst>
+                              <p:par>
+                                <p:cTn id="17" presetID="1" presetClass="entr" presetSubtype="0" fill="hold" nodeType="clickEffect">
+                                  <p:stCondLst>
+                                    <p:cond delay="0"/>
+                                  </p:stCondLst>
+                                  <p:childTnLst>
+                                    <p:set>
+                                      <p:cBhvr>
+                                        <p:cTn id="18" dur="1" fill="hold">
+                                          <p:stCondLst>
+                                            <p:cond delay="0"/>
+                                          </p:stCondLst>
+                                        </p:cTn>
+                                        <p:tgtEl>
+                                          <p:spTgt spid="3">
+                                            <p:txEl>
+                                              <p:pRg st="3" end="3"/>
+                                            </p:txEl>
+                                          </p:spTgt>
+                                        </p:tgtEl>
+                                        <p:attrNameLst>
+                                          <p:attrName>style.visibility</p:attrName>
+                                        </p:attrNameLst>
+                                      </p:cBhvr>
+                                      <p:to>
+                                        <p:strVal val="visible"/>
+                                      </p:to>
+                                    </p:set>
+                                  </p:childTnLst>
+                                </p:cTn>
+                              </p:par>
+                            </p:childTnLst>
+                          </p:cTn>
+                        </p:par>
+                      </p:childTnLst>
+                    </p:cTn>
+                  </p:par>
+                </p:childTnLst>
+              </p:cTn>
+              <p:prevCondLst>
+                <p:cond evt="onPrev" delay="0">
+                  <p:tgtEl>
+                    <p:sldTgt/>
+                  </p:tgtEl>
+                </p:cond>
+              </p:prevCondLst>
+              <p:nextCondLst>
+                <p:cond evt="onNext" delay="0">
+                  <p:tgtEl>
+                    <p:sldTgt/>
+                  </p:tgtEl>
+                </p:cond>
+              </p:nextCondLst>
+            </p:seq>
+          </p:childTnLst>
+        </p:cTn>
+      </p:par>
+    </p:tnLst>
+  </p:timing>
 </p:sld>
 </file>
 
-<file path=ppt/slides/slide28.xml><?xml version="1.0" encoding="utf-8"?>
+<file path=ppt/slides/slide29.xml><?xml version="1.0" encoding="utf-8"?>
+<p:sld xmlns:a="http://schemas.openxmlformats.org/drawingml/2006/main" xmlns:r="http://schemas.openxmlformats.org/officeDocument/2006/relationships" xmlns:p="http://schemas.openxmlformats.org/presentationml/2006/main">
+  <p:cSld>
+    <p:bg>
+      <p:bgPr>
+        <a:solidFill>
+          <a:schemeClr val="bg1">
+            <a:tint val="95000"/>
+            <a:satMod val="170000"/>
+          </a:schemeClr>
+        </a:solidFill>
+        <a:effectLst/>
+      </p:bgPr>
+    </p:bg>
+    <p:spTree>
+      <p:nvGrpSpPr>
+        <p:cNvPr id="1" name=""/>
+        <p:cNvGrpSpPr/>
+        <p:nvPr/>
+      </p:nvGrpSpPr>
+      <p:grpSpPr>
+        <a:xfrm>
+          <a:off x="0" y="0"/>
+          <a:ext cx="0" cy="0"/>
+          <a:chOff x="0" y="0"/>
+          <a:chExt cx="0" cy="0"/>
+        </a:xfrm>
+      </p:grpSpPr>
+      <p:sp>
+        <p:nvSpPr>
+          <p:cNvPr id="2" name="Title 1">
+            <a:extLst>
+              <a:ext uri="{FF2B5EF4-FFF2-40B4-BE49-F238E27FC236}">
+                <a16:creationId xmlns:a16="http://schemas.microsoft.com/office/drawing/2014/main" id="{B78383CE-A343-354F-4781-90B3B37E7E09}"/>
+              </a:ext>
+            </a:extLst>
+          </p:cNvPr>
+          <p:cNvSpPr>
+            <a:spLocks noGrp="1"/>
+          </p:cNvSpPr>
+          <p:nvPr>
+            <p:ph type="title"/>
+          </p:nvPr>
+        </p:nvSpPr>
+        <p:spPr>
+          <a:xfrm>
+            <a:off x="804673" y="1445494"/>
+            <a:ext cx="3616856" cy="4376572"/>
+          </a:xfrm>
+        </p:spPr>
+        <p:txBody>
+          <a:bodyPr anchor="ctr">
+            <a:normAutofit/>
+          </a:bodyPr>
+          <a:lstStyle/>
+          <a:p>
+            <a:r>
+              <a:rPr lang="en-US" sz="4800"/>
+              <a:t>iClicker Question</a:t>
+            </a:r>
+          </a:p>
+        </p:txBody>
+      </p:sp>
+      <p:sp>
+        <p:nvSpPr>
+          <p:cNvPr id="15" name="Freeform: Shape 8">
+            <a:extLst>
+              <a:ext uri="{FF2B5EF4-FFF2-40B4-BE49-F238E27FC236}">
+                <a16:creationId xmlns:a16="http://schemas.microsoft.com/office/drawing/2014/main" id="{DFF2AC85-FAA0-4844-813F-83C04D7382E2}"/>
+              </a:ext>
+              <a:ext uri="{C183D7F6-B498-43B3-948B-1728B52AA6E4}">
+                <adec:decorative xmlns:adec="http://schemas.microsoft.com/office/drawing/2017/decorative" val="1"/>
+              </a:ext>
+            </a:extLst>
+          </p:cNvPr>
+          <p:cNvSpPr>
+            <a:spLocks noGrp="1" noRot="1" noChangeAspect="1" noMove="1" noResize="1" noEditPoints="1" noAdjustHandles="1" noChangeArrowheads="1" noChangeShapeType="1" noTextEdit="1"/>
+          </p:cNvSpPr>
+          <p:nvPr>
+            <p:extLst>
+              <p:ext uri="{386F3935-93C4-4BCD-93E2-E3B085C9AB24}">
+                <p16:designElem xmlns:p16="http://schemas.microsoft.com/office/powerpoint/2015/main" val="1"/>
+              </p:ext>
+            </p:extLst>
+          </p:nvPr>
+        </p:nvSpPr>
+        <p:spPr>
+          <a:xfrm>
+            <a:off x="4907636" y="0"/>
+            <a:ext cx="7281316" cy="6858000"/>
+          </a:xfrm>
+          <a:custGeom>
+            <a:avLst/>
+            <a:gdLst>
+              <a:gd name="connsiteX0" fmla="*/ 361354 w 7281316"/>
+              <a:gd name="connsiteY0" fmla="*/ 0 h 6858000"/>
+              <a:gd name="connsiteX1" fmla="*/ 7281316 w 7281316"/>
+              <a:gd name="connsiteY1" fmla="*/ 0 h 6858000"/>
+              <a:gd name="connsiteX2" fmla="*/ 7281316 w 7281316"/>
+              <a:gd name="connsiteY2" fmla="*/ 6858000 h 6858000"/>
+              <a:gd name="connsiteX3" fmla="*/ 696735 w 7281316"/>
+              <a:gd name="connsiteY3" fmla="*/ 6858000 h 6858000"/>
+              <a:gd name="connsiteX4" fmla="*/ 690849 w 7281316"/>
+              <a:gd name="connsiteY4" fmla="*/ 6842426 h 6858000"/>
+              <a:gd name="connsiteX5" fmla="*/ 335637 w 7281316"/>
+              <a:gd name="connsiteY5" fmla="*/ 94722 h 6858000"/>
+            </a:gdLst>
+            <a:ahLst/>
+            <a:cxnLst>
+              <a:cxn ang="0">
+                <a:pos x="connsiteX0" y="connsiteY0"/>
+              </a:cxn>
+              <a:cxn ang="0">
+                <a:pos x="connsiteX1" y="connsiteY1"/>
+              </a:cxn>
+              <a:cxn ang="0">
+                <a:pos x="connsiteX2" y="connsiteY2"/>
+              </a:cxn>
+              <a:cxn ang="0">
+                <a:pos x="connsiteX3" y="connsiteY3"/>
+              </a:cxn>
+              <a:cxn ang="0">
+                <a:pos x="connsiteX4" y="connsiteY4"/>
+              </a:cxn>
+              <a:cxn ang="0">
+                <a:pos x="connsiteX5" y="connsiteY5"/>
+              </a:cxn>
+            </a:cxnLst>
+            <a:rect l="l" t="t" r="r" b="b"/>
+            <a:pathLst>
+              <a:path w="7281316" h="6858000">
+                <a:moveTo>
+                  <a:pt x="361354" y="0"/>
+                </a:moveTo>
+                <a:lnTo>
+                  <a:pt x="7281316" y="0"/>
+                </a:lnTo>
+                <a:lnTo>
+                  <a:pt x="7281316" y="6858000"/>
+                </a:lnTo>
+                <a:lnTo>
+                  <a:pt x="696735" y="6858000"/>
+                </a:lnTo>
+                <a:lnTo>
+                  <a:pt x="690849" y="6842426"/>
+                </a:lnTo>
+                <a:cubicBezTo>
+                  <a:pt x="-65870" y="4704140"/>
+                  <a:pt x="-226206" y="2374054"/>
+                  <a:pt x="335637" y="94722"/>
+                </a:cubicBezTo>
+                <a:close/>
+              </a:path>
+            </a:pathLst>
+          </a:custGeom>
+          <a:solidFill>
+            <a:schemeClr val="tx1">
+              <a:alpha val="80000"/>
+            </a:schemeClr>
+          </a:solidFill>
+          <a:ln>
+            <a:noFill/>
+          </a:ln>
+        </p:spPr>
+        <p:style>
+          <a:lnRef idx="2">
+            <a:schemeClr val="accent1">
+              <a:shade val="50000"/>
+            </a:schemeClr>
+          </a:lnRef>
+          <a:fillRef idx="1">
+            <a:schemeClr val="accent1"/>
+          </a:fillRef>
+          <a:effectRef idx="0">
+            <a:schemeClr val="accent1"/>
+          </a:effectRef>
+          <a:fontRef idx="minor">
+            <a:schemeClr val="lt1"/>
+          </a:fontRef>
+        </p:style>
+        <p:txBody>
+          <a:bodyPr rtlCol="0" anchor="ctr"/>
+          <a:lstStyle/>
+          <a:p>
+            <a:pPr algn="ctr"/>
+            <a:endParaRPr lang="en-US"/>
+          </a:p>
+        </p:txBody>
+      </p:sp>
+      <p:sp>
+        <p:nvSpPr>
+          <p:cNvPr id="16" name="Freeform: Shape 10">
+            <a:extLst>
+              <a:ext uri="{FF2B5EF4-FFF2-40B4-BE49-F238E27FC236}">
+                <a16:creationId xmlns:a16="http://schemas.microsoft.com/office/drawing/2014/main" id="{89CC0F1E-BAA2-47B1-8F83-7ECB9FD9E009}"/>
+              </a:ext>
+              <a:ext uri="{C183D7F6-B498-43B3-948B-1728B52AA6E4}">
+                <adec:decorative xmlns:adec="http://schemas.microsoft.com/office/drawing/2017/decorative" val="1"/>
+              </a:ext>
+            </a:extLst>
+          </p:cNvPr>
+          <p:cNvSpPr>
+            <a:spLocks noGrp="1" noRot="1" noChangeAspect="1" noMove="1" noResize="1" noEditPoints="1" noAdjustHandles="1" noChangeArrowheads="1" noChangeShapeType="1" noTextEdit="1"/>
+          </p:cNvSpPr>
+          <p:nvPr>
+            <p:extLst>
+              <p:ext uri="{386F3935-93C4-4BCD-93E2-E3B085C9AB24}">
+                <p16:designElem xmlns:p16="http://schemas.microsoft.com/office/powerpoint/2015/main" val="1"/>
+              </p:ext>
+            </p:extLst>
+          </p:nvPr>
+        </p:nvSpPr>
+        <p:spPr>
+          <a:xfrm>
+            <a:off x="5189558" y="0"/>
+            <a:ext cx="6999394" cy="6858000"/>
+          </a:xfrm>
+          <a:custGeom>
+            <a:avLst/>
+            <a:gdLst>
+              <a:gd name="connsiteX0" fmla="*/ 6999394 w 6999394"/>
+              <a:gd name="connsiteY0" fmla="*/ 0 h 6858000"/>
+              <a:gd name="connsiteX1" fmla="*/ 6999394 w 6999394"/>
+              <a:gd name="connsiteY1" fmla="*/ 6858000 h 6858000"/>
+              <a:gd name="connsiteX2" fmla="*/ 717029 w 6999394"/>
+              <a:gd name="connsiteY2" fmla="*/ 6858000 h 6858000"/>
+              <a:gd name="connsiteX3" fmla="*/ 623642 w 6999394"/>
+              <a:gd name="connsiteY3" fmla="*/ 6599363 h 6858000"/>
+              <a:gd name="connsiteX4" fmla="*/ 319533 w 6999394"/>
+              <a:gd name="connsiteY4" fmla="*/ 193787 h 6858000"/>
+              <a:gd name="connsiteX5" fmla="*/ 371685 w 6999394"/>
+              <a:gd name="connsiteY5" fmla="*/ 1 h 6858000"/>
+            </a:gdLst>
+            <a:ahLst/>
+            <a:cxnLst>
+              <a:cxn ang="0">
+                <a:pos x="connsiteX0" y="connsiteY0"/>
+              </a:cxn>
+              <a:cxn ang="0">
+                <a:pos x="connsiteX1" y="connsiteY1"/>
+              </a:cxn>
+              <a:cxn ang="0">
+                <a:pos x="connsiteX2" y="connsiteY2"/>
+              </a:cxn>
+              <a:cxn ang="0">
+                <a:pos x="connsiteX3" y="connsiteY3"/>
+              </a:cxn>
+              <a:cxn ang="0">
+                <a:pos x="connsiteX4" y="connsiteY4"/>
+              </a:cxn>
+              <a:cxn ang="0">
+                <a:pos x="connsiteX5" y="connsiteY5"/>
+              </a:cxn>
+            </a:cxnLst>
+            <a:rect l="l" t="t" r="r" b="b"/>
+            <a:pathLst>
+              <a:path w="6999394" h="6858000">
+                <a:moveTo>
+                  <a:pt x="6999394" y="0"/>
+                </a:moveTo>
+                <a:lnTo>
+                  <a:pt x="6999394" y="6858000"/>
+                </a:lnTo>
+                <a:lnTo>
+                  <a:pt x="717029" y="6858000"/>
+                </a:lnTo>
+                <a:lnTo>
+                  <a:pt x="623642" y="6599363"/>
+                </a:lnTo>
+                <a:cubicBezTo>
+                  <a:pt x="-67685" y="4563346"/>
+                  <a:pt x="-206622" y="2355719"/>
+                  <a:pt x="319533" y="193787"/>
+                </a:cubicBezTo>
+                <a:lnTo>
+                  <a:pt x="371685" y="1"/>
+                </a:lnTo>
+                <a:close/>
+              </a:path>
+            </a:pathLst>
+          </a:custGeom>
+          <a:solidFill>
+            <a:schemeClr val="tx1">
+              <a:alpha val="80000"/>
+            </a:schemeClr>
+          </a:solidFill>
+          <a:ln>
+            <a:noFill/>
+          </a:ln>
+        </p:spPr>
+        <p:style>
+          <a:lnRef idx="2">
+            <a:schemeClr val="accent1">
+              <a:shade val="50000"/>
+            </a:schemeClr>
+          </a:lnRef>
+          <a:fillRef idx="1">
+            <a:schemeClr val="accent1"/>
+          </a:fillRef>
+          <a:effectRef idx="0">
+            <a:schemeClr val="accent1"/>
+          </a:effectRef>
+          <a:fontRef idx="minor">
+            <a:schemeClr val="lt1"/>
+          </a:fontRef>
+        </p:style>
+        <p:txBody>
+          <a:bodyPr rtlCol="0" anchor="ctr"/>
+          <a:lstStyle/>
+          <a:p>
+            <a:pPr algn="ctr"/>
+            <a:endParaRPr lang="en-US"/>
+          </a:p>
+        </p:txBody>
+      </p:sp>
+      <p:sp>
+        <p:nvSpPr>
+          <p:cNvPr id="3" name="Content Placeholder 2">
+            <a:extLst>
+              <a:ext uri="{FF2B5EF4-FFF2-40B4-BE49-F238E27FC236}">
+                <a16:creationId xmlns:a16="http://schemas.microsoft.com/office/drawing/2014/main" id="{4598ECF1-9578-138B-F88E-2E3F11BA8986}"/>
+              </a:ext>
+            </a:extLst>
+          </p:cNvPr>
+          <p:cNvSpPr>
+            <a:spLocks noGrp="1"/>
+          </p:cNvSpPr>
+          <p:nvPr>
+            <p:ph idx="1"/>
+          </p:nvPr>
+        </p:nvSpPr>
+        <p:spPr>
+          <a:xfrm>
+            <a:off x="6096000" y="1399032"/>
+            <a:ext cx="5501834" cy="4471416"/>
+          </a:xfrm>
+        </p:spPr>
+        <p:txBody>
+          <a:bodyPr anchor="ctr">
+            <a:normAutofit/>
+          </a:bodyPr>
+          <a:lstStyle/>
+          <a:p>
+            <a:pPr marL="0" indent="0">
+              <a:buNone/>
+            </a:pPr>
+            <a:r>
+              <a:rPr lang="en-US" sz="2200">
+                <a:solidFill>
+                  <a:schemeClr val="bg1"/>
+                </a:solidFill>
+                <a:effectLst/>
+                <a:latin typeface="Arial" panose="020B0604020202020204" pitchFamily="34" charset="0"/>
+                <a:ea typeface="Arial" panose="020B0604020202020204" pitchFamily="34" charset="0"/>
+              </a:rPr>
+              <a:t>What are the two variables of interest in this RQ?</a:t>
+            </a:r>
+          </a:p>
+          <a:p>
+            <a:pPr marL="0" indent="0">
+              <a:buNone/>
+            </a:pPr>
+            <a:r>
+              <a:rPr lang="en-US" sz="2200">
+                <a:solidFill>
+                  <a:schemeClr val="bg1"/>
+                </a:solidFill>
+                <a:effectLst/>
+                <a:latin typeface="Arial" panose="020B0604020202020204" pitchFamily="34" charset="0"/>
+                <a:ea typeface="Arial" panose="020B0604020202020204" pitchFamily="34" charset="0"/>
+              </a:rPr>
+              <a:t>“Do Greek and non-Greek students differ in their favorite place to buy clothes in Columbia? “</a:t>
+            </a:r>
+          </a:p>
+          <a:p>
+            <a:pPr marL="514350" indent="-514350">
+              <a:buFont typeface="+mj-lt"/>
+              <a:buAutoNum type="alphaUcPeriod"/>
+            </a:pPr>
+            <a:r>
+              <a:rPr lang="en-US" sz="2200">
+                <a:solidFill>
+                  <a:schemeClr val="bg1"/>
+                </a:solidFill>
+              </a:rPr>
+              <a:t>Greek vs. non-Greek</a:t>
+            </a:r>
+          </a:p>
+          <a:p>
+            <a:pPr marL="514350" indent="-514350">
+              <a:buFont typeface="+mj-lt"/>
+              <a:buAutoNum type="alphaUcPeriod"/>
+            </a:pPr>
+            <a:r>
+              <a:rPr lang="en-US" sz="2200">
+                <a:solidFill>
+                  <a:schemeClr val="bg1"/>
+                </a:solidFill>
+              </a:rPr>
+              <a:t>Favorite vs. non-favorite location</a:t>
+            </a:r>
+          </a:p>
+          <a:p>
+            <a:pPr marL="514350" indent="-514350">
+              <a:buFont typeface="+mj-lt"/>
+              <a:buAutoNum type="alphaUcPeriod"/>
+            </a:pPr>
+            <a:r>
+              <a:rPr lang="en-US" sz="2200">
+                <a:solidFill>
+                  <a:schemeClr val="bg1"/>
+                </a:solidFill>
+              </a:rPr>
+              <a:t>Greek life status vs. favorite location</a:t>
+            </a:r>
+          </a:p>
+        </p:txBody>
+      </p:sp>
+      <p:sp>
+        <p:nvSpPr>
+          <p:cNvPr id="4" name="Footer Placeholder 3">
+            <a:extLst>
+              <a:ext uri="{FF2B5EF4-FFF2-40B4-BE49-F238E27FC236}">
+                <a16:creationId xmlns:a16="http://schemas.microsoft.com/office/drawing/2014/main" id="{49A5BAEE-644D-0F5C-4A70-CA51913D6BEA}"/>
+              </a:ext>
+            </a:extLst>
+          </p:cNvPr>
+          <p:cNvSpPr>
+            <a:spLocks noGrp="1"/>
+          </p:cNvSpPr>
+          <p:nvPr>
+            <p:ph type="ftr" sz="quarter" idx="11"/>
+          </p:nvPr>
+        </p:nvSpPr>
+        <p:spPr>
+          <a:xfrm>
+            <a:off x="804670" y="6199632"/>
+            <a:ext cx="5010912" cy="365125"/>
+          </a:xfrm>
+        </p:spPr>
+        <p:txBody>
+          <a:bodyPr>
+            <a:normAutofit/>
+          </a:bodyPr>
+          <a:lstStyle/>
+          <a:p>
+            <a:pPr algn="l">
+              <a:spcAft>
+                <a:spcPts val="600"/>
+              </a:spcAft>
+            </a:pPr>
+            <a:r>
+              <a:rPr lang="en-US">
+                <a:solidFill>
+                  <a:schemeClr val="tx1">
+                    <a:alpha val="80000"/>
+                  </a:schemeClr>
+                </a:solidFill>
+              </a:rPr>
+              <a:t>Mike Nguyen</a:t>
+            </a:r>
+          </a:p>
+        </p:txBody>
+      </p:sp>
+    </p:spTree>
+    <p:extLst>
+      <p:ext uri="{BB962C8B-B14F-4D97-AF65-F5344CB8AC3E}">
+        <p14:creationId xmlns:p14="http://schemas.microsoft.com/office/powerpoint/2010/main" val="2848719301"/>
+      </p:ext>
+    </p:extLst>
+  </p:cSld>
+  <p:clrMapOvr>
+    <a:overrideClrMapping bg1="dk1" tx1="lt1" bg2="dk2" tx2="lt2" accent1="accent1" accent2="accent2" accent3="accent3" accent4="accent4" accent5="accent5" accent6="accent6" hlink="hlink" folHlink="folHlink"/>
+  </p:clrMapOvr>
+</p:sld>
+</file>
+
+<file path=ppt/slides/slide3.xml><?xml version="1.0" encoding="utf-8"?>
+<p:sld xmlns:a="http://schemas.openxmlformats.org/drawingml/2006/main" xmlns:r="http://schemas.openxmlformats.org/officeDocument/2006/relationships" xmlns:p="http://schemas.openxmlformats.org/presentationml/2006/main">
+  <p:cSld>
+    <p:bg>
+      <p:bgPr>
+        <a:solidFill>
+          <a:schemeClr val="bg1">
+            <a:tint val="95000"/>
+            <a:satMod val="170000"/>
+          </a:schemeClr>
+        </a:solidFill>
+        <a:effectLst/>
+      </p:bgPr>
+    </p:bg>
+    <p:spTree>
+      <p:nvGrpSpPr>
+        <p:cNvPr id="1" name=""/>
+        <p:cNvGrpSpPr/>
+        <p:nvPr/>
+      </p:nvGrpSpPr>
+      <p:grpSpPr>
+        <a:xfrm>
+          <a:off x="0" y="0"/>
+          <a:ext cx="0" cy="0"/>
+          <a:chOff x="0" y="0"/>
+          <a:chExt cx="0" cy="0"/>
+        </a:xfrm>
+      </p:grpSpPr>
+      <p:sp>
+        <p:nvSpPr>
+          <p:cNvPr id="2" name="Title 1">
+            <a:extLst>
+              <a:ext uri="{FF2B5EF4-FFF2-40B4-BE49-F238E27FC236}">
+                <a16:creationId xmlns:a16="http://schemas.microsoft.com/office/drawing/2014/main" id="{E561AC0E-7195-4ACF-AA0A-5E2923A987F7}"/>
+              </a:ext>
+            </a:extLst>
+          </p:cNvPr>
+          <p:cNvSpPr>
+            <a:spLocks noGrp="1"/>
+          </p:cNvSpPr>
+          <p:nvPr>
+            <p:ph type="ctrTitle"/>
+          </p:nvPr>
+        </p:nvSpPr>
+        <p:spPr>
+          <a:xfrm>
+            <a:off x="4654295" y="4522156"/>
+            <a:ext cx="5609222" cy="1363215"/>
+          </a:xfrm>
+        </p:spPr>
+        <p:txBody>
+          <a:bodyPr anchor="t">
+            <a:normAutofit/>
+          </a:bodyPr>
+          <a:lstStyle/>
+          <a:p>
+            <a:pPr algn="l"/>
+            <a:r>
+              <a:rPr lang="en-US" sz="4400" dirty="0">
+                <a:latin typeface="Franklin Gothic Book" panose="020B0503020102020204" pitchFamily="34" charset="0"/>
+                <a:cs typeface="Segoe UI" panose="020B0502040204020203" pitchFamily="34" charset="0"/>
+              </a:rPr>
+              <a:t>Using External Secondary Data</a:t>
+            </a:r>
+          </a:p>
+        </p:txBody>
+      </p:sp>
+      <p:sp>
+        <p:nvSpPr>
+          <p:cNvPr id="29" name="Freeform: Shape 28">
+            <a:extLst>
+              <a:ext uri="{FF2B5EF4-FFF2-40B4-BE49-F238E27FC236}">
+                <a16:creationId xmlns:a16="http://schemas.microsoft.com/office/drawing/2014/main" id="{F6E384F5-137A-40B1-97F0-694CC6ECD59C}"/>
+              </a:ext>
+              <a:ext uri="{C183D7F6-B498-43B3-948B-1728B52AA6E4}">
+                <adec:decorative xmlns:adec="http://schemas.microsoft.com/office/drawing/2017/decorative" val="1"/>
+              </a:ext>
+            </a:extLst>
+          </p:cNvPr>
+          <p:cNvSpPr>
+            <a:spLocks noGrp="1" noRot="1" noChangeAspect="1" noMove="1" noResize="1" noEditPoints="1" noAdjustHandles="1" noChangeArrowheads="1" noChangeShapeType="1" noTextEdit="1"/>
+          </p:cNvSpPr>
+          <p:nvPr>
+            <p:extLst>
+              <p:ext uri="{386F3935-93C4-4BCD-93E2-E3B085C9AB24}">
+                <p16:designElem xmlns:p16="http://schemas.microsoft.com/office/powerpoint/2015/main" val="1"/>
+              </p:ext>
+            </p:extLst>
+          </p:nvPr>
+        </p:nvSpPr>
+        <p:spPr>
+          <a:xfrm>
+            <a:off x="0" y="2122218"/>
+            <a:ext cx="3730752" cy="4735782"/>
+          </a:xfrm>
+          <a:custGeom>
+            <a:avLst/>
+            <a:gdLst>
+              <a:gd name="connsiteX0" fmla="*/ 640080 w 3730752"/>
+              <a:gd name="connsiteY0" fmla="*/ 0 h 4735782"/>
+              <a:gd name="connsiteX1" fmla="*/ 3730752 w 3730752"/>
+              <a:gd name="connsiteY1" fmla="*/ 3090672 h 4735782"/>
+              <a:gd name="connsiteX2" fmla="*/ 3357725 w 3730752"/>
+              <a:gd name="connsiteY2" fmla="*/ 4563870 h 4735782"/>
+              <a:gd name="connsiteX3" fmla="*/ 3253285 w 3730752"/>
+              <a:gd name="connsiteY3" fmla="*/ 4735782 h 4735782"/>
+              <a:gd name="connsiteX4" fmla="*/ 0 w 3730752"/>
+              <a:gd name="connsiteY4" fmla="*/ 4735782 h 4735782"/>
+              <a:gd name="connsiteX5" fmla="*/ 0 w 3730752"/>
+              <a:gd name="connsiteY5" fmla="*/ 67215 h 4735782"/>
+              <a:gd name="connsiteX6" fmla="*/ 17202 w 3730752"/>
+              <a:gd name="connsiteY6" fmla="*/ 62792 h 4735782"/>
+              <a:gd name="connsiteX7" fmla="*/ 640080 w 3730752"/>
+              <a:gd name="connsiteY7" fmla="*/ 0 h 4735782"/>
+            </a:gdLst>
+            <a:ahLst/>
+            <a:cxnLst>
+              <a:cxn ang="0">
+                <a:pos x="connsiteX0" y="connsiteY0"/>
+              </a:cxn>
+              <a:cxn ang="0">
+                <a:pos x="connsiteX1" y="connsiteY1"/>
+              </a:cxn>
+              <a:cxn ang="0">
+                <a:pos x="connsiteX2" y="connsiteY2"/>
+              </a:cxn>
+              <a:cxn ang="0">
+                <a:pos x="connsiteX3" y="connsiteY3"/>
+              </a:cxn>
+              <a:cxn ang="0">
+                <a:pos x="connsiteX4" y="connsiteY4"/>
+              </a:cxn>
+              <a:cxn ang="0">
+                <a:pos x="connsiteX5" y="connsiteY5"/>
+              </a:cxn>
+              <a:cxn ang="0">
+                <a:pos x="connsiteX6" y="connsiteY6"/>
+              </a:cxn>
+              <a:cxn ang="0">
+                <a:pos x="connsiteX7" y="connsiteY7"/>
+              </a:cxn>
+            </a:cxnLst>
+            <a:rect l="l" t="t" r="r" b="b"/>
+            <a:pathLst>
+              <a:path w="3730752" h="4735782">
+                <a:moveTo>
+                  <a:pt x="640080" y="0"/>
+                </a:moveTo>
+                <a:cubicBezTo>
+                  <a:pt x="2347011" y="0"/>
+                  <a:pt x="3730752" y="1383741"/>
+                  <a:pt x="3730752" y="3090672"/>
+                </a:cubicBezTo>
+                <a:cubicBezTo>
+                  <a:pt x="3730752" y="3624088"/>
+                  <a:pt x="3595621" y="4125943"/>
+                  <a:pt x="3357725" y="4563870"/>
+                </a:cubicBezTo>
+                <a:lnTo>
+                  <a:pt x="3253285" y="4735782"/>
+                </a:lnTo>
+                <a:lnTo>
+                  <a:pt x="0" y="4735782"/>
+                </a:lnTo>
+                <a:lnTo>
+                  <a:pt x="0" y="67215"/>
+                </a:lnTo>
+                <a:lnTo>
+                  <a:pt x="17202" y="62792"/>
+                </a:lnTo>
+                <a:cubicBezTo>
+                  <a:pt x="218397" y="21621"/>
+                  <a:pt x="426714" y="0"/>
+                  <a:pt x="640080" y="0"/>
+                </a:cubicBezTo>
+                <a:close/>
+              </a:path>
+            </a:pathLst>
+          </a:custGeom>
+          <a:solidFill>
+            <a:srgbClr val="FFFFFF">
+              <a:alpha val="80000"/>
+            </a:srgbClr>
+          </a:solidFill>
+          <a:ln>
+            <a:noFill/>
+          </a:ln>
+        </p:spPr>
+        <p:style>
+          <a:lnRef idx="2">
+            <a:schemeClr val="accent1">
+              <a:shade val="50000"/>
+            </a:schemeClr>
+          </a:lnRef>
+          <a:fillRef idx="1">
+            <a:schemeClr val="accent1"/>
+          </a:fillRef>
+          <a:effectRef idx="0">
+            <a:schemeClr val="accent1"/>
+          </a:effectRef>
+          <a:fontRef idx="minor">
+            <a:schemeClr val="lt1"/>
+          </a:fontRef>
+        </p:style>
+        <p:txBody>
+          <a:bodyPr wrap="square" rtlCol="0" anchor="ctr">
+            <a:noAutofit/>
+          </a:bodyPr>
+          <a:lstStyle/>
+          <a:p>
+            <a:pPr marL="0" marR="0" lvl="0" indent="0" algn="ctr" defTabSz="914400" rtl="0" eaLnBrk="1" fontAlgn="auto" latinLnBrk="0" hangingPunct="1">
+              <a:lnSpc>
+                <a:spcPct val="100000"/>
+              </a:lnSpc>
+              <a:spcBef>
+                <a:spcPts val="0"/>
+              </a:spcBef>
+              <a:spcAft>
+                <a:spcPts val="0"/>
+              </a:spcAft>
+              <a:buClrTx/>
+              <a:buSzTx/>
+              <a:buFontTx/>
+              <a:buNone/>
+              <a:tabLst/>
+              <a:defRPr/>
+            </a:pPr>
+            <a:endParaRPr kumimoji="0" lang="en-US" sz="1800" b="0" i="0" u="none" strike="noStrike" kern="1200" cap="none" spc="0" normalizeH="0" baseline="0" noProof="0" dirty="0">
+              <a:ln>
+                <a:noFill/>
+              </a:ln>
+              <a:solidFill>
+                <a:prstClr val="white"/>
+              </a:solidFill>
+              <a:effectLst/>
+              <a:uLnTx/>
+              <a:uFillTx/>
+              <a:latin typeface="Calibri" panose="020F0502020204030204"/>
+              <a:ea typeface="+mn-ea"/>
+              <a:cs typeface="+mn-cs"/>
+            </a:endParaRPr>
+          </a:p>
+        </p:txBody>
+      </p:sp>
+      <p:sp>
+        <p:nvSpPr>
+          <p:cNvPr id="31" name="Freeform: Shape 30">
+            <a:extLst>
+              <a:ext uri="{FF2B5EF4-FFF2-40B4-BE49-F238E27FC236}">
+                <a16:creationId xmlns:a16="http://schemas.microsoft.com/office/drawing/2014/main" id="{EBA87361-6D30-46E4-834B-719CF59055EA}"/>
+              </a:ext>
+              <a:ext uri="{C183D7F6-B498-43B3-948B-1728B52AA6E4}">
+                <adec:decorative xmlns:adec="http://schemas.microsoft.com/office/drawing/2017/decorative" val="1"/>
+              </a:ext>
+            </a:extLst>
+          </p:cNvPr>
+          <p:cNvSpPr>
+            <a:spLocks noGrp="1" noRot="1" noChangeAspect="1" noMove="1" noResize="1" noEditPoints="1" noAdjustHandles="1" noChangeArrowheads="1" noChangeShapeType="1" noTextEdit="1"/>
+          </p:cNvSpPr>
+          <p:nvPr>
+            <p:extLst>
+              <p:ext uri="{386F3935-93C4-4BCD-93E2-E3B085C9AB24}">
+                <p16:designElem xmlns:p16="http://schemas.microsoft.com/office/powerpoint/2015/main" val="1"/>
+              </p:ext>
+            </p:extLst>
+          </p:nvPr>
+        </p:nvSpPr>
+        <p:spPr>
+          <a:xfrm>
+            <a:off x="0" y="2288332"/>
+            <a:ext cx="3564638" cy="4569668"/>
+          </a:xfrm>
+          <a:custGeom>
+            <a:avLst/>
+            <a:gdLst>
+              <a:gd name="connsiteX0" fmla="*/ 640080 w 3564638"/>
+              <a:gd name="connsiteY0" fmla="*/ 0 h 4569668"/>
+              <a:gd name="connsiteX1" fmla="*/ 3564638 w 3564638"/>
+              <a:gd name="connsiteY1" fmla="*/ 2924558 h 4569668"/>
+              <a:gd name="connsiteX2" fmla="*/ 3065170 w 3564638"/>
+              <a:gd name="connsiteY2" fmla="*/ 4559707 h 4569668"/>
+              <a:gd name="connsiteX3" fmla="*/ 3057720 w 3564638"/>
+              <a:gd name="connsiteY3" fmla="*/ 4569668 h 4569668"/>
+              <a:gd name="connsiteX4" fmla="*/ 0 w 3564638"/>
+              <a:gd name="connsiteY4" fmla="*/ 4569668 h 4569668"/>
+              <a:gd name="connsiteX5" fmla="*/ 0 w 3564638"/>
+              <a:gd name="connsiteY5" fmla="*/ 72448 h 4569668"/>
+              <a:gd name="connsiteX6" fmla="*/ 50679 w 3564638"/>
+              <a:gd name="connsiteY6" fmla="*/ 59417 h 4569668"/>
+              <a:gd name="connsiteX7" fmla="*/ 640080 w 3564638"/>
+              <a:gd name="connsiteY7" fmla="*/ 0 h 4569668"/>
+            </a:gdLst>
+            <a:ahLst/>
+            <a:cxnLst>
+              <a:cxn ang="0">
+                <a:pos x="connsiteX0" y="connsiteY0"/>
+              </a:cxn>
+              <a:cxn ang="0">
+                <a:pos x="connsiteX1" y="connsiteY1"/>
+              </a:cxn>
+              <a:cxn ang="0">
+                <a:pos x="connsiteX2" y="connsiteY2"/>
+              </a:cxn>
+              <a:cxn ang="0">
+                <a:pos x="connsiteX3" y="connsiteY3"/>
+              </a:cxn>
+              <a:cxn ang="0">
+                <a:pos x="connsiteX4" y="connsiteY4"/>
+              </a:cxn>
+              <a:cxn ang="0">
+                <a:pos x="connsiteX5" y="connsiteY5"/>
+              </a:cxn>
+              <a:cxn ang="0">
+                <a:pos x="connsiteX6" y="connsiteY6"/>
+              </a:cxn>
+              <a:cxn ang="0">
+                <a:pos x="connsiteX7" y="connsiteY7"/>
+              </a:cxn>
+            </a:cxnLst>
+            <a:rect l="l" t="t" r="r" b="b"/>
+            <a:pathLst>
+              <a:path w="3564638" h="4569668">
+                <a:moveTo>
+                  <a:pt x="640080" y="0"/>
+                </a:moveTo>
+                <a:cubicBezTo>
+                  <a:pt x="2255269" y="0"/>
+                  <a:pt x="3564638" y="1309369"/>
+                  <a:pt x="3564638" y="2924558"/>
+                </a:cubicBezTo>
+                <a:cubicBezTo>
+                  <a:pt x="3564638" y="3530254"/>
+                  <a:pt x="3380508" y="4092944"/>
+                  <a:pt x="3065170" y="4559707"/>
+                </a:cubicBezTo>
+                <a:lnTo>
+                  <a:pt x="3057720" y="4569668"/>
+                </a:lnTo>
+                <a:lnTo>
+                  <a:pt x="0" y="4569668"/>
+                </a:lnTo>
+                <a:lnTo>
+                  <a:pt x="0" y="72448"/>
+                </a:lnTo>
+                <a:lnTo>
+                  <a:pt x="50679" y="59417"/>
+                </a:lnTo>
+                <a:cubicBezTo>
+                  <a:pt x="241061" y="20459"/>
+                  <a:pt x="438181" y="0"/>
+                  <a:pt x="640080" y="0"/>
+                </a:cubicBezTo>
+                <a:close/>
+              </a:path>
+            </a:pathLst>
+          </a:custGeom>
+          <a:solidFill>
+            <a:schemeClr val="tx1"/>
+          </a:solidFill>
+          <a:ln>
+            <a:noFill/>
+          </a:ln>
+        </p:spPr>
+        <p:style>
+          <a:lnRef idx="2">
+            <a:schemeClr val="accent1">
+              <a:shade val="50000"/>
+            </a:schemeClr>
+          </a:lnRef>
+          <a:fillRef idx="1">
+            <a:schemeClr val="accent1"/>
+          </a:fillRef>
+          <a:effectRef idx="0">
+            <a:schemeClr val="accent1"/>
+          </a:effectRef>
+          <a:fontRef idx="minor">
+            <a:schemeClr val="lt1"/>
+          </a:fontRef>
+        </p:style>
+        <p:txBody>
+          <a:bodyPr wrap="square" rtlCol="0" anchor="ctr">
+            <a:noAutofit/>
+          </a:bodyPr>
+          <a:lstStyle/>
+          <a:p>
+            <a:pPr marL="0" marR="0" lvl="0" indent="0" algn="ctr" defTabSz="914400" rtl="0" eaLnBrk="1" fontAlgn="auto" latinLnBrk="0" hangingPunct="1">
+              <a:lnSpc>
+                <a:spcPct val="100000"/>
+              </a:lnSpc>
+              <a:spcBef>
+                <a:spcPts val="0"/>
+              </a:spcBef>
+              <a:spcAft>
+                <a:spcPts val="0"/>
+              </a:spcAft>
+              <a:buClrTx/>
+              <a:buSzTx/>
+              <a:buFontTx/>
+              <a:buNone/>
+              <a:tabLst/>
+              <a:defRPr/>
+            </a:pPr>
+            <a:endParaRPr kumimoji="0" lang="en-US" sz="1800" b="0" i="0" u="none" strike="noStrike" kern="1200" cap="none" spc="0" normalizeH="0" baseline="0" noProof="0" dirty="0">
+              <a:ln>
+                <a:noFill/>
+              </a:ln>
+              <a:solidFill>
+                <a:prstClr val="white"/>
+              </a:solidFill>
+              <a:effectLst/>
+              <a:uLnTx/>
+              <a:uFillTx/>
+              <a:latin typeface="Calibri" panose="020F0502020204030204"/>
+              <a:ea typeface="+mn-ea"/>
+              <a:cs typeface="+mn-cs"/>
+            </a:endParaRPr>
+          </a:p>
+        </p:txBody>
+      </p:sp>
+      <p:sp>
+        <p:nvSpPr>
+          <p:cNvPr id="33" name="Freeform: Shape 32">
+            <a:extLst>
+              <a:ext uri="{FF2B5EF4-FFF2-40B4-BE49-F238E27FC236}">
+                <a16:creationId xmlns:a16="http://schemas.microsoft.com/office/drawing/2014/main" id="{9DBC4630-03DA-474F-BBCB-BA3AE6B317A4}"/>
+              </a:ext>
+              <a:ext uri="{C183D7F6-B498-43B3-948B-1728B52AA6E4}">
+                <adec:decorative xmlns:adec="http://schemas.microsoft.com/office/drawing/2017/decorative" val="1"/>
+              </a:ext>
+            </a:extLst>
+          </p:cNvPr>
+          <p:cNvSpPr>
+            <a:spLocks noGrp="1" noRot="1" noChangeAspect="1" noMove="1" noResize="1" noEditPoints="1" noAdjustHandles="1" noChangeArrowheads="1" noChangeShapeType="1" noTextEdit="1"/>
+          </p:cNvSpPr>
+          <p:nvPr>
+            <p:extLst>
+              <p:ext uri="{386F3935-93C4-4BCD-93E2-E3B085C9AB24}">
+                <p16:designElem xmlns:p16="http://schemas.microsoft.com/office/powerpoint/2015/main" val="1"/>
+              </p:ext>
+            </p:extLst>
+          </p:nvPr>
+        </p:nvSpPr>
+        <p:spPr>
+          <a:xfrm>
+            <a:off x="1081982" y="-4332"/>
+            <a:ext cx="4242816" cy="2454158"/>
+          </a:xfrm>
+          <a:custGeom>
+            <a:avLst/>
+            <a:gdLst>
+              <a:gd name="connsiteX0" fmla="*/ 28633 w 4242816"/>
+              <a:gd name="connsiteY0" fmla="*/ 0 h 2454158"/>
+              <a:gd name="connsiteX1" fmla="*/ 4214183 w 4242816"/>
+              <a:gd name="connsiteY1" fmla="*/ 0 h 2454158"/>
+              <a:gd name="connsiteX2" fmla="*/ 4231864 w 4242816"/>
+              <a:gd name="connsiteY2" fmla="*/ 115848 h 2454158"/>
+              <a:gd name="connsiteX3" fmla="*/ 4242816 w 4242816"/>
+              <a:gd name="connsiteY3" fmla="*/ 332750 h 2454158"/>
+              <a:gd name="connsiteX4" fmla="*/ 2121408 w 4242816"/>
+              <a:gd name="connsiteY4" fmla="*/ 2454158 h 2454158"/>
+              <a:gd name="connsiteX5" fmla="*/ 0 w 4242816"/>
+              <a:gd name="connsiteY5" fmla="*/ 332750 h 2454158"/>
+              <a:gd name="connsiteX6" fmla="*/ 10953 w 4242816"/>
+              <a:gd name="connsiteY6" fmla="*/ 115848 h 2454158"/>
+            </a:gdLst>
+            <a:ahLst/>
+            <a:cxnLst>
+              <a:cxn ang="0">
+                <a:pos x="connsiteX0" y="connsiteY0"/>
+              </a:cxn>
+              <a:cxn ang="0">
+                <a:pos x="connsiteX1" y="connsiteY1"/>
+              </a:cxn>
+              <a:cxn ang="0">
+                <a:pos x="connsiteX2" y="connsiteY2"/>
+              </a:cxn>
+              <a:cxn ang="0">
+                <a:pos x="connsiteX3" y="connsiteY3"/>
+              </a:cxn>
+              <a:cxn ang="0">
+                <a:pos x="connsiteX4" y="connsiteY4"/>
+              </a:cxn>
+              <a:cxn ang="0">
+                <a:pos x="connsiteX5" y="connsiteY5"/>
+              </a:cxn>
+              <a:cxn ang="0">
+                <a:pos x="connsiteX6" y="connsiteY6"/>
+              </a:cxn>
+            </a:cxnLst>
+            <a:rect l="l" t="t" r="r" b="b"/>
+            <a:pathLst>
+              <a:path w="4242816" h="2454158">
+                <a:moveTo>
+                  <a:pt x="28633" y="0"/>
+                </a:moveTo>
+                <a:lnTo>
+                  <a:pt x="4214183" y="0"/>
+                </a:lnTo>
+                <a:lnTo>
+                  <a:pt x="4231864" y="115848"/>
+                </a:lnTo>
+                <a:cubicBezTo>
+                  <a:pt x="4239106" y="187164"/>
+                  <a:pt x="4242816" y="259524"/>
+                  <a:pt x="4242816" y="332750"/>
+                </a:cubicBezTo>
+                <a:cubicBezTo>
+                  <a:pt x="4242816" y="1504371"/>
+                  <a:pt x="3293029" y="2454158"/>
+                  <a:pt x="2121408" y="2454158"/>
+                </a:cubicBezTo>
+                <a:cubicBezTo>
+                  <a:pt x="949787" y="2454158"/>
+                  <a:pt x="0" y="1504371"/>
+                  <a:pt x="0" y="332750"/>
+                </a:cubicBezTo>
+                <a:cubicBezTo>
+                  <a:pt x="0" y="259524"/>
+                  <a:pt x="3710" y="187164"/>
+                  <a:pt x="10953" y="115848"/>
+                </a:cubicBezTo>
+                <a:close/>
+              </a:path>
+            </a:pathLst>
+          </a:custGeom>
+          <a:solidFill>
+            <a:srgbClr val="FFFFFF">
+              <a:alpha val="80000"/>
+            </a:srgbClr>
+          </a:solidFill>
+          <a:ln>
+            <a:noFill/>
+          </a:ln>
+        </p:spPr>
+        <p:style>
+          <a:lnRef idx="2">
+            <a:schemeClr val="accent1">
+              <a:shade val="50000"/>
+            </a:schemeClr>
+          </a:lnRef>
+          <a:fillRef idx="1">
+            <a:schemeClr val="accent1"/>
+          </a:fillRef>
+          <a:effectRef idx="0">
+            <a:schemeClr val="accent1"/>
+          </a:effectRef>
+          <a:fontRef idx="minor">
+            <a:schemeClr val="lt1"/>
+          </a:fontRef>
+        </p:style>
+        <p:txBody>
+          <a:bodyPr wrap="square" rtlCol="0" anchor="ctr">
+            <a:noAutofit/>
+          </a:bodyPr>
+          <a:lstStyle/>
+          <a:p>
+            <a:pPr marL="0" marR="0" lvl="0" indent="0" algn="ctr" defTabSz="914400" rtl="0" eaLnBrk="1" fontAlgn="auto" latinLnBrk="0" hangingPunct="1">
+              <a:lnSpc>
+                <a:spcPct val="100000"/>
+              </a:lnSpc>
+              <a:spcBef>
+                <a:spcPts val="0"/>
+              </a:spcBef>
+              <a:spcAft>
+                <a:spcPts val="0"/>
+              </a:spcAft>
+              <a:buClrTx/>
+              <a:buSzTx/>
+              <a:buFontTx/>
+              <a:buNone/>
+              <a:tabLst/>
+              <a:defRPr/>
+            </a:pPr>
+            <a:endParaRPr kumimoji="0" lang="en-US" sz="1800" b="0" i="0" u="none" strike="noStrike" kern="1200" cap="none" spc="0" normalizeH="0" baseline="0" noProof="0" dirty="0">
+              <a:ln>
+                <a:noFill/>
+              </a:ln>
+              <a:solidFill>
+                <a:prstClr val="white"/>
+              </a:solidFill>
+              <a:effectLst/>
+              <a:uLnTx/>
+              <a:uFillTx/>
+              <a:latin typeface="Calibri" panose="020F0502020204030204"/>
+              <a:ea typeface="+mn-ea"/>
+              <a:cs typeface="+mn-cs"/>
+            </a:endParaRPr>
+          </a:p>
+        </p:txBody>
+      </p:sp>
+      <p:sp>
+        <p:nvSpPr>
+          <p:cNvPr id="35" name="Freeform: Shape 34">
+            <a:extLst>
+              <a:ext uri="{FF2B5EF4-FFF2-40B4-BE49-F238E27FC236}">
+                <a16:creationId xmlns:a16="http://schemas.microsoft.com/office/drawing/2014/main" id="{D89DB1C0-FEEC-4CB6-88B2-F9C5562E09D1}"/>
+              </a:ext>
+              <a:ext uri="{C183D7F6-B498-43B3-948B-1728B52AA6E4}">
+                <adec:decorative xmlns:adec="http://schemas.microsoft.com/office/drawing/2017/decorative" val="1"/>
+              </a:ext>
+            </a:extLst>
+          </p:cNvPr>
+          <p:cNvSpPr>
+            <a:spLocks noGrp="1" noRot="1" noChangeAspect="1" noMove="1" noResize="1" noEditPoints="1" noAdjustHandles="1" noChangeArrowheads="1" noChangeShapeType="1" noTextEdit="1"/>
+          </p:cNvSpPr>
+          <p:nvPr>
+            <p:extLst>
+              <p:ext uri="{386F3935-93C4-4BCD-93E2-E3B085C9AB24}">
+                <p16:designElem xmlns:p16="http://schemas.microsoft.com/office/powerpoint/2015/main" val="1"/>
+              </p:ext>
+            </p:extLst>
+          </p:nvPr>
+        </p:nvSpPr>
+        <p:spPr>
+          <a:xfrm>
+            <a:off x="1246574" y="0"/>
+            <a:ext cx="3913632" cy="2285234"/>
+          </a:xfrm>
+          <a:custGeom>
+            <a:avLst/>
+            <a:gdLst>
+              <a:gd name="connsiteX0" fmla="*/ 29691 w 3913632"/>
+              <a:gd name="connsiteY0" fmla="*/ 0 h 2285234"/>
+              <a:gd name="connsiteX1" fmla="*/ 3883942 w 3913632"/>
+              <a:gd name="connsiteY1" fmla="*/ 0 h 2285234"/>
+              <a:gd name="connsiteX2" fmla="*/ 3903529 w 3913632"/>
+              <a:gd name="connsiteY2" fmla="*/ 128345 h 2285234"/>
+              <a:gd name="connsiteX3" fmla="*/ 3913632 w 3913632"/>
+              <a:gd name="connsiteY3" fmla="*/ 328418 h 2285234"/>
+              <a:gd name="connsiteX4" fmla="*/ 1956816 w 3913632"/>
+              <a:gd name="connsiteY4" fmla="*/ 2285234 h 2285234"/>
+              <a:gd name="connsiteX5" fmla="*/ 0 w 3913632"/>
+              <a:gd name="connsiteY5" fmla="*/ 328418 h 2285234"/>
+              <a:gd name="connsiteX6" fmla="*/ 10103 w 3913632"/>
+              <a:gd name="connsiteY6" fmla="*/ 128345 h 2285234"/>
+            </a:gdLst>
+            <a:ahLst/>
+            <a:cxnLst>
+              <a:cxn ang="0">
+                <a:pos x="connsiteX0" y="connsiteY0"/>
+              </a:cxn>
+              <a:cxn ang="0">
+                <a:pos x="connsiteX1" y="connsiteY1"/>
+              </a:cxn>
+              <a:cxn ang="0">
+                <a:pos x="connsiteX2" y="connsiteY2"/>
+              </a:cxn>
+              <a:cxn ang="0">
+                <a:pos x="connsiteX3" y="connsiteY3"/>
+              </a:cxn>
+              <a:cxn ang="0">
+                <a:pos x="connsiteX4" y="connsiteY4"/>
+              </a:cxn>
+              <a:cxn ang="0">
+                <a:pos x="connsiteX5" y="connsiteY5"/>
+              </a:cxn>
+              <a:cxn ang="0">
+                <a:pos x="connsiteX6" y="connsiteY6"/>
+              </a:cxn>
+            </a:cxnLst>
+            <a:rect l="l" t="t" r="r" b="b"/>
+            <a:pathLst>
+              <a:path w="3913632" h="2285234">
+                <a:moveTo>
+                  <a:pt x="29691" y="0"/>
+                </a:moveTo>
+                <a:lnTo>
+                  <a:pt x="3883942" y="0"/>
+                </a:lnTo>
+                <a:lnTo>
+                  <a:pt x="3903529" y="128345"/>
+                </a:lnTo>
+                <a:cubicBezTo>
+                  <a:pt x="3910210" y="194127"/>
+                  <a:pt x="3913632" y="260873"/>
+                  <a:pt x="3913632" y="328418"/>
+                </a:cubicBezTo>
+                <a:cubicBezTo>
+                  <a:pt x="3913632" y="1409138"/>
+                  <a:pt x="3037536" y="2285234"/>
+                  <a:pt x="1956816" y="2285234"/>
+                </a:cubicBezTo>
+                <a:cubicBezTo>
+                  <a:pt x="876096" y="2285234"/>
+                  <a:pt x="0" y="1409138"/>
+                  <a:pt x="0" y="328418"/>
+                </a:cubicBezTo>
+                <a:cubicBezTo>
+                  <a:pt x="0" y="260873"/>
+                  <a:pt x="3422" y="194127"/>
+                  <a:pt x="10103" y="128345"/>
+                </a:cubicBezTo>
+                <a:close/>
+              </a:path>
+            </a:pathLst>
+          </a:custGeom>
+          <a:solidFill>
+            <a:schemeClr val="tx1"/>
+          </a:solidFill>
+          <a:ln>
+            <a:noFill/>
+          </a:ln>
+        </p:spPr>
+        <p:style>
+          <a:lnRef idx="2">
+            <a:schemeClr val="accent1">
+              <a:shade val="50000"/>
+            </a:schemeClr>
+          </a:lnRef>
+          <a:fillRef idx="1">
+            <a:schemeClr val="accent1"/>
+          </a:fillRef>
+          <a:effectRef idx="0">
+            <a:schemeClr val="accent1"/>
+          </a:effectRef>
+          <a:fontRef idx="minor">
+            <a:schemeClr val="lt1"/>
+          </a:fontRef>
+        </p:style>
+        <p:txBody>
+          <a:bodyPr wrap="square" rtlCol="0" anchor="ctr">
+            <a:noAutofit/>
+          </a:bodyPr>
+          <a:lstStyle/>
+          <a:p>
+            <a:pPr marL="0" marR="0" lvl="0" indent="0" algn="ctr" defTabSz="914400" rtl="0" eaLnBrk="1" fontAlgn="auto" latinLnBrk="0" hangingPunct="1">
+              <a:lnSpc>
+                <a:spcPct val="100000"/>
+              </a:lnSpc>
+              <a:spcBef>
+                <a:spcPts val="0"/>
+              </a:spcBef>
+              <a:spcAft>
+                <a:spcPts val="0"/>
+              </a:spcAft>
+              <a:buClrTx/>
+              <a:buSzTx/>
+              <a:buFontTx/>
+              <a:buNone/>
+              <a:tabLst/>
+              <a:defRPr/>
+            </a:pPr>
+            <a:endParaRPr kumimoji="0" lang="en-US" sz="1800" b="0" i="0" u="none" strike="noStrike" kern="1200" cap="none" spc="0" normalizeH="0" baseline="0" noProof="0" dirty="0">
+              <a:ln>
+                <a:noFill/>
+              </a:ln>
+              <a:solidFill>
+                <a:prstClr val="white"/>
+              </a:solidFill>
+              <a:effectLst/>
+              <a:uLnTx/>
+              <a:uFillTx/>
+              <a:latin typeface="Calibri" panose="020F0502020204030204"/>
+              <a:ea typeface="+mn-ea"/>
+              <a:cs typeface="+mn-cs"/>
+            </a:endParaRPr>
+          </a:p>
+        </p:txBody>
+      </p:sp>
+      <p:pic>
+        <p:nvPicPr>
+          <p:cNvPr id="9" name="Graphic 8" descr="Open Book">
+            <a:extLst>
+              <a:ext uri="{FF2B5EF4-FFF2-40B4-BE49-F238E27FC236}">
+                <a16:creationId xmlns:a16="http://schemas.microsoft.com/office/drawing/2014/main" id="{93E427C7-0218-4592-82DA-2431E4BF8756}"/>
+              </a:ext>
+            </a:extLst>
+          </p:cNvPr>
+          <p:cNvPicPr>
+            <a:picLocks noChangeAspect="1"/>
+          </p:cNvPicPr>
+          <p:nvPr/>
+        </p:nvPicPr>
+        <p:blipFill>
+          <a:blip r:embed="rId3">
+            <a:extLst>
+              <a:ext uri="{28A0092B-C50C-407E-A947-70E740481C1C}">
+                <a14:useLocalDpi xmlns:a14="http://schemas.microsoft.com/office/drawing/2010/main" val="0"/>
+              </a:ext>
+              <a:ext uri="{96DAC541-7B7A-43D3-8B79-37D633B846F1}">
+                <asvg:svgBlip xmlns:asvg="http://schemas.microsoft.com/office/drawing/2016/SVG/main" r:embed="rId4"/>
+              </a:ext>
+            </a:extLst>
+          </a:blip>
+          <a:stretch>
+            <a:fillRect/>
+          </a:stretch>
+        </p:blipFill>
+        <p:spPr>
+          <a:xfrm>
+            <a:off x="2385250" y="164573"/>
+            <a:ext cx="1636279" cy="1636279"/>
+          </a:xfrm>
+          <a:prstGeom prst="rect">
+            <a:avLst/>
+          </a:prstGeom>
+        </p:spPr>
+      </p:pic>
+      <p:sp>
+        <p:nvSpPr>
+          <p:cNvPr id="37" name="Oval 36">
+            <a:extLst>
+              <a:ext uri="{FF2B5EF4-FFF2-40B4-BE49-F238E27FC236}">
+                <a16:creationId xmlns:a16="http://schemas.microsoft.com/office/drawing/2014/main" id="{78418A25-6EAC-4140-BFE6-284E1925B5EE}"/>
+              </a:ext>
+              <a:ext uri="{C183D7F6-B498-43B3-948B-1728B52AA6E4}">
+                <adec:decorative xmlns:adec="http://schemas.microsoft.com/office/drawing/2017/decorative" val="1"/>
+              </a:ext>
+            </a:extLst>
+          </p:cNvPr>
+          <p:cNvSpPr>
+            <a:spLocks noGrp="1" noRot="1" noChangeAspect="1" noMove="1" noResize="1" noEditPoints="1" noAdjustHandles="1" noChangeArrowheads="1" noChangeShapeType="1" noTextEdit="1"/>
+          </p:cNvSpPr>
+          <p:nvPr>
+            <p:extLst>
+              <p:ext uri="{386F3935-93C4-4BCD-93E2-E3B085C9AB24}">
+                <p16:designElem xmlns:p16="http://schemas.microsoft.com/office/powerpoint/2015/main" val="1"/>
+              </p:ext>
+            </p:extLst>
+          </p:nvPr>
+        </p:nvSpPr>
+        <p:spPr>
+          <a:xfrm>
+            <a:off x="5303117" y="615908"/>
+            <a:ext cx="3182112" cy="3182112"/>
+          </a:xfrm>
+          <a:prstGeom prst="ellipse">
+            <a:avLst/>
+          </a:prstGeom>
+          <a:solidFill>
+            <a:srgbClr val="FFFFFF">
+              <a:alpha val="80000"/>
+            </a:srgbClr>
+          </a:solidFill>
+          <a:ln>
+            <a:noFill/>
+          </a:ln>
+        </p:spPr>
+        <p:style>
+          <a:lnRef idx="2">
+            <a:schemeClr val="accent1">
+              <a:shade val="50000"/>
+            </a:schemeClr>
+          </a:lnRef>
+          <a:fillRef idx="1">
+            <a:schemeClr val="accent1"/>
+          </a:fillRef>
+          <a:effectRef idx="0">
+            <a:schemeClr val="accent1"/>
+          </a:effectRef>
+          <a:fontRef idx="minor">
+            <a:schemeClr val="lt1"/>
+          </a:fontRef>
+        </p:style>
+        <p:txBody>
+          <a:bodyPr rtlCol="0" anchor="ctr"/>
+          <a:lstStyle/>
+          <a:p>
+            <a:pPr marL="0" marR="0" lvl="0" indent="0" algn="ctr" defTabSz="914400" rtl="0" eaLnBrk="1" fontAlgn="auto" latinLnBrk="0" hangingPunct="1">
+              <a:lnSpc>
+                <a:spcPct val="100000"/>
+              </a:lnSpc>
+              <a:spcBef>
+                <a:spcPts val="0"/>
+              </a:spcBef>
+              <a:spcAft>
+                <a:spcPts val="0"/>
+              </a:spcAft>
+              <a:buClrTx/>
+              <a:buSzTx/>
+              <a:buFontTx/>
+              <a:buNone/>
+              <a:tabLst/>
+              <a:defRPr/>
+            </a:pPr>
+            <a:endParaRPr kumimoji="0" lang="en-US" sz="1800" b="0" i="0" u="none" strike="noStrike" kern="1200" cap="none" spc="0" normalizeH="0" baseline="0" noProof="0" dirty="0">
+              <a:ln>
+                <a:noFill/>
+              </a:ln>
+              <a:solidFill>
+                <a:prstClr val="white"/>
+              </a:solidFill>
+              <a:effectLst/>
+              <a:uLnTx/>
+              <a:uFillTx/>
+              <a:latin typeface="Calibri" panose="020F0502020204030204"/>
+              <a:ea typeface="+mn-ea"/>
+              <a:cs typeface="+mn-cs"/>
+            </a:endParaRPr>
+          </a:p>
+        </p:txBody>
+      </p:sp>
+      <p:sp>
+        <p:nvSpPr>
+          <p:cNvPr id="39" name="Oval 38">
+            <a:extLst>
+              <a:ext uri="{FF2B5EF4-FFF2-40B4-BE49-F238E27FC236}">
+                <a16:creationId xmlns:a16="http://schemas.microsoft.com/office/drawing/2014/main" id="{08163D1C-ED91-4D5F-A33B-CF1256B270D4}"/>
+              </a:ext>
+              <a:ext uri="{C183D7F6-B498-43B3-948B-1728B52AA6E4}">
+                <adec:decorative xmlns:adec="http://schemas.microsoft.com/office/drawing/2017/decorative" val="1"/>
+              </a:ext>
+            </a:extLst>
+          </p:cNvPr>
+          <p:cNvSpPr>
+            <a:spLocks noGrp="1" noRot="1" noChangeAspect="1" noMove="1" noResize="1" noEditPoints="1" noAdjustHandles="1" noChangeArrowheads="1" noChangeShapeType="1" noTextEdit="1"/>
+          </p:cNvSpPr>
+          <p:nvPr>
+            <p:extLst>
+              <p:ext uri="{386F3935-93C4-4BCD-93E2-E3B085C9AB24}">
+                <p16:designElem xmlns:p16="http://schemas.microsoft.com/office/powerpoint/2015/main" val="1"/>
+              </p:ext>
+            </p:extLst>
+          </p:nvPr>
+        </p:nvSpPr>
+        <p:spPr>
+          <a:xfrm>
+            <a:off x="5467709" y="780500"/>
+            <a:ext cx="2852928" cy="2852928"/>
+          </a:xfrm>
+          <a:prstGeom prst="ellipse">
+            <a:avLst/>
+          </a:prstGeom>
+          <a:solidFill>
+            <a:schemeClr val="tx1"/>
+          </a:solidFill>
+          <a:ln>
+            <a:noFill/>
+          </a:ln>
+        </p:spPr>
+        <p:style>
+          <a:lnRef idx="2">
+            <a:schemeClr val="accent1">
+              <a:shade val="50000"/>
+            </a:schemeClr>
+          </a:lnRef>
+          <a:fillRef idx="1">
+            <a:schemeClr val="accent1"/>
+          </a:fillRef>
+          <a:effectRef idx="0">
+            <a:schemeClr val="accent1"/>
+          </a:effectRef>
+          <a:fontRef idx="minor">
+            <a:schemeClr val="lt1"/>
+          </a:fontRef>
+        </p:style>
+        <p:txBody>
+          <a:bodyPr rtlCol="0" anchor="ctr"/>
+          <a:lstStyle/>
+          <a:p>
+            <a:pPr marL="0" marR="0" lvl="0" indent="0" algn="ctr" defTabSz="914400" rtl="0" eaLnBrk="1" fontAlgn="auto" latinLnBrk="0" hangingPunct="1">
+              <a:lnSpc>
+                <a:spcPct val="100000"/>
+              </a:lnSpc>
+              <a:spcBef>
+                <a:spcPts val="0"/>
+              </a:spcBef>
+              <a:spcAft>
+                <a:spcPts val="0"/>
+              </a:spcAft>
+              <a:buClrTx/>
+              <a:buSzTx/>
+              <a:buFontTx/>
+              <a:buNone/>
+              <a:tabLst/>
+              <a:defRPr/>
+            </a:pPr>
+            <a:endParaRPr kumimoji="0" lang="en-US" sz="1800" b="0" i="0" u="none" strike="noStrike" kern="1200" cap="none" spc="0" normalizeH="0" baseline="0" noProof="0" dirty="0">
+              <a:ln>
+                <a:noFill/>
+              </a:ln>
+              <a:solidFill>
+                <a:prstClr val="white"/>
+              </a:solidFill>
+              <a:effectLst/>
+              <a:uLnTx/>
+              <a:uFillTx/>
+              <a:latin typeface="Calibri" panose="020F0502020204030204"/>
+              <a:ea typeface="+mn-ea"/>
+              <a:cs typeface="+mn-cs"/>
+            </a:endParaRPr>
+          </a:p>
+        </p:txBody>
+      </p:sp>
+      <p:pic>
+        <p:nvPicPr>
+          <p:cNvPr id="5" name="Graphic 4" descr="Chat">
+            <a:extLst>
+              <a:ext uri="{FF2B5EF4-FFF2-40B4-BE49-F238E27FC236}">
+                <a16:creationId xmlns:a16="http://schemas.microsoft.com/office/drawing/2014/main" id="{EB71843F-0A0B-4317-B205-4B0A0B97C0FD}"/>
+              </a:ext>
+            </a:extLst>
+          </p:cNvPr>
+          <p:cNvPicPr>
+            <a:picLocks noChangeAspect="1"/>
+          </p:cNvPicPr>
+          <p:nvPr/>
+        </p:nvPicPr>
+        <p:blipFill>
+          <a:blip r:embed="rId5">
+            <a:extLst>
+              <a:ext uri="{28A0092B-C50C-407E-A947-70E740481C1C}">
+                <a14:useLocalDpi xmlns:a14="http://schemas.microsoft.com/office/drawing/2010/main" val="0"/>
+              </a:ext>
+              <a:ext uri="{96DAC541-7B7A-43D3-8B79-37D633B846F1}">
+                <asvg:svgBlip xmlns:asvg="http://schemas.microsoft.com/office/drawing/2016/SVG/main" r:embed="rId6"/>
+              </a:ext>
+            </a:extLst>
+          </a:blip>
+          <a:stretch>
+            <a:fillRect/>
+          </a:stretch>
+        </p:blipFill>
+        <p:spPr>
+          <a:xfrm>
+            <a:off x="5980302" y="1293093"/>
+            <a:ext cx="1827742" cy="1827742"/>
+          </a:xfrm>
+          <a:prstGeom prst="rect">
+            <a:avLst/>
+          </a:prstGeom>
+        </p:spPr>
+      </p:pic>
+      <p:pic>
+        <p:nvPicPr>
+          <p:cNvPr id="7" name="Graphic 6" descr="Blackboard">
+            <a:extLst>
+              <a:ext uri="{FF2B5EF4-FFF2-40B4-BE49-F238E27FC236}">
+                <a16:creationId xmlns:a16="http://schemas.microsoft.com/office/drawing/2014/main" id="{2696A1A4-8E43-47F6-A6DC-A9ADAB053D8B}"/>
+              </a:ext>
+            </a:extLst>
+          </p:cNvPr>
+          <p:cNvPicPr>
+            <a:picLocks noChangeAspect="1"/>
+          </p:cNvPicPr>
+          <p:nvPr/>
+        </p:nvPicPr>
+        <p:blipFill>
+          <a:blip r:embed="rId7">
+            <a:extLst>
+              <a:ext uri="{28A0092B-C50C-407E-A947-70E740481C1C}">
+                <a14:useLocalDpi xmlns:a14="http://schemas.microsoft.com/office/drawing/2010/main" val="0"/>
+              </a:ext>
+              <a:ext uri="{96DAC541-7B7A-43D3-8B79-37D633B846F1}">
+                <asvg:svgBlip xmlns:asvg="http://schemas.microsoft.com/office/drawing/2016/SVG/main" r:embed="rId8"/>
+              </a:ext>
+            </a:extLst>
+          </a:blip>
+          <a:stretch>
+            <a:fillRect/>
+          </a:stretch>
+        </p:blipFill>
+        <p:spPr>
+          <a:xfrm>
+            <a:off x="130924" y="3621724"/>
+            <a:ext cx="2594886" cy="2594886"/>
+          </a:xfrm>
+          <a:prstGeom prst="rect">
+            <a:avLst/>
+          </a:prstGeom>
+        </p:spPr>
+      </p:pic>
+      <p:sp>
+        <p:nvSpPr>
+          <p:cNvPr id="41" name="Freeform: Shape 40">
+            <a:extLst>
+              <a:ext uri="{FF2B5EF4-FFF2-40B4-BE49-F238E27FC236}">
+                <a16:creationId xmlns:a16="http://schemas.microsoft.com/office/drawing/2014/main" id="{31103AB2-C090-458F-B752-294F23AFA8AD}"/>
+              </a:ext>
+              <a:ext uri="{C183D7F6-B498-43B3-948B-1728B52AA6E4}">
+                <adec:decorative xmlns:adec="http://schemas.microsoft.com/office/drawing/2017/decorative" val="1"/>
+              </a:ext>
+            </a:extLst>
+          </p:cNvPr>
+          <p:cNvSpPr>
+            <a:spLocks noGrp="1" noRot="1" noChangeAspect="1" noMove="1" noResize="1" noEditPoints="1" noAdjustHandles="1" noChangeArrowheads="1" noChangeShapeType="1" noTextEdit="1"/>
+          </p:cNvSpPr>
+          <p:nvPr>
+            <p:extLst>
+              <p:ext uri="{386F3935-93C4-4BCD-93E2-E3B085C9AB24}">
+                <p16:designElem xmlns:p16="http://schemas.microsoft.com/office/powerpoint/2015/main" val="1"/>
+              </p:ext>
+            </p:extLst>
+          </p:nvPr>
+        </p:nvSpPr>
+        <p:spPr>
+          <a:xfrm>
+            <a:off x="8752568" y="-4331"/>
+            <a:ext cx="3439432" cy="3785157"/>
+          </a:xfrm>
+          <a:custGeom>
+            <a:avLst/>
+            <a:gdLst>
+              <a:gd name="connsiteX0" fmla="*/ 198262 w 3439432"/>
+              <a:gd name="connsiteY0" fmla="*/ 0 h 3785157"/>
+              <a:gd name="connsiteX1" fmla="*/ 3439432 w 3439432"/>
+              <a:gd name="connsiteY1" fmla="*/ 0 h 3785157"/>
+              <a:gd name="connsiteX2" fmla="*/ 3439432 w 3439432"/>
+              <a:gd name="connsiteY2" fmla="*/ 3697836 h 3785157"/>
+              <a:gd name="connsiteX3" fmla="*/ 3318024 w 3439432"/>
+              <a:gd name="connsiteY3" fmla="*/ 3729054 h 3785157"/>
+              <a:gd name="connsiteX4" fmla="*/ 2761488 w 3439432"/>
+              <a:gd name="connsiteY4" fmla="*/ 3785157 h 3785157"/>
+              <a:gd name="connsiteX5" fmla="*/ 0 w 3439432"/>
+              <a:gd name="connsiteY5" fmla="*/ 1023669 h 3785157"/>
+              <a:gd name="connsiteX6" fmla="*/ 124151 w 3439432"/>
+              <a:gd name="connsiteY6" fmla="*/ 202487 h 3785157"/>
+            </a:gdLst>
+            <a:ahLst/>
+            <a:cxnLst>
+              <a:cxn ang="0">
+                <a:pos x="connsiteX0" y="connsiteY0"/>
+              </a:cxn>
+              <a:cxn ang="0">
+                <a:pos x="connsiteX1" y="connsiteY1"/>
+              </a:cxn>
+              <a:cxn ang="0">
+                <a:pos x="connsiteX2" y="connsiteY2"/>
+              </a:cxn>
+              <a:cxn ang="0">
+                <a:pos x="connsiteX3" y="connsiteY3"/>
+              </a:cxn>
+              <a:cxn ang="0">
+                <a:pos x="connsiteX4" y="connsiteY4"/>
+              </a:cxn>
+              <a:cxn ang="0">
+                <a:pos x="connsiteX5" y="connsiteY5"/>
+              </a:cxn>
+              <a:cxn ang="0">
+                <a:pos x="connsiteX6" y="connsiteY6"/>
+              </a:cxn>
+            </a:cxnLst>
+            <a:rect l="l" t="t" r="r" b="b"/>
+            <a:pathLst>
+              <a:path w="3439432" h="3785157">
+                <a:moveTo>
+                  <a:pt x="198262" y="0"/>
+                </a:moveTo>
+                <a:lnTo>
+                  <a:pt x="3439432" y="0"/>
+                </a:lnTo>
+                <a:lnTo>
+                  <a:pt x="3439432" y="3697836"/>
+                </a:lnTo>
+                <a:lnTo>
+                  <a:pt x="3318024" y="3729054"/>
+                </a:lnTo>
+                <a:cubicBezTo>
+                  <a:pt x="3138258" y="3765839"/>
+                  <a:pt x="2952129" y="3785157"/>
+                  <a:pt x="2761488" y="3785157"/>
+                </a:cubicBezTo>
+                <a:cubicBezTo>
+                  <a:pt x="1236360" y="3785157"/>
+                  <a:pt x="0" y="2548797"/>
+                  <a:pt x="0" y="1023669"/>
+                </a:cubicBezTo>
+                <a:cubicBezTo>
+                  <a:pt x="0" y="737708"/>
+                  <a:pt x="43466" y="461898"/>
+                  <a:pt x="124151" y="202487"/>
+                </a:cubicBezTo>
+                <a:close/>
+              </a:path>
+            </a:pathLst>
+          </a:custGeom>
+          <a:solidFill>
+            <a:srgbClr val="FFFFFF">
+              <a:alpha val="80000"/>
+            </a:srgbClr>
+          </a:solidFill>
+          <a:ln>
+            <a:noFill/>
+          </a:ln>
+        </p:spPr>
+        <p:style>
+          <a:lnRef idx="2">
+            <a:schemeClr val="accent1">
+              <a:shade val="50000"/>
+            </a:schemeClr>
+          </a:lnRef>
+          <a:fillRef idx="1">
+            <a:schemeClr val="accent1"/>
+          </a:fillRef>
+          <a:effectRef idx="0">
+            <a:schemeClr val="accent1"/>
+          </a:effectRef>
+          <a:fontRef idx="minor">
+            <a:schemeClr val="lt1"/>
+          </a:fontRef>
+        </p:style>
+        <p:txBody>
+          <a:bodyPr wrap="square" rtlCol="0" anchor="ctr">
+            <a:noAutofit/>
+          </a:bodyPr>
+          <a:lstStyle/>
+          <a:p>
+            <a:pPr marL="0" marR="0" lvl="0" indent="0" algn="ctr" defTabSz="914400" rtl="0" eaLnBrk="1" fontAlgn="auto" latinLnBrk="0" hangingPunct="1">
+              <a:lnSpc>
+                <a:spcPct val="100000"/>
+              </a:lnSpc>
+              <a:spcBef>
+                <a:spcPts val="0"/>
+              </a:spcBef>
+              <a:spcAft>
+                <a:spcPts val="0"/>
+              </a:spcAft>
+              <a:buClrTx/>
+              <a:buSzTx/>
+              <a:buFontTx/>
+              <a:buNone/>
+              <a:tabLst/>
+              <a:defRPr/>
+            </a:pPr>
+            <a:endParaRPr kumimoji="0" lang="en-US" sz="1800" b="0" i="0" u="none" strike="noStrike" kern="1200" cap="none" spc="0" normalizeH="0" baseline="0" noProof="0" dirty="0">
+              <a:ln>
+                <a:noFill/>
+              </a:ln>
+              <a:solidFill>
+                <a:prstClr val="white"/>
+              </a:solidFill>
+              <a:effectLst/>
+              <a:uLnTx/>
+              <a:uFillTx/>
+              <a:latin typeface="Calibri" panose="020F0502020204030204"/>
+              <a:ea typeface="+mn-ea"/>
+              <a:cs typeface="+mn-cs"/>
+            </a:endParaRPr>
+          </a:p>
+        </p:txBody>
+      </p:sp>
+      <p:sp>
+        <p:nvSpPr>
+          <p:cNvPr id="43" name="Freeform: Shape 42">
+            <a:extLst>
+              <a:ext uri="{FF2B5EF4-FFF2-40B4-BE49-F238E27FC236}">
+                <a16:creationId xmlns:a16="http://schemas.microsoft.com/office/drawing/2014/main" id="{83D471F3-782A-4BA1-9CAB-FF5CDF0A75E0}"/>
+              </a:ext>
+              <a:ext uri="{C183D7F6-B498-43B3-948B-1728B52AA6E4}">
+                <adec:decorative xmlns:adec="http://schemas.microsoft.com/office/drawing/2017/decorative" val="1"/>
+              </a:ext>
+            </a:extLst>
+          </p:cNvPr>
+          <p:cNvSpPr>
+            <a:spLocks noGrp="1" noRot="1" noChangeAspect="1" noMove="1" noResize="1" noEditPoints="1" noAdjustHandles="1" noChangeArrowheads="1" noChangeShapeType="1" noTextEdit="1"/>
+          </p:cNvSpPr>
+          <p:nvPr>
+            <p:extLst>
+              <p:ext uri="{386F3935-93C4-4BCD-93E2-E3B085C9AB24}">
+                <p16:designElem xmlns:p16="http://schemas.microsoft.com/office/powerpoint/2015/main" val="1"/>
+              </p:ext>
+            </p:extLst>
+          </p:nvPr>
+        </p:nvSpPr>
+        <p:spPr>
+          <a:xfrm>
+            <a:off x="8918761" y="-4332"/>
+            <a:ext cx="3273238" cy="3618965"/>
+          </a:xfrm>
+          <a:custGeom>
+            <a:avLst/>
+            <a:gdLst>
+              <a:gd name="connsiteX0" fmla="*/ 210437 w 3273238"/>
+              <a:gd name="connsiteY0" fmla="*/ 0 h 3618965"/>
+              <a:gd name="connsiteX1" fmla="*/ 3273238 w 3273238"/>
+              <a:gd name="connsiteY1" fmla="*/ 0 h 3618965"/>
+              <a:gd name="connsiteX2" fmla="*/ 3273238 w 3273238"/>
+              <a:gd name="connsiteY2" fmla="*/ 3526409 h 3618965"/>
+              <a:gd name="connsiteX3" fmla="*/ 3118338 w 3273238"/>
+              <a:gd name="connsiteY3" fmla="*/ 3566238 h 3618965"/>
+              <a:gd name="connsiteX4" fmla="*/ 2595295 w 3273238"/>
+              <a:gd name="connsiteY4" fmla="*/ 3618965 h 3618965"/>
+              <a:gd name="connsiteX5" fmla="*/ 0 w 3273238"/>
+              <a:gd name="connsiteY5" fmla="*/ 1023670 h 3618965"/>
+              <a:gd name="connsiteX6" fmla="*/ 203951 w 3273238"/>
+              <a:gd name="connsiteY6" fmla="*/ 13464 h 3618965"/>
+            </a:gdLst>
+            <a:ahLst/>
+            <a:cxnLst>
+              <a:cxn ang="0">
+                <a:pos x="connsiteX0" y="connsiteY0"/>
+              </a:cxn>
+              <a:cxn ang="0">
+                <a:pos x="connsiteX1" y="connsiteY1"/>
+              </a:cxn>
+              <a:cxn ang="0">
+                <a:pos x="connsiteX2" y="connsiteY2"/>
+              </a:cxn>
+              <a:cxn ang="0">
+                <a:pos x="connsiteX3" y="connsiteY3"/>
+              </a:cxn>
+              <a:cxn ang="0">
+                <a:pos x="connsiteX4" y="connsiteY4"/>
+              </a:cxn>
+              <a:cxn ang="0">
+                <a:pos x="connsiteX5" y="connsiteY5"/>
+              </a:cxn>
+              <a:cxn ang="0">
+                <a:pos x="connsiteX6" y="connsiteY6"/>
+              </a:cxn>
+            </a:cxnLst>
+            <a:rect l="l" t="t" r="r" b="b"/>
+            <a:pathLst>
+              <a:path w="3273238" h="3618965">
+                <a:moveTo>
+                  <a:pt x="210437" y="0"/>
+                </a:moveTo>
+                <a:lnTo>
+                  <a:pt x="3273238" y="0"/>
+                </a:lnTo>
+                <a:lnTo>
+                  <a:pt x="3273238" y="3526409"/>
+                </a:lnTo>
+                <a:lnTo>
+                  <a:pt x="3118338" y="3566238"/>
+                </a:lnTo>
+                <a:cubicBezTo>
+                  <a:pt x="2949390" y="3600810"/>
+                  <a:pt x="2774463" y="3618965"/>
+                  <a:pt x="2595295" y="3618965"/>
+                </a:cubicBezTo>
+                <a:cubicBezTo>
+                  <a:pt x="1161953" y="3618965"/>
+                  <a:pt x="0" y="2457012"/>
+                  <a:pt x="0" y="1023670"/>
+                </a:cubicBezTo>
+                <a:cubicBezTo>
+                  <a:pt x="0" y="665335"/>
+                  <a:pt x="72622" y="323961"/>
+                  <a:pt x="203951" y="13464"/>
+                </a:cubicBezTo>
+                <a:close/>
+              </a:path>
+            </a:pathLst>
+          </a:custGeom>
+          <a:solidFill>
+            <a:schemeClr val="tx1"/>
+          </a:solidFill>
+          <a:ln>
+            <a:noFill/>
+          </a:ln>
+        </p:spPr>
+        <p:style>
+          <a:lnRef idx="2">
+            <a:schemeClr val="accent1">
+              <a:shade val="50000"/>
+            </a:schemeClr>
+          </a:lnRef>
+          <a:fillRef idx="1">
+            <a:schemeClr val="accent1"/>
+          </a:fillRef>
+          <a:effectRef idx="0">
+            <a:schemeClr val="accent1"/>
+          </a:effectRef>
+          <a:fontRef idx="minor">
+            <a:schemeClr val="lt1"/>
+          </a:fontRef>
+        </p:style>
+        <p:txBody>
+          <a:bodyPr wrap="square" rtlCol="0" anchor="ctr">
+            <a:noAutofit/>
+          </a:bodyPr>
+          <a:lstStyle/>
+          <a:p>
+            <a:pPr marL="0" marR="0" lvl="0" indent="0" algn="ctr" defTabSz="914400" rtl="0" eaLnBrk="1" fontAlgn="auto" latinLnBrk="0" hangingPunct="1">
+              <a:lnSpc>
+                <a:spcPct val="100000"/>
+              </a:lnSpc>
+              <a:spcBef>
+                <a:spcPts val="0"/>
+              </a:spcBef>
+              <a:spcAft>
+                <a:spcPts val="0"/>
+              </a:spcAft>
+              <a:buClrTx/>
+              <a:buSzTx/>
+              <a:buFontTx/>
+              <a:buNone/>
+              <a:tabLst/>
+              <a:defRPr/>
+            </a:pPr>
+            <a:endParaRPr kumimoji="0" lang="en-US" sz="1800" b="0" i="0" u="none" strike="noStrike" kern="1200" cap="none" spc="0" normalizeH="0" baseline="0" noProof="0" dirty="0">
+              <a:ln>
+                <a:noFill/>
+              </a:ln>
+              <a:solidFill>
+                <a:prstClr val="white"/>
+              </a:solidFill>
+              <a:effectLst/>
+              <a:uLnTx/>
+              <a:uFillTx/>
+              <a:latin typeface="Calibri" panose="020F0502020204030204"/>
+              <a:ea typeface="+mn-ea"/>
+              <a:cs typeface="+mn-cs"/>
+            </a:endParaRPr>
+          </a:p>
+        </p:txBody>
+      </p:sp>
+      <p:pic>
+        <p:nvPicPr>
+          <p:cNvPr id="11" name="Graphic 10" descr="Books on Shelf">
+            <a:extLst>
+              <a:ext uri="{FF2B5EF4-FFF2-40B4-BE49-F238E27FC236}">
+                <a16:creationId xmlns:a16="http://schemas.microsoft.com/office/drawing/2014/main" id="{18A239E6-97C0-4A74-8E7A-C9FD39A8C92C}"/>
+              </a:ext>
+            </a:extLst>
+          </p:cNvPr>
+          <p:cNvPicPr>
+            <a:picLocks noChangeAspect="1"/>
+          </p:cNvPicPr>
+          <p:nvPr/>
+        </p:nvPicPr>
+        <p:blipFill>
+          <a:blip r:embed="rId9">
+            <a:extLst>
+              <a:ext uri="{28A0092B-C50C-407E-A947-70E740481C1C}">
+                <a14:useLocalDpi xmlns:a14="http://schemas.microsoft.com/office/drawing/2010/main" val="0"/>
+              </a:ext>
+              <a:ext uri="{96DAC541-7B7A-43D3-8B79-37D633B846F1}">
+                <asvg:svgBlip xmlns:asvg="http://schemas.microsoft.com/office/drawing/2016/SVG/main" r:embed="rId10"/>
+              </a:ext>
+            </a:extLst>
+          </a:blip>
+          <a:stretch>
+            <a:fillRect/>
+          </a:stretch>
+        </p:blipFill>
+        <p:spPr>
+          <a:xfrm>
+            <a:off x="9725024" y="327889"/>
+            <a:ext cx="2260711" cy="2260711"/>
+          </a:xfrm>
+          <a:prstGeom prst="rect">
+            <a:avLst/>
+          </a:prstGeom>
+        </p:spPr>
+      </p:pic>
+      <p:sp>
+        <p:nvSpPr>
+          <p:cNvPr id="3" name="Footer Placeholder 2">
+            <a:extLst>
+              <a:ext uri="{FF2B5EF4-FFF2-40B4-BE49-F238E27FC236}">
+                <a16:creationId xmlns:a16="http://schemas.microsoft.com/office/drawing/2014/main" id="{7B7E3F3C-6289-4276-9B28-D54596104263}"/>
+              </a:ext>
+            </a:extLst>
+          </p:cNvPr>
+          <p:cNvSpPr>
+            <a:spLocks noGrp="1"/>
+          </p:cNvSpPr>
+          <p:nvPr>
+            <p:ph type="ftr" sz="quarter" idx="11"/>
+          </p:nvPr>
+        </p:nvSpPr>
+        <p:spPr/>
+        <p:txBody>
+          <a:bodyPr/>
+          <a:lstStyle/>
+          <a:p>
+            <a:r>
+              <a:rPr lang="en-US"/>
+              <a:t>Mike Nguyen</a:t>
+            </a:r>
+            <a:endParaRPr lang="en-US" dirty="0"/>
+          </a:p>
+        </p:txBody>
+      </p:sp>
+    </p:spTree>
+    <p:extLst>
+      <p:ext uri="{BB962C8B-B14F-4D97-AF65-F5344CB8AC3E}">
+        <p14:creationId xmlns:p14="http://schemas.microsoft.com/office/powerpoint/2010/main" val="322398974"/>
+      </p:ext>
+    </p:extLst>
+  </p:cSld>
+  <p:clrMapOvr>
+    <a:overrideClrMapping bg1="dk1" tx1="lt1" bg2="dk2" tx2="lt2" accent1="accent1" accent2="accent2" accent3="accent3" accent4="accent4" accent5="accent5" accent6="accent6" hlink="hlink" folHlink="folHlink"/>
+  </p:clrMapOvr>
+</p:sld>
+</file>
+
+<file path=ppt/slides/slide30.xml><?xml version="1.0" encoding="utf-8"?>
 <p:sld xmlns:a="http://schemas.openxmlformats.org/drawingml/2006/main" xmlns:r="http://schemas.openxmlformats.org/officeDocument/2006/relationships" xmlns:p="http://schemas.openxmlformats.org/presentationml/2006/main">
   <p:cSld>
     <p:bg>
@@ -36445,8 +39185,24 @@
               <a:buNone/>
             </a:pPr>
             <a:r>
-              <a:rPr lang="en-US" sz="2400"/>
-              <a:t>This RQ answers if there's a relationship or association between two variables.</a:t>
+              <a:rPr lang="en-US" sz="2400" dirty="0"/>
+              <a:t>This RQ answers if there's a </a:t>
+            </a:r>
+            <a:r>
+              <a:rPr lang="en-US" sz="2400" b="1" dirty="0"/>
+              <a:t>relationship</a:t>
+            </a:r>
+            <a:r>
+              <a:rPr lang="en-US" sz="2400" dirty="0"/>
+              <a:t> or </a:t>
+            </a:r>
+            <a:r>
+              <a:rPr lang="en-US" sz="2400" b="1" dirty="0"/>
+              <a:t>association</a:t>
+            </a:r>
+            <a:r>
+              <a:rPr lang="en-US" sz="2400" dirty="0"/>
+              <a:t> between two variables.</a:t>
             </a:r>
           </a:p>
           <a:p>
@@ -36454,25 +39210,25 @@
               <a:buNone/>
             </a:pPr>
             <a:r>
-              <a:rPr lang="en-US" sz="2400"/>
+              <a:rPr lang="en-US" sz="2400" dirty="0"/>
               <a:t>An association RQ always involves two variables and requires two separate questions on a questionnaire (one to measure each variable). </a:t>
             </a:r>
           </a:p>
           <a:p>
             <a:r>
-              <a:rPr lang="en-US" sz="2400"/>
+              <a:rPr lang="en-US" sz="2400" dirty="0"/>
               <a:t>Does income correlate with how many vacations a person takes?</a:t>
             </a:r>
           </a:p>
           <a:p>
             <a:r>
-              <a:rPr lang="en-US" sz="2400"/>
-              <a:t>Does family size is associate with how often a family eats out?</a:t>
+              <a:rPr lang="en-US" sz="2400" dirty="0"/>
+              <a:t>Does family size is associated with how often a family eats out?</a:t>
             </a:r>
           </a:p>
           <a:p>
             <a:r>
-              <a:rPr lang="en-US" sz="2400"/>
+              <a:rPr lang="en-US" sz="2400" dirty="0"/>
               <a:t>Does per week study hour correlate with the grades students get?</a:t>
             </a:r>
           </a:p>
@@ -36583,7 +39339,7 @@
 </p:sld>
 </file>
 
-<file path=ppt/slides/slide29.xml><?xml version="1.0" encoding="utf-8"?>
+<file path=ppt/slides/slide31.xml><?xml version="1.0" encoding="utf-8"?>
 <p:sld xmlns:a="http://schemas.openxmlformats.org/drawingml/2006/main" xmlns:r="http://schemas.openxmlformats.org/officeDocument/2006/relationships" xmlns:p="http://schemas.openxmlformats.org/presentationml/2006/main">
   <p:cSld>
     <p:bg>
@@ -37017,7 +39773,7 @@
               <a:buNone/>
             </a:pPr>
             <a:r>
-              <a:rPr lang="en-US" sz="2400"/>
+              <a:rPr lang="en-US" sz="2400" dirty="0"/>
               <a:t>Association analysis might sound similar to difference analysis. </a:t>
             </a:r>
           </a:p>
@@ -37026,8 +39782,8 @@
               <a:buNone/>
             </a:pPr>
             <a:r>
-              <a:rPr lang="en-US" sz="2400"/>
-              <a:t>The major difference is that association analysis’s both variables have order/rank such as small family size, medium family size, and large family size. </a:t>
+              <a:rPr lang="en-US" sz="2400" dirty="0"/>
+              <a:t>The major difference is that in association analysis, both variables have order/rank, such as small family size, medium family size, and large family size. </a:t>
             </a:r>
           </a:p>
         </p:txBody>
@@ -37134,275 +39890,141 @@
   <p:clrMapOvr>
     <a:masterClrMapping/>
   </p:clrMapOvr>
+  <p:timing>
+    <p:tnLst>
+      <p:par>
+        <p:cTn id="1" dur="indefinite" restart="never" nodeType="tmRoot">
+          <p:childTnLst>
+            <p:seq concurrent="1" nextAc="seek">
+              <p:cTn id="2" dur="indefinite" nodeType="mainSeq">
+                <p:childTnLst>
+                  <p:par>
+                    <p:cTn id="3" fill="hold">
+                      <p:stCondLst>
+                        <p:cond delay="indefinite"/>
+                      </p:stCondLst>
+                      <p:childTnLst>
+                        <p:par>
+                          <p:cTn id="4" fill="hold">
+                            <p:stCondLst>
+                              <p:cond delay="0"/>
+                            </p:stCondLst>
+                            <p:childTnLst>
+                              <p:par>
+                                <p:cTn id="5" presetID="1" presetClass="entr" presetSubtype="0" fill="hold" grpId="0" nodeType="clickEffect">
+                                  <p:stCondLst>
+                                    <p:cond delay="0"/>
+                                  </p:stCondLst>
+                                  <p:childTnLst>
+                                    <p:set>
+                                      <p:cBhvr>
+                                        <p:cTn id="6" dur="1" fill="hold">
+                                          <p:stCondLst>
+                                            <p:cond delay="0"/>
+                                          </p:stCondLst>
+                                        </p:cTn>
+                                        <p:tgtEl>
+                                          <p:spTgt spid="3">
+                                            <p:txEl>
+                                              <p:pRg st="0" end="0"/>
+                                            </p:txEl>
+                                          </p:spTgt>
+                                        </p:tgtEl>
+                                        <p:attrNameLst>
+                                          <p:attrName>style.visibility</p:attrName>
+                                        </p:attrNameLst>
+                                      </p:cBhvr>
+                                      <p:to>
+                                        <p:strVal val="visible"/>
+                                      </p:to>
+                                    </p:set>
+                                  </p:childTnLst>
+                                </p:cTn>
+                              </p:par>
+                            </p:childTnLst>
+                          </p:cTn>
+                        </p:par>
+                      </p:childTnLst>
+                    </p:cTn>
+                  </p:par>
+                  <p:par>
+                    <p:cTn id="7" fill="hold">
+                      <p:stCondLst>
+                        <p:cond delay="indefinite"/>
+                      </p:stCondLst>
+                      <p:childTnLst>
+                        <p:par>
+                          <p:cTn id="8" fill="hold">
+                            <p:stCondLst>
+                              <p:cond delay="0"/>
+                            </p:stCondLst>
+                            <p:childTnLst>
+                              <p:par>
+                                <p:cTn id="9" presetID="1" presetClass="entr" presetSubtype="0" fill="hold" grpId="0" nodeType="clickEffect">
+                                  <p:stCondLst>
+                                    <p:cond delay="0"/>
+                                  </p:stCondLst>
+                                  <p:childTnLst>
+                                    <p:set>
+                                      <p:cBhvr>
+                                        <p:cTn id="10" dur="1" fill="hold">
+                                          <p:stCondLst>
+                                            <p:cond delay="0"/>
+                                          </p:stCondLst>
+                                        </p:cTn>
+                                        <p:tgtEl>
+                                          <p:spTgt spid="3">
+                                            <p:txEl>
+                                              <p:pRg st="1" end="1"/>
+                                            </p:txEl>
+                                          </p:spTgt>
+                                        </p:tgtEl>
+                                        <p:attrNameLst>
+                                          <p:attrName>style.visibility</p:attrName>
+                                        </p:attrNameLst>
+                                      </p:cBhvr>
+                                      <p:to>
+                                        <p:strVal val="visible"/>
+                                      </p:to>
+                                    </p:set>
+                                  </p:childTnLst>
+                                </p:cTn>
+                              </p:par>
+                            </p:childTnLst>
+                          </p:cTn>
+                        </p:par>
+                      </p:childTnLst>
+                    </p:cTn>
+                  </p:par>
+                </p:childTnLst>
+              </p:cTn>
+              <p:prevCondLst>
+                <p:cond evt="onPrev" delay="0">
+                  <p:tgtEl>
+                    <p:sldTgt/>
+                  </p:tgtEl>
+                </p:cond>
+              </p:prevCondLst>
+              <p:nextCondLst>
+                <p:cond evt="onNext" delay="0">
+                  <p:tgtEl>
+                    <p:sldTgt/>
+                  </p:tgtEl>
+                </p:cond>
+              </p:nextCondLst>
+            </p:seq>
+          </p:childTnLst>
+        </p:cTn>
+      </p:par>
+    </p:tnLst>
+    <p:bldLst>
+      <p:bldP spid="3" grpId="0" build="p"/>
+    </p:bldLst>
+  </p:timing>
 </p:sld>
 </file>
 
-<file path=ppt/slides/slide3.xml><?xml version="1.0" encoding="utf-8"?>
-<p:sld xmlns:a="http://schemas.openxmlformats.org/drawingml/2006/main" xmlns:r="http://schemas.openxmlformats.org/officeDocument/2006/relationships" xmlns:p="http://schemas.openxmlformats.org/presentationml/2006/main">
-  <p:cSld>
-    <p:bg>
-      <p:bgPr>
-        <a:solidFill>
-          <a:schemeClr val="bg1"/>
-        </a:solidFill>
-        <a:effectLst/>
-      </p:bgPr>
-    </p:bg>
-    <p:spTree>
-      <p:nvGrpSpPr>
-        <p:cNvPr id="1" name=""/>
-        <p:cNvGrpSpPr/>
-        <p:nvPr/>
-      </p:nvGrpSpPr>
-      <p:grpSpPr>
-        <a:xfrm>
-          <a:off x="0" y="0"/>
-          <a:ext cx="0" cy="0"/>
-          <a:chOff x="0" y="0"/>
-          <a:chExt cx="0" cy="0"/>
-        </a:xfrm>
-      </p:grpSpPr>
-      <p:sp>
-        <p:nvSpPr>
-          <p:cNvPr id="2" name="Title 1">
-            <a:extLst>
-              <a:ext uri="{FF2B5EF4-FFF2-40B4-BE49-F238E27FC236}">
-                <a16:creationId xmlns:a16="http://schemas.microsoft.com/office/drawing/2014/main" id="{C925D1F0-B0E0-4F37-B147-86B526AB9065}"/>
-              </a:ext>
-            </a:extLst>
-          </p:cNvPr>
-          <p:cNvSpPr>
-            <a:spLocks noGrp="1"/>
-          </p:cNvSpPr>
-          <p:nvPr>
-            <p:ph type="title"/>
-          </p:nvPr>
-        </p:nvSpPr>
-        <p:spPr>
-          <a:xfrm>
-            <a:off x="4965430" y="629268"/>
-            <a:ext cx="6586491" cy="1286160"/>
-          </a:xfrm>
-        </p:spPr>
-        <p:txBody>
-          <a:bodyPr anchor="b">
-            <a:normAutofit/>
-          </a:bodyPr>
-          <a:lstStyle/>
-          <a:p>
-            <a:r>
-              <a:rPr lang="en-US" dirty="0"/>
-              <a:t>iClicker Question</a:t>
-            </a:r>
-          </a:p>
-        </p:txBody>
-      </p:sp>
-      <p:sp>
-        <p:nvSpPr>
-          <p:cNvPr id="3" name="Content Placeholder 2">
-            <a:extLst>
-              <a:ext uri="{FF2B5EF4-FFF2-40B4-BE49-F238E27FC236}">
-                <a16:creationId xmlns:a16="http://schemas.microsoft.com/office/drawing/2014/main" id="{E47604B0-CB5A-4E6F-BB9E-2994752A40AC}"/>
-              </a:ext>
-            </a:extLst>
-          </p:cNvPr>
-          <p:cNvSpPr>
-            <a:spLocks noGrp="1"/>
-          </p:cNvSpPr>
-          <p:nvPr>
-            <p:ph idx="1"/>
-          </p:nvPr>
-        </p:nvSpPr>
-        <p:spPr>
-          <a:xfrm>
-            <a:off x="4965431" y="2438400"/>
-            <a:ext cx="6586489" cy="3785419"/>
-          </a:xfrm>
-        </p:spPr>
-        <p:txBody>
-          <a:bodyPr>
-            <a:normAutofit/>
-          </a:bodyPr>
-          <a:lstStyle/>
-          <a:p>
-            <a:pPr marL="0" indent="0">
-              <a:buNone/>
-            </a:pPr>
-            <a:r>
-              <a:rPr lang="en-US" sz="2000" b="1"/>
-              <a:t>Primary data </a:t>
-            </a:r>
-            <a:r>
-              <a:rPr lang="en-US" sz="2000"/>
-              <a:t>are those collected by the researchers for the research question at hand and </a:t>
-            </a:r>
-            <a:r>
-              <a:rPr lang="en-US" sz="2000" b="1"/>
-              <a:t>secondary data</a:t>
-            </a:r>
-            <a:r>
-              <a:rPr lang="en-US" sz="2000"/>
-              <a:t> are those collected for other purposes</a:t>
-            </a:r>
-          </a:p>
-          <a:p>
-            <a:pPr marL="514350" indent="-514350">
-              <a:buFont typeface="+mj-lt"/>
-              <a:buAutoNum type="alphaUcPeriod"/>
-            </a:pPr>
-            <a:r>
-              <a:rPr lang="en-US" sz="2000"/>
-              <a:t>True</a:t>
-            </a:r>
-          </a:p>
-          <a:p>
-            <a:pPr marL="514350" indent="-514350">
-              <a:buFont typeface="+mj-lt"/>
-              <a:buAutoNum type="alphaUcPeriod"/>
-            </a:pPr>
-            <a:r>
-              <a:rPr lang="en-US" sz="2000"/>
-              <a:t>False</a:t>
-            </a:r>
-          </a:p>
-        </p:txBody>
-      </p:sp>
-      <p:pic>
-        <p:nvPicPr>
-          <p:cNvPr id="6" name="Picture 5" descr="Question mark on green pastel background">
-            <a:extLst>
-              <a:ext uri="{FF2B5EF4-FFF2-40B4-BE49-F238E27FC236}">
-                <a16:creationId xmlns:a16="http://schemas.microsoft.com/office/drawing/2014/main" id="{41022404-5D42-4CDB-9075-3BB622CBCD69}"/>
-              </a:ext>
-            </a:extLst>
-          </p:cNvPr>
-          <p:cNvPicPr>
-            <a:picLocks noChangeAspect="1"/>
-          </p:cNvPicPr>
-          <p:nvPr/>
-        </p:nvPicPr>
-        <p:blipFill rotWithShape="1">
-          <a:blip r:embed="rId2"/>
-          <a:srcRect l="44648" r="4656"/>
-          <a:stretch/>
-        </p:blipFill>
-        <p:spPr>
-          <a:xfrm>
-            <a:off x="20" y="10"/>
-            <a:ext cx="4635571" cy="6857990"/>
-          </a:xfrm>
-          <a:prstGeom prst="rect">
-            <a:avLst/>
-          </a:prstGeom>
-          <a:effectLst/>
-        </p:spPr>
-      </p:pic>
-      <p:cxnSp>
-        <p:nvCxnSpPr>
-          <p:cNvPr id="10" name="Straight Connector 9">
-            <a:extLst>
-              <a:ext uri="{FF2B5EF4-FFF2-40B4-BE49-F238E27FC236}">
-                <a16:creationId xmlns:a16="http://schemas.microsoft.com/office/drawing/2014/main" id="{A7F400EE-A8A5-48AF-B4D6-291B52C6F0B0}"/>
-              </a:ext>
-              <a:ext uri="{C183D7F6-B498-43B3-948B-1728B52AA6E4}">
-                <adec:decorative xmlns:adec="http://schemas.microsoft.com/office/drawing/2017/decorative" val="1"/>
-              </a:ext>
-            </a:extLst>
-          </p:cNvPr>
-          <p:cNvCxnSpPr>
-            <a:cxnSpLocks noGrp="1" noRot="1" noChangeAspect="1" noMove="1" noResize="1" noEditPoints="1" noAdjustHandles="1" noChangeArrowheads="1" noChangeShapeType="1"/>
-          </p:cNvCxnSpPr>
-          <p:nvPr>
-            <p:extLst>
-              <p:ext uri="{386F3935-93C4-4BCD-93E2-E3B085C9AB24}">
-                <p16:designElem xmlns:p16="http://schemas.microsoft.com/office/powerpoint/2015/main" val="1"/>
-              </p:ext>
-            </p:extLst>
-          </p:nvPr>
-        </p:nvCxnSpPr>
-        <p:spPr>
-          <a:xfrm>
-            <a:off x="5080934" y="2115117"/>
-            <a:ext cx="6309360" cy="0"/>
-          </a:xfrm>
-          <a:prstGeom prst="line">
-            <a:avLst/>
-          </a:prstGeom>
-          <a:ln w="19050">
-            <a:solidFill>
-              <a:srgbClr val="589195"/>
-            </a:solidFill>
-          </a:ln>
-        </p:spPr>
-        <p:style>
-          <a:lnRef idx="1">
-            <a:schemeClr val="accent1"/>
-          </a:lnRef>
-          <a:fillRef idx="0">
-            <a:schemeClr val="accent1"/>
-          </a:fillRef>
-          <a:effectRef idx="0">
-            <a:schemeClr val="accent1"/>
-          </a:effectRef>
-          <a:fontRef idx="minor">
-            <a:schemeClr val="tx1"/>
-          </a:fontRef>
-        </p:style>
-      </p:cxnSp>
-      <p:sp>
-        <p:nvSpPr>
-          <p:cNvPr id="4" name="Footer Placeholder 3">
-            <a:extLst>
-              <a:ext uri="{FF2B5EF4-FFF2-40B4-BE49-F238E27FC236}">
-                <a16:creationId xmlns:a16="http://schemas.microsoft.com/office/drawing/2014/main" id="{AF00FF57-37D8-4865-8B55-F1BE345C3D29}"/>
-              </a:ext>
-            </a:extLst>
-          </p:cNvPr>
-          <p:cNvSpPr>
-            <a:spLocks noGrp="1"/>
-          </p:cNvSpPr>
-          <p:nvPr>
-            <p:ph type="ftr" sz="quarter" idx="11"/>
-          </p:nvPr>
-        </p:nvSpPr>
-        <p:spPr>
-          <a:xfrm>
-            <a:off x="4965430" y="6356350"/>
-            <a:ext cx="4139134" cy="365125"/>
-          </a:xfrm>
-        </p:spPr>
-        <p:txBody>
-          <a:bodyPr>
-            <a:normAutofit/>
-          </a:bodyPr>
-          <a:lstStyle/>
-          <a:p>
-            <a:pPr algn="l">
-              <a:spcAft>
-                <a:spcPts val="600"/>
-              </a:spcAft>
-            </a:pPr>
-            <a:r>
-              <a:rPr lang="en-US"/>
-              <a:t>Mike Nguyen</a:t>
-            </a:r>
-          </a:p>
-        </p:txBody>
-      </p:sp>
-    </p:spTree>
-    <p:extLst>
-      <p:ext uri="{BB962C8B-B14F-4D97-AF65-F5344CB8AC3E}">
-        <p14:creationId xmlns:p14="http://schemas.microsoft.com/office/powerpoint/2010/main" val="3330819661"/>
-      </p:ext>
-    </p:extLst>
-  </p:cSld>
-  <p:clrMapOvr>
-    <a:masterClrMapping/>
-  </p:clrMapOvr>
-</p:sld>
-</file>
-
-<file path=ppt/slides/slide30.xml><?xml version="1.0" encoding="utf-8"?>
+<file path=ppt/slides/slide32.xml><?xml version="1.0" encoding="utf-8"?>
 <p:sld xmlns:a="http://schemas.openxmlformats.org/drawingml/2006/main" xmlns:r="http://schemas.openxmlformats.org/officeDocument/2006/relationships" xmlns:p="http://schemas.openxmlformats.org/presentationml/2006/main">
   <p:cSld>
     <p:spTree>
@@ -38263,7 +40885,7 @@
 </p:sld>
 </file>
 
-<file path=ppt/slides/slide31.xml><?xml version="1.0" encoding="utf-8"?>
+<file path=ppt/slides/slide33.xml><?xml version="1.0" encoding="utf-8"?>
 <p:sld xmlns:a="http://schemas.openxmlformats.org/drawingml/2006/main" xmlns:r="http://schemas.openxmlformats.org/officeDocument/2006/relationships" xmlns:p="http://schemas.openxmlformats.org/presentationml/2006/main">
   <p:cSld>
     <p:spTree>
@@ -38610,6 +41232,7 @@
             </a:extLst>
           </p:cNvPr>
           <p:cNvCxnSpPr>
+            <a:cxnSpLocks/>
             <a:stCxn id="6" idx="3"/>
             <a:endCxn id="7" idx="1"/>
           </p:cNvCxnSpPr>
@@ -38876,7 +41499,7 @@
 </p:sld>
 </file>
 
-<file path=ppt/slides/slide32.xml><?xml version="1.0" encoding="utf-8"?>
+<file path=ppt/slides/slide34.xml><?xml version="1.0" encoding="utf-8"?>
 <p:sld xmlns:a="http://schemas.openxmlformats.org/drawingml/2006/main" xmlns:r="http://schemas.openxmlformats.org/officeDocument/2006/relationships" xmlns:p="http://schemas.openxmlformats.org/presentationml/2006/main">
   <p:cSld>
     <p:bg>
@@ -39556,7 +42179,7 @@
 </p:sld>
 </file>
 
-<file path=ppt/slides/slide33.xml><?xml version="1.0" encoding="utf-8"?>
+<file path=ppt/slides/slide35.xml><?xml version="1.0" encoding="utf-8"?>
 <p:sld xmlns:a="http://schemas.openxmlformats.org/drawingml/2006/main" xmlns:r="http://schemas.openxmlformats.org/officeDocument/2006/relationships" xmlns:p="http://schemas.openxmlformats.org/presentationml/2006/main">
   <p:cSld>
     <p:bg>
@@ -40204,7 +42827,7 @@
 </p:sld>
 </file>
 
-<file path=ppt/slides/slide34.xml><?xml version="1.0" encoding="utf-8"?>
+<file path=ppt/slides/slide36.xml><?xml version="1.0" encoding="utf-8"?>
 <p:sld xmlns:a="http://schemas.openxmlformats.org/drawingml/2006/main" xmlns:r="http://schemas.openxmlformats.org/officeDocument/2006/relationships" xmlns:p="http://schemas.openxmlformats.org/presentationml/2006/main">
   <p:cSld>
     <p:bg>
@@ -40839,7 +43462,7 @@
 </p:sld>
 </file>
 
-<file path=ppt/slides/slide35.xml><?xml version="1.0" encoding="utf-8"?>
+<file path=ppt/slides/slide37.xml><?xml version="1.0" encoding="utf-8"?>
 <p:sld xmlns:a="http://schemas.openxmlformats.org/drawingml/2006/main" xmlns:r="http://schemas.openxmlformats.org/officeDocument/2006/relationships" xmlns:p="http://schemas.openxmlformats.org/presentationml/2006/main">
   <p:cSld>
     <p:spTree>
@@ -40953,7 +43576,7 @@
 </p:sld>
 </file>
 
-<file path=ppt/slides/slide36.xml><?xml version="1.0" encoding="utf-8"?>
+<file path=ppt/slides/slide38.xml><?xml version="1.0" encoding="utf-8"?>
 <p:sld xmlns:a="http://schemas.openxmlformats.org/drawingml/2006/main" xmlns:r="http://schemas.openxmlformats.org/officeDocument/2006/relationships" xmlns:p="http://schemas.openxmlformats.org/presentationml/2006/main">
   <p:cSld>
     <p:bg>
@@ -41384,19 +44007,13 @@
           <a:lstStyle/>
           <a:p>
             <a:r>
-              <a:rPr lang="en-US" sz="2400"/>
-              <a:t>Discussion Case #3 (Sunday)</a:t>
-            </a:r>
-          </a:p>
-          <a:p>
-            <a:r>
-              <a:rPr lang="en-US" sz="2400"/>
+              <a:rPr lang="en-US" sz="2400" dirty="0"/>
               <a:t>Week 4 Quiz (Sunday)</a:t>
             </a:r>
           </a:p>
           <a:p>
             <a:r>
-              <a:rPr lang="en-US" sz="2400"/>
+              <a:rPr lang="en-US" sz="2400" dirty="0"/>
               <a:t>Assignment 3.5 (Sunday)</a:t>
             </a:r>
           </a:p>
@@ -41507,7 +44124,7 @@
 </p:sld>
 </file>
 
-<file path=ppt/slides/slide37.xml><?xml version="1.0" encoding="utf-8"?>
+<file path=ppt/slides/slide39.xml><?xml version="1.0" encoding="utf-8"?>
 <p:sld xmlns:a="http://schemas.openxmlformats.org/drawingml/2006/main" xmlns:r="http://schemas.openxmlformats.org/officeDocument/2006/relationships" xmlns:p="http://schemas.openxmlformats.org/presentationml/2006/main">
   <p:cSld>
     <p:bg>
@@ -41807,6 +44424,271 @@
 </file>
 
 <file path=ppt/slides/slide4.xml><?xml version="1.0" encoding="utf-8"?>
+<p:sld xmlns:a="http://schemas.openxmlformats.org/drawingml/2006/main" xmlns:r="http://schemas.openxmlformats.org/officeDocument/2006/relationships" xmlns:p="http://schemas.openxmlformats.org/presentationml/2006/main">
+  <p:cSld>
+    <p:bg>
+      <p:bgPr>
+        <a:solidFill>
+          <a:schemeClr val="bg1"/>
+        </a:solidFill>
+        <a:effectLst/>
+      </p:bgPr>
+    </p:bg>
+    <p:spTree>
+      <p:nvGrpSpPr>
+        <p:cNvPr id="1" name=""/>
+        <p:cNvGrpSpPr/>
+        <p:nvPr/>
+      </p:nvGrpSpPr>
+      <p:grpSpPr>
+        <a:xfrm>
+          <a:off x="0" y="0"/>
+          <a:ext cx="0" cy="0"/>
+          <a:chOff x="0" y="0"/>
+          <a:chExt cx="0" cy="0"/>
+        </a:xfrm>
+      </p:grpSpPr>
+      <p:sp>
+        <p:nvSpPr>
+          <p:cNvPr id="2" name="Title 1">
+            <a:extLst>
+              <a:ext uri="{FF2B5EF4-FFF2-40B4-BE49-F238E27FC236}">
+                <a16:creationId xmlns:a16="http://schemas.microsoft.com/office/drawing/2014/main" id="{C925D1F0-B0E0-4F37-B147-86B526AB9065}"/>
+              </a:ext>
+            </a:extLst>
+          </p:cNvPr>
+          <p:cNvSpPr>
+            <a:spLocks noGrp="1"/>
+          </p:cNvSpPr>
+          <p:nvPr>
+            <p:ph type="title"/>
+          </p:nvPr>
+        </p:nvSpPr>
+        <p:spPr>
+          <a:xfrm>
+            <a:off x="4965430" y="629268"/>
+            <a:ext cx="6586491" cy="1286160"/>
+          </a:xfrm>
+        </p:spPr>
+        <p:txBody>
+          <a:bodyPr anchor="b">
+            <a:normAutofit/>
+          </a:bodyPr>
+          <a:lstStyle/>
+          <a:p>
+            <a:r>
+              <a:rPr lang="en-US" dirty="0"/>
+              <a:t>iClicker Question</a:t>
+            </a:r>
+          </a:p>
+        </p:txBody>
+      </p:sp>
+      <p:sp>
+        <p:nvSpPr>
+          <p:cNvPr id="3" name="Content Placeholder 2">
+            <a:extLst>
+              <a:ext uri="{FF2B5EF4-FFF2-40B4-BE49-F238E27FC236}">
+                <a16:creationId xmlns:a16="http://schemas.microsoft.com/office/drawing/2014/main" id="{E47604B0-CB5A-4E6F-BB9E-2994752A40AC}"/>
+              </a:ext>
+            </a:extLst>
+          </p:cNvPr>
+          <p:cNvSpPr>
+            <a:spLocks noGrp="1"/>
+          </p:cNvSpPr>
+          <p:nvPr>
+            <p:ph idx="1"/>
+          </p:nvPr>
+        </p:nvSpPr>
+        <p:spPr>
+          <a:xfrm>
+            <a:off x="4965431" y="2438400"/>
+            <a:ext cx="6586489" cy="3785419"/>
+          </a:xfrm>
+        </p:spPr>
+        <p:txBody>
+          <a:bodyPr>
+            <a:normAutofit/>
+          </a:bodyPr>
+          <a:lstStyle/>
+          <a:p>
+            <a:pPr marL="0" indent="0">
+              <a:buNone/>
+            </a:pPr>
+            <a:r>
+              <a:rPr lang="en-US" sz="2000" b="1"/>
+              <a:t>Primary data </a:t>
+            </a:r>
+            <a:r>
+              <a:rPr lang="en-US" sz="2000"/>
+              <a:t>are those collected by the researchers for the research question at hand and </a:t>
+            </a:r>
+            <a:r>
+              <a:rPr lang="en-US" sz="2000" b="1"/>
+              <a:t>secondary data</a:t>
+            </a:r>
+            <a:r>
+              <a:rPr lang="en-US" sz="2000"/>
+              <a:t> are those collected for other purposes</a:t>
+            </a:r>
+          </a:p>
+          <a:p>
+            <a:pPr marL="514350" indent="-514350">
+              <a:buFont typeface="+mj-lt"/>
+              <a:buAutoNum type="alphaUcPeriod"/>
+            </a:pPr>
+            <a:r>
+              <a:rPr lang="en-US" sz="2000"/>
+              <a:t>True</a:t>
+            </a:r>
+          </a:p>
+          <a:p>
+            <a:pPr marL="514350" indent="-514350">
+              <a:buFont typeface="+mj-lt"/>
+              <a:buAutoNum type="alphaUcPeriod"/>
+            </a:pPr>
+            <a:r>
+              <a:rPr lang="en-US" sz="2000"/>
+              <a:t>False</a:t>
+            </a:r>
+          </a:p>
+        </p:txBody>
+      </p:sp>
+      <p:pic>
+        <p:nvPicPr>
+          <p:cNvPr id="6" name="Picture 5" descr="Question mark on green pastel background">
+            <a:extLst>
+              <a:ext uri="{FF2B5EF4-FFF2-40B4-BE49-F238E27FC236}">
+                <a16:creationId xmlns:a16="http://schemas.microsoft.com/office/drawing/2014/main" id="{41022404-5D42-4CDB-9075-3BB622CBCD69}"/>
+              </a:ext>
+            </a:extLst>
+          </p:cNvPr>
+          <p:cNvPicPr>
+            <a:picLocks noChangeAspect="1"/>
+          </p:cNvPicPr>
+          <p:nvPr/>
+        </p:nvPicPr>
+        <p:blipFill rotWithShape="1">
+          <a:blip r:embed="rId2"/>
+          <a:srcRect l="44648" r="4656"/>
+          <a:stretch/>
+        </p:blipFill>
+        <p:spPr>
+          <a:xfrm>
+            <a:off x="20" y="10"/>
+            <a:ext cx="4635571" cy="6857990"/>
+          </a:xfrm>
+          <a:prstGeom prst="rect">
+            <a:avLst/>
+          </a:prstGeom>
+          <a:effectLst/>
+        </p:spPr>
+      </p:pic>
+      <p:cxnSp>
+        <p:nvCxnSpPr>
+          <p:cNvPr id="10" name="Straight Connector 9">
+            <a:extLst>
+              <a:ext uri="{FF2B5EF4-FFF2-40B4-BE49-F238E27FC236}">
+                <a16:creationId xmlns:a16="http://schemas.microsoft.com/office/drawing/2014/main" id="{A7F400EE-A8A5-48AF-B4D6-291B52C6F0B0}"/>
+              </a:ext>
+              <a:ext uri="{C183D7F6-B498-43B3-948B-1728B52AA6E4}">
+                <adec:decorative xmlns:adec="http://schemas.microsoft.com/office/drawing/2017/decorative" val="1"/>
+              </a:ext>
+            </a:extLst>
+          </p:cNvPr>
+          <p:cNvCxnSpPr>
+            <a:cxnSpLocks noGrp="1" noRot="1" noChangeAspect="1" noMove="1" noResize="1" noEditPoints="1" noAdjustHandles="1" noChangeArrowheads="1" noChangeShapeType="1"/>
+          </p:cNvCxnSpPr>
+          <p:nvPr>
+            <p:extLst>
+              <p:ext uri="{386F3935-93C4-4BCD-93E2-E3B085C9AB24}">
+                <p16:designElem xmlns:p16="http://schemas.microsoft.com/office/powerpoint/2015/main" val="1"/>
+              </p:ext>
+            </p:extLst>
+          </p:nvPr>
+        </p:nvCxnSpPr>
+        <p:spPr>
+          <a:xfrm>
+            <a:off x="5080934" y="2115117"/>
+            <a:ext cx="6309360" cy="0"/>
+          </a:xfrm>
+          <a:prstGeom prst="line">
+            <a:avLst/>
+          </a:prstGeom>
+          <a:ln w="19050">
+            <a:solidFill>
+              <a:srgbClr val="589195"/>
+            </a:solidFill>
+          </a:ln>
+        </p:spPr>
+        <p:style>
+          <a:lnRef idx="1">
+            <a:schemeClr val="accent1"/>
+          </a:lnRef>
+          <a:fillRef idx="0">
+            <a:schemeClr val="accent1"/>
+          </a:fillRef>
+          <a:effectRef idx="0">
+            <a:schemeClr val="accent1"/>
+          </a:effectRef>
+          <a:fontRef idx="minor">
+            <a:schemeClr val="tx1"/>
+          </a:fontRef>
+        </p:style>
+      </p:cxnSp>
+      <p:sp>
+        <p:nvSpPr>
+          <p:cNvPr id="4" name="Footer Placeholder 3">
+            <a:extLst>
+              <a:ext uri="{FF2B5EF4-FFF2-40B4-BE49-F238E27FC236}">
+                <a16:creationId xmlns:a16="http://schemas.microsoft.com/office/drawing/2014/main" id="{AF00FF57-37D8-4865-8B55-F1BE345C3D29}"/>
+              </a:ext>
+            </a:extLst>
+          </p:cNvPr>
+          <p:cNvSpPr>
+            <a:spLocks noGrp="1"/>
+          </p:cNvSpPr>
+          <p:nvPr>
+            <p:ph type="ftr" sz="quarter" idx="11"/>
+          </p:nvPr>
+        </p:nvSpPr>
+        <p:spPr>
+          <a:xfrm>
+            <a:off x="4965430" y="6356350"/>
+            <a:ext cx="4139134" cy="365125"/>
+          </a:xfrm>
+        </p:spPr>
+        <p:txBody>
+          <a:bodyPr>
+            <a:normAutofit/>
+          </a:bodyPr>
+          <a:lstStyle/>
+          <a:p>
+            <a:pPr algn="l">
+              <a:spcAft>
+                <a:spcPts val="600"/>
+              </a:spcAft>
+            </a:pPr>
+            <a:r>
+              <a:rPr lang="en-US"/>
+              <a:t>Mike Nguyen</a:t>
+            </a:r>
+          </a:p>
+        </p:txBody>
+      </p:sp>
+    </p:spTree>
+    <p:extLst>
+      <p:ext uri="{BB962C8B-B14F-4D97-AF65-F5344CB8AC3E}">
+        <p14:creationId xmlns:p14="http://schemas.microsoft.com/office/powerpoint/2010/main" val="3330819661"/>
+      </p:ext>
+    </p:extLst>
+  </p:cSld>
+  <p:clrMapOvr>
+    <a:masterClrMapping/>
+  </p:clrMapOvr>
+</p:sld>
+</file>
+
+<file path=ppt/slides/slide5.xml><?xml version="1.0" encoding="utf-8"?>
 <p:sld xmlns:a="http://schemas.openxmlformats.org/drawingml/2006/main" xmlns:r="http://schemas.openxmlformats.org/officeDocument/2006/relationships" xmlns:p="http://schemas.openxmlformats.org/presentationml/2006/main">
   <p:cSld>
     <p:bg>
@@ -42069,7 +44951,7 @@
 </p:sld>
 </file>
 
-<file path=ppt/slides/slide5.xml><?xml version="1.0" encoding="utf-8"?>
+<file path=ppt/slides/slide6.xml><?xml version="1.0" encoding="utf-8"?>
 <p:sld xmlns:a="http://schemas.openxmlformats.org/drawingml/2006/main" xmlns:r="http://schemas.openxmlformats.org/officeDocument/2006/relationships" xmlns:p="http://schemas.openxmlformats.org/presentationml/2006/main">
   <p:cSld>
     <p:bg>
@@ -42332,7 +45214,7 @@
 </p:sld>
 </file>
 
-<file path=ppt/slides/slide6.xml><?xml version="1.0" encoding="utf-8"?>
+<file path=ppt/slides/slide7.xml><?xml version="1.0" encoding="utf-8"?>
 <p:sld xmlns:a="http://schemas.openxmlformats.org/drawingml/2006/main" xmlns:r="http://schemas.openxmlformats.org/officeDocument/2006/relationships" xmlns:p="http://schemas.openxmlformats.org/presentationml/2006/main">
   <p:cSld>
     <p:bg>
@@ -42555,7 +45437,7 @@
 </p:sld>
 </file>
 
-<file path=ppt/slides/slide7.xml><?xml version="1.0" encoding="utf-8"?>
+<file path=ppt/slides/slide8.xml><?xml version="1.0" encoding="utf-8"?>
 <p:sld xmlns:a="http://schemas.openxmlformats.org/drawingml/2006/main" xmlns:r="http://schemas.openxmlformats.org/officeDocument/2006/relationships" xmlns:p="http://schemas.openxmlformats.org/presentationml/2006/main">
   <p:cSld>
     <p:bg>
@@ -43225,7 +46107,7 @@
 </p:sld>
 </file>
 
-<file path=ppt/slides/slide8.xml><?xml version="1.0" encoding="utf-8"?>
+<file path=ppt/slides/slide9.xml><?xml version="1.0" encoding="utf-8"?>
 <p:sld xmlns:a="http://schemas.openxmlformats.org/drawingml/2006/main" xmlns:r="http://schemas.openxmlformats.org/officeDocument/2006/relationships" xmlns:p="http://schemas.openxmlformats.org/presentationml/2006/main">
   <p:cSld>
     <p:bg>
@@ -43626,720 +46508,6 @@
     <p:extLst>
       <p:ext uri="{BB962C8B-B14F-4D97-AF65-F5344CB8AC3E}">
         <p14:creationId xmlns:p14="http://schemas.microsoft.com/office/powerpoint/2010/main" val="1167361123"/>
-      </p:ext>
-    </p:extLst>
-  </p:cSld>
-  <p:clrMapOvr>
-    <a:masterClrMapping/>
-  </p:clrMapOvr>
-</p:sld>
-</file>
-
-<file path=ppt/slides/slide9.xml><?xml version="1.0" encoding="utf-8"?>
-<p:sld xmlns:a="http://schemas.openxmlformats.org/drawingml/2006/main" xmlns:r="http://schemas.openxmlformats.org/officeDocument/2006/relationships" xmlns:p="http://schemas.openxmlformats.org/presentationml/2006/main">
-  <p:cSld>
-    <p:bg>
-      <p:bgPr>
-        <a:solidFill>
-          <a:schemeClr val="bg1"/>
-        </a:solidFill>
-        <a:effectLst/>
-      </p:bgPr>
-    </p:bg>
-    <p:spTree>
-      <p:nvGrpSpPr>
-        <p:cNvPr id="1" name=""/>
-        <p:cNvGrpSpPr/>
-        <p:nvPr/>
-      </p:nvGrpSpPr>
-      <p:grpSpPr>
-        <a:xfrm>
-          <a:off x="0" y="0"/>
-          <a:ext cx="0" cy="0"/>
-          <a:chOff x="0" y="0"/>
-          <a:chExt cx="0" cy="0"/>
-        </a:xfrm>
-      </p:grpSpPr>
-      <p:sp useBgFill="1">
-        <p:nvSpPr>
-          <p:cNvPr id="22" name="Rectangle 21">
-            <a:extLst>
-              <a:ext uri="{FF2B5EF4-FFF2-40B4-BE49-F238E27FC236}">
-                <a16:creationId xmlns:a16="http://schemas.microsoft.com/office/drawing/2014/main" id="{16F9E488-0718-4E1E-9D12-26779F606252}"/>
-              </a:ext>
-              <a:ext uri="{C183D7F6-B498-43B3-948B-1728B52AA6E4}">
-                <adec:decorative xmlns:adec="http://schemas.microsoft.com/office/drawing/2017/decorative" val="1"/>
-              </a:ext>
-            </a:extLst>
-          </p:cNvPr>
-          <p:cNvSpPr>
-            <a:spLocks noGrp="1" noRot="1" noChangeAspect="1" noMove="1" noResize="1" noEditPoints="1" noAdjustHandles="1" noChangeArrowheads="1" noChangeShapeType="1" noTextEdit="1"/>
-          </p:cNvSpPr>
-          <p:nvPr>
-            <p:extLst>
-              <p:ext uri="{386F3935-93C4-4BCD-93E2-E3B085C9AB24}">
-                <p16:designElem xmlns:p16="http://schemas.microsoft.com/office/powerpoint/2015/main" val="1"/>
-              </p:ext>
-            </p:extLst>
-          </p:nvPr>
-        </p:nvSpPr>
-        <p:spPr>
-          <a:xfrm>
-            <a:off x="0" y="0"/>
-            <a:ext cx="12192000" cy="6858000"/>
-          </a:xfrm>
-          <a:prstGeom prst="rect">
-            <a:avLst/>
-          </a:prstGeom>
-          <a:ln>
-            <a:noFill/>
-          </a:ln>
-        </p:spPr>
-        <p:style>
-          <a:lnRef idx="2">
-            <a:schemeClr val="accent1">
-              <a:shade val="50000"/>
-            </a:schemeClr>
-          </a:lnRef>
-          <a:fillRef idx="1">
-            <a:schemeClr val="accent1"/>
-          </a:fillRef>
-          <a:effectRef idx="0">
-            <a:schemeClr val="accent1"/>
-          </a:effectRef>
-          <a:fontRef idx="minor">
-            <a:schemeClr val="lt1"/>
-          </a:fontRef>
-        </p:style>
-        <p:txBody>
-          <a:bodyPr rtlCol="0" anchor="ctr"/>
-          <a:lstStyle/>
-          <a:p>
-            <a:pPr algn="ctr"/>
-            <a:endParaRPr lang="en-US"/>
-          </a:p>
-        </p:txBody>
-      </p:sp>
-      <p:sp>
-        <p:nvSpPr>
-          <p:cNvPr id="24" name="Rectangle 23">
-            <a:extLst>
-              <a:ext uri="{FF2B5EF4-FFF2-40B4-BE49-F238E27FC236}">
-                <a16:creationId xmlns:a16="http://schemas.microsoft.com/office/drawing/2014/main" id="{CE708407-D01D-4E57-8998-FF799DBC3788}"/>
-              </a:ext>
-              <a:ext uri="{C183D7F6-B498-43B3-948B-1728B52AA6E4}">
-                <adec:decorative xmlns:adec="http://schemas.microsoft.com/office/drawing/2017/decorative" val="1"/>
-              </a:ext>
-            </a:extLst>
-          </p:cNvPr>
-          <p:cNvSpPr>
-            <a:spLocks noGrp="1" noRot="1" noChangeAspect="1" noMove="1" noResize="1" noEditPoints="1" noAdjustHandles="1" noChangeArrowheads="1" noChangeShapeType="1" noTextEdit="1"/>
-          </p:cNvSpPr>
-          <p:nvPr>
-            <p:extLst>
-              <p:ext uri="{386F3935-93C4-4BCD-93E2-E3B085C9AB24}">
-                <p16:designElem xmlns:p16="http://schemas.microsoft.com/office/powerpoint/2015/main" val="1"/>
-              </p:ext>
-            </p:extLst>
-          </p:nvPr>
-        </p:nvSpPr>
-        <p:spPr>
-          <a:xfrm>
-            <a:off x="0" y="0"/>
-            <a:ext cx="4694548" cy="6858000"/>
-          </a:xfrm>
-          <a:prstGeom prst="rect">
-            <a:avLst/>
-          </a:prstGeom>
-          <a:solidFill>
-            <a:schemeClr val="tx1"/>
-          </a:solidFill>
-          <a:ln>
-            <a:noFill/>
-          </a:ln>
-        </p:spPr>
-        <p:style>
-          <a:lnRef idx="2">
-            <a:schemeClr val="accent1">
-              <a:shade val="50000"/>
-            </a:schemeClr>
-          </a:lnRef>
-          <a:fillRef idx="1">
-            <a:schemeClr val="accent1"/>
-          </a:fillRef>
-          <a:effectRef idx="0">
-            <a:schemeClr val="accent1"/>
-          </a:effectRef>
-          <a:fontRef idx="minor">
-            <a:schemeClr val="lt1"/>
-          </a:fontRef>
-        </p:style>
-        <p:txBody>
-          <a:bodyPr rtlCol="0" anchor="ctr"/>
-          <a:lstStyle/>
-          <a:p>
-            <a:pPr algn="ctr"/>
-            <a:endParaRPr lang="en-US"/>
-          </a:p>
-        </p:txBody>
-      </p:sp>
-      <p:sp>
-        <p:nvSpPr>
-          <p:cNvPr id="2" name="Title 1">
-            <a:extLst>
-              <a:ext uri="{FF2B5EF4-FFF2-40B4-BE49-F238E27FC236}">
-                <a16:creationId xmlns:a16="http://schemas.microsoft.com/office/drawing/2014/main" id="{9E26A5AB-EC77-4650-9CC8-F8CFFE84421C}"/>
-              </a:ext>
-            </a:extLst>
-          </p:cNvPr>
-          <p:cNvSpPr>
-            <a:spLocks noGrp="1"/>
-          </p:cNvSpPr>
-          <p:nvPr>
-            <p:ph type="title"/>
-          </p:nvPr>
-        </p:nvSpPr>
-        <p:spPr>
-          <a:xfrm>
-            <a:off x="699723" y="1622066"/>
-            <a:ext cx="3554226" cy="2663688"/>
-          </a:xfrm>
-        </p:spPr>
-        <p:txBody>
-          <a:bodyPr vert="horz" lIns="91440" tIns="45720" rIns="91440" bIns="45720" rtlCol="0" anchor="b">
-            <a:normAutofit/>
-          </a:bodyPr>
-          <a:lstStyle/>
-          <a:p>
-            <a:r>
-              <a:rPr lang="en-US" kern="1200">
-                <a:solidFill>
-                  <a:schemeClr val="bg1"/>
-                </a:solidFill>
-                <a:latin typeface="+mj-lt"/>
-                <a:ea typeface="+mj-ea"/>
-                <a:cs typeface="+mj-cs"/>
-              </a:rPr>
-              <a:t>Marketing Research Process</a:t>
-            </a:r>
-          </a:p>
-        </p:txBody>
-      </p:sp>
-      <p:grpSp>
-        <p:nvGrpSpPr>
-          <p:cNvPr id="26" name="Group 25">
-            <a:extLst>
-              <a:ext uri="{FF2B5EF4-FFF2-40B4-BE49-F238E27FC236}">
-                <a16:creationId xmlns:a16="http://schemas.microsoft.com/office/drawing/2014/main" id="{7F963B07-5C9E-478C-A53E-B6F5B4A78933}"/>
-              </a:ext>
-              <a:ext uri="{C183D7F6-B498-43B3-948B-1728B52AA6E4}">
-                <adec:decorative xmlns:adec="http://schemas.microsoft.com/office/drawing/2017/decorative" val="1"/>
-              </a:ext>
-            </a:extLst>
-          </p:cNvPr>
-          <p:cNvGrpSpPr>
-            <a:grpSpLocks noGrp="1" noUngrp="1" noRot="1" noChangeAspect="1" noMove="1" noResize="1"/>
-          </p:cNvGrpSpPr>
-          <p:nvPr>
-            <p:extLst>
-              <p:ext uri="{386F3935-93C4-4BCD-93E2-E3B085C9AB24}">
-                <p16:designElem xmlns:p16="http://schemas.microsoft.com/office/powerpoint/2015/main" val="1"/>
-              </p:ext>
-            </p:extLst>
-          </p:nvPr>
-        </p:nvGrpSpPr>
-        <p:grpSpPr>
-          <a:xfrm>
-            <a:off x="767290" y="681628"/>
-            <a:ext cx="1128382" cy="847206"/>
-            <a:chOff x="668003" y="1684057"/>
-            <a:chExt cx="1128382" cy="847206"/>
-          </a:xfrm>
-        </p:grpSpPr>
-        <p:sp>
-          <p:nvSpPr>
-            <p:cNvPr id="27" name="Freeform 5">
-              <a:extLst>
-                <a:ext uri="{FF2B5EF4-FFF2-40B4-BE49-F238E27FC236}">
-                  <a16:creationId xmlns:a16="http://schemas.microsoft.com/office/drawing/2014/main" id="{A152F29E-C625-4313-96BF-5675B357C03A}"/>
-                </a:ext>
-                <a:ext uri="{C183D7F6-B498-43B3-948B-1728B52AA6E4}">
-                  <adec:decorative xmlns:adec="http://schemas.microsoft.com/office/drawing/2017/decorative" val="1"/>
-                </a:ext>
-              </a:extLst>
-            </p:cNvPr>
-            <p:cNvSpPr>
-              <a:spLocks/>
-            </p:cNvSpPr>
-            <p:nvPr>
-              <p:extLst>
-                <p:ext uri="{386F3935-93C4-4BCD-93E2-E3B085C9AB24}">
-                  <p16:designElem xmlns:p16="http://schemas.microsoft.com/office/powerpoint/2015/main" val="1"/>
-                </p:ext>
-              </p:extLst>
-            </p:nvPr>
-          </p:nvSpPr>
-          <p:spPr bwMode="auto">
-            <a:xfrm>
-              <a:off x="668003" y="1935883"/>
-              <a:ext cx="675351" cy="595380"/>
-            </a:xfrm>
-            <a:custGeom>
-              <a:avLst/>
-              <a:gdLst>
-                <a:gd name="T0" fmla="*/ 225 w 785"/>
-                <a:gd name="T1" fmla="*/ 692 h 692"/>
-                <a:gd name="T2" fmla="*/ 177 w 785"/>
-                <a:gd name="T3" fmla="*/ 665 h 692"/>
-                <a:gd name="T4" fmla="*/ 9 w 785"/>
-                <a:gd name="T5" fmla="*/ 374 h 692"/>
-                <a:gd name="T6" fmla="*/ 9 w 785"/>
-                <a:gd name="T7" fmla="*/ 318 h 692"/>
-                <a:gd name="T8" fmla="*/ 177 w 785"/>
-                <a:gd name="T9" fmla="*/ 27 h 692"/>
-                <a:gd name="T10" fmla="*/ 225 w 785"/>
-                <a:gd name="T11" fmla="*/ 0 h 692"/>
-                <a:gd name="T12" fmla="*/ 561 w 785"/>
-                <a:gd name="T13" fmla="*/ 0 h 692"/>
-                <a:gd name="T14" fmla="*/ 609 w 785"/>
-                <a:gd name="T15" fmla="*/ 27 h 692"/>
-                <a:gd name="T16" fmla="*/ 777 w 785"/>
-                <a:gd name="T17" fmla="*/ 318 h 692"/>
-                <a:gd name="T18" fmla="*/ 777 w 785"/>
-                <a:gd name="T19" fmla="*/ 374 h 692"/>
-                <a:gd name="T20" fmla="*/ 609 w 785"/>
-                <a:gd name="T21" fmla="*/ 665 h 692"/>
-                <a:gd name="T22" fmla="*/ 561 w 785"/>
-                <a:gd name="T23" fmla="*/ 692 h 692"/>
-                <a:gd name="T24" fmla="*/ 225 w 785"/>
-                <a:gd name="T25" fmla="*/ 692 h 692"/>
-              </a:gdLst>
-              <a:ahLst/>
-              <a:cxnLst>
-                <a:cxn ang="0">
-                  <a:pos x="T0" y="T1"/>
-                </a:cxn>
-                <a:cxn ang="0">
-                  <a:pos x="T2" y="T3"/>
-                </a:cxn>
-                <a:cxn ang="0">
-                  <a:pos x="T4" y="T5"/>
-                </a:cxn>
-                <a:cxn ang="0">
-                  <a:pos x="T6" y="T7"/>
-                </a:cxn>
-                <a:cxn ang="0">
-                  <a:pos x="T8" y="T9"/>
-                </a:cxn>
-                <a:cxn ang="0">
-                  <a:pos x="T10" y="T11"/>
-                </a:cxn>
-                <a:cxn ang="0">
-                  <a:pos x="T12" y="T13"/>
-                </a:cxn>
-                <a:cxn ang="0">
-                  <a:pos x="T14" y="T15"/>
-                </a:cxn>
-                <a:cxn ang="0">
-                  <a:pos x="T16" y="T17"/>
-                </a:cxn>
-                <a:cxn ang="0">
-                  <a:pos x="T18" y="T19"/>
-                </a:cxn>
-                <a:cxn ang="0">
-                  <a:pos x="T20" y="T21"/>
-                </a:cxn>
-                <a:cxn ang="0">
-                  <a:pos x="T22" y="T23"/>
-                </a:cxn>
-                <a:cxn ang="0">
-                  <a:pos x="T24" y="T25"/>
-                </a:cxn>
-              </a:cxnLst>
-              <a:rect l="0" t="0" r="r" b="b"/>
-              <a:pathLst>
-                <a:path w="785" h="692">
-                  <a:moveTo>
-                    <a:pt x="225" y="692"/>
-                  </a:moveTo>
-                  <a:cubicBezTo>
-                    <a:pt x="207" y="692"/>
-                    <a:pt x="185" y="680"/>
-                    <a:pt x="177" y="665"/>
-                  </a:cubicBezTo>
-                  <a:cubicBezTo>
-                    <a:pt x="9" y="374"/>
-                    <a:pt x="9" y="374"/>
-                    <a:pt x="9" y="374"/>
-                  </a:cubicBezTo>
-                  <a:cubicBezTo>
-                    <a:pt x="0" y="358"/>
-                    <a:pt x="0" y="334"/>
-                    <a:pt x="9" y="318"/>
-                  </a:cubicBezTo>
-                  <a:cubicBezTo>
-                    <a:pt x="177" y="27"/>
-                    <a:pt x="177" y="27"/>
-                    <a:pt x="177" y="27"/>
-                  </a:cubicBezTo>
-                  <a:cubicBezTo>
-                    <a:pt x="185" y="12"/>
-                    <a:pt x="207" y="0"/>
-                    <a:pt x="225" y="0"/>
-                  </a:cubicBezTo>
-                  <a:cubicBezTo>
-                    <a:pt x="561" y="0"/>
-                    <a:pt x="561" y="0"/>
-                    <a:pt x="561" y="0"/>
-                  </a:cubicBezTo>
-                  <a:cubicBezTo>
-                    <a:pt x="578" y="0"/>
-                    <a:pt x="600" y="12"/>
-                    <a:pt x="609" y="27"/>
-                  </a:cubicBezTo>
-                  <a:cubicBezTo>
-                    <a:pt x="777" y="318"/>
-                    <a:pt x="777" y="318"/>
-                    <a:pt x="777" y="318"/>
-                  </a:cubicBezTo>
-                  <a:cubicBezTo>
-                    <a:pt x="785" y="334"/>
-                    <a:pt x="785" y="358"/>
-                    <a:pt x="777" y="374"/>
-                  </a:cubicBezTo>
-                  <a:cubicBezTo>
-                    <a:pt x="609" y="665"/>
-                    <a:pt x="609" y="665"/>
-                    <a:pt x="609" y="665"/>
-                  </a:cubicBezTo>
-                  <a:cubicBezTo>
-                    <a:pt x="600" y="680"/>
-                    <a:pt x="578" y="692"/>
-                    <a:pt x="561" y="692"/>
-                  </a:cubicBezTo>
-                  <a:lnTo>
-                    <a:pt x="225" y="692"/>
-                  </a:lnTo>
-                  <a:close/>
-                </a:path>
-              </a:pathLst>
-            </a:custGeom>
-            <a:noFill/>
-            <a:ln w="28575" cmpd="sng">
-              <a:solidFill>
-                <a:schemeClr val="bg1"/>
-              </a:solidFill>
-            </a:ln>
-          </p:spPr>
-          <p:txBody>
-            <a:bodyPr vert="horz" wrap="square" lIns="91440" tIns="45720" rIns="91440" bIns="45720" numCol="1" anchor="t" anchorCtr="0" compatLnSpc="1">
-              <a:prstTxWarp prst="textNoShape">
-                <a:avLst/>
-              </a:prstTxWarp>
-            </a:bodyPr>
-            <a:lstStyle/>
-            <a:p>
-              <a:endParaRPr lang="en-US"/>
-            </a:p>
-          </p:txBody>
-        </p:sp>
-        <p:sp>
-          <p:nvSpPr>
-            <p:cNvPr id="28" name="Freeform 5">
-              <a:extLst>
-                <a:ext uri="{FF2B5EF4-FFF2-40B4-BE49-F238E27FC236}">
-                  <a16:creationId xmlns:a16="http://schemas.microsoft.com/office/drawing/2014/main" id="{C2A5CB78-6497-4151-83B6-568BD27EC573}"/>
-                </a:ext>
-                <a:ext uri="{C183D7F6-B498-43B3-948B-1728B52AA6E4}">
-                  <adec:decorative xmlns:adec="http://schemas.microsoft.com/office/drawing/2017/decorative" val="1"/>
-                </a:ext>
-              </a:extLst>
-            </p:cNvPr>
-            <p:cNvSpPr>
-              <a:spLocks/>
-            </p:cNvSpPr>
-            <p:nvPr>
-              <p:extLst>
-                <p:ext uri="{386F3935-93C4-4BCD-93E2-E3B085C9AB24}">
-                  <p16:designElem xmlns:p16="http://schemas.microsoft.com/office/powerpoint/2015/main" val="1"/>
-                </p:ext>
-              </p:extLst>
-            </p:nvPr>
-          </p:nvSpPr>
-          <p:spPr bwMode="auto">
-            <a:xfrm>
-              <a:off x="1245893" y="1684057"/>
-              <a:ext cx="550492" cy="485306"/>
-            </a:xfrm>
-            <a:custGeom>
-              <a:avLst/>
-              <a:gdLst>
-                <a:gd name="T0" fmla="*/ 225 w 785"/>
-                <a:gd name="T1" fmla="*/ 692 h 692"/>
-                <a:gd name="T2" fmla="*/ 177 w 785"/>
-                <a:gd name="T3" fmla="*/ 665 h 692"/>
-                <a:gd name="T4" fmla="*/ 9 w 785"/>
-                <a:gd name="T5" fmla="*/ 374 h 692"/>
-                <a:gd name="T6" fmla="*/ 9 w 785"/>
-                <a:gd name="T7" fmla="*/ 318 h 692"/>
-                <a:gd name="T8" fmla="*/ 177 w 785"/>
-                <a:gd name="T9" fmla="*/ 27 h 692"/>
-                <a:gd name="T10" fmla="*/ 225 w 785"/>
-                <a:gd name="T11" fmla="*/ 0 h 692"/>
-                <a:gd name="T12" fmla="*/ 561 w 785"/>
-                <a:gd name="T13" fmla="*/ 0 h 692"/>
-                <a:gd name="T14" fmla="*/ 609 w 785"/>
-                <a:gd name="T15" fmla="*/ 27 h 692"/>
-                <a:gd name="T16" fmla="*/ 777 w 785"/>
-                <a:gd name="T17" fmla="*/ 318 h 692"/>
-                <a:gd name="T18" fmla="*/ 777 w 785"/>
-                <a:gd name="T19" fmla="*/ 374 h 692"/>
-                <a:gd name="T20" fmla="*/ 609 w 785"/>
-                <a:gd name="T21" fmla="*/ 665 h 692"/>
-                <a:gd name="T22" fmla="*/ 561 w 785"/>
-                <a:gd name="T23" fmla="*/ 692 h 692"/>
-                <a:gd name="T24" fmla="*/ 225 w 785"/>
-                <a:gd name="T25" fmla="*/ 692 h 692"/>
-              </a:gdLst>
-              <a:ahLst/>
-              <a:cxnLst>
-                <a:cxn ang="0">
-                  <a:pos x="T0" y="T1"/>
-                </a:cxn>
-                <a:cxn ang="0">
-                  <a:pos x="T2" y="T3"/>
-                </a:cxn>
-                <a:cxn ang="0">
-                  <a:pos x="T4" y="T5"/>
-                </a:cxn>
-                <a:cxn ang="0">
-                  <a:pos x="T6" y="T7"/>
-                </a:cxn>
-                <a:cxn ang="0">
-                  <a:pos x="T8" y="T9"/>
-                </a:cxn>
-                <a:cxn ang="0">
-                  <a:pos x="T10" y="T11"/>
-                </a:cxn>
-                <a:cxn ang="0">
-                  <a:pos x="T12" y="T13"/>
-                </a:cxn>
-                <a:cxn ang="0">
-                  <a:pos x="T14" y="T15"/>
-                </a:cxn>
-                <a:cxn ang="0">
-                  <a:pos x="T16" y="T17"/>
-                </a:cxn>
-                <a:cxn ang="0">
-                  <a:pos x="T18" y="T19"/>
-                </a:cxn>
-                <a:cxn ang="0">
-                  <a:pos x="T20" y="T21"/>
-                </a:cxn>
-                <a:cxn ang="0">
-                  <a:pos x="T22" y="T23"/>
-                </a:cxn>
-                <a:cxn ang="0">
-                  <a:pos x="T24" y="T25"/>
-                </a:cxn>
-              </a:cxnLst>
-              <a:rect l="0" t="0" r="r" b="b"/>
-              <a:pathLst>
-                <a:path w="785" h="692">
-                  <a:moveTo>
-                    <a:pt x="225" y="692"/>
-                  </a:moveTo>
-                  <a:cubicBezTo>
-                    <a:pt x="207" y="692"/>
-                    <a:pt x="185" y="680"/>
-                    <a:pt x="177" y="665"/>
-                  </a:cubicBezTo>
-                  <a:cubicBezTo>
-                    <a:pt x="9" y="374"/>
-                    <a:pt x="9" y="374"/>
-                    <a:pt x="9" y="374"/>
-                  </a:cubicBezTo>
-                  <a:cubicBezTo>
-                    <a:pt x="0" y="358"/>
-                    <a:pt x="0" y="334"/>
-                    <a:pt x="9" y="318"/>
-                  </a:cubicBezTo>
-                  <a:cubicBezTo>
-                    <a:pt x="177" y="27"/>
-                    <a:pt x="177" y="27"/>
-                    <a:pt x="177" y="27"/>
-                  </a:cubicBezTo>
-                  <a:cubicBezTo>
-                    <a:pt x="185" y="12"/>
-                    <a:pt x="207" y="0"/>
-                    <a:pt x="225" y="0"/>
-                  </a:cubicBezTo>
-                  <a:cubicBezTo>
-                    <a:pt x="561" y="0"/>
-                    <a:pt x="561" y="0"/>
-                    <a:pt x="561" y="0"/>
-                  </a:cubicBezTo>
-                  <a:cubicBezTo>
-                    <a:pt x="578" y="0"/>
-                    <a:pt x="600" y="12"/>
-                    <a:pt x="609" y="27"/>
-                  </a:cubicBezTo>
-                  <a:cubicBezTo>
-                    <a:pt x="777" y="318"/>
-                    <a:pt x="777" y="318"/>
-                    <a:pt x="777" y="318"/>
-                  </a:cubicBezTo>
-                  <a:cubicBezTo>
-                    <a:pt x="785" y="334"/>
-                    <a:pt x="785" y="358"/>
-                    <a:pt x="777" y="374"/>
-                  </a:cubicBezTo>
-                  <a:cubicBezTo>
-                    <a:pt x="609" y="665"/>
-                    <a:pt x="609" y="665"/>
-                    <a:pt x="609" y="665"/>
-                  </a:cubicBezTo>
-                  <a:cubicBezTo>
-                    <a:pt x="600" y="680"/>
-                    <a:pt x="578" y="692"/>
-                    <a:pt x="561" y="692"/>
-                  </a:cubicBezTo>
-                  <a:lnTo>
-                    <a:pt x="225" y="692"/>
-                  </a:lnTo>
-                  <a:close/>
-                </a:path>
-              </a:pathLst>
-            </a:custGeom>
-            <a:noFill/>
-            <a:ln w="28575" cmpd="sng">
-              <a:solidFill>
-                <a:schemeClr val="bg1"/>
-              </a:solidFill>
-            </a:ln>
-          </p:spPr>
-          <p:txBody>
-            <a:bodyPr vert="horz" wrap="square" lIns="91440" tIns="45720" rIns="91440" bIns="45720" numCol="1" anchor="t" anchorCtr="0" compatLnSpc="1">
-              <a:prstTxWarp prst="textNoShape">
-                <a:avLst/>
-              </a:prstTxWarp>
-            </a:bodyPr>
-            <a:lstStyle/>
-            <a:p>
-              <a:endParaRPr lang="en-US"/>
-            </a:p>
-          </p:txBody>
-        </p:sp>
-      </p:grpSp>
-      <p:sp>
-        <p:nvSpPr>
-          <p:cNvPr id="3" name="Footer Placeholder 2">
-            <a:extLst>
-              <a:ext uri="{FF2B5EF4-FFF2-40B4-BE49-F238E27FC236}">
-                <a16:creationId xmlns:a16="http://schemas.microsoft.com/office/drawing/2014/main" id="{4CE8A43F-9BF3-45F5-88CD-FBEA0476ED6E}"/>
-              </a:ext>
-            </a:extLst>
-          </p:cNvPr>
-          <p:cNvSpPr>
-            <a:spLocks noGrp="1"/>
-          </p:cNvSpPr>
-          <p:nvPr>
-            <p:ph type="ftr" sz="quarter" idx="11"/>
-          </p:nvPr>
-        </p:nvSpPr>
-        <p:spPr>
-          <a:xfrm>
-            <a:off x="7872984" y="384048"/>
-            <a:ext cx="3877056" cy="365125"/>
-          </a:xfrm>
-        </p:spPr>
-        <p:txBody>
-          <a:bodyPr vert="horz" lIns="91440" tIns="45720" rIns="91440" bIns="45720" rtlCol="0" anchor="ctr">
-            <a:normAutofit/>
-          </a:bodyPr>
-          <a:lstStyle/>
-          <a:p>
-            <a:pPr algn="r">
-              <a:spcAft>
-                <a:spcPts val="600"/>
-              </a:spcAft>
-            </a:pPr>
-            <a:r>
-              <a:rPr lang="en-US" sz="1100" kern="1200">
-                <a:solidFill>
-                  <a:schemeClr val="tx1">
-                    <a:alpha val="80000"/>
-                  </a:schemeClr>
-                </a:solidFill>
-                <a:latin typeface="+mn-lt"/>
-                <a:ea typeface="+mn-ea"/>
-                <a:cs typeface="+mn-cs"/>
-              </a:rPr>
-              <a:t>Mike Nguyen</a:t>
-            </a:r>
-          </a:p>
-        </p:txBody>
-      </p:sp>
-      <p:pic>
-        <p:nvPicPr>
-          <p:cNvPr id="4" name="Picture 2" descr="An illustration shows the steps of how to begin to search published sources of secondary data. The steps are as follows:&#10;1. Identify what you want to know and what you already know about the topic.&#10;2. Develop a list of key terms and names.&#10;3. Conduct an online search of relevant databases and Web sites.&#10;4. Compile the information you have found; rework the list of key words and authors if necessary.&#10;5. Consult a reference librarian inside your firm, at a public library, or at a university library.&#10;6. Identify authorities in the subject matter and consult with them.">
-            <a:extLst>
-              <a:ext uri="{FF2B5EF4-FFF2-40B4-BE49-F238E27FC236}">
-                <a16:creationId xmlns:a16="http://schemas.microsoft.com/office/drawing/2014/main" id="{EEAD44D1-BBFB-409C-ACD2-CD9F5AB8C558}"/>
-              </a:ext>
-            </a:extLst>
-          </p:cNvPr>
-          <p:cNvPicPr>
-            <a:picLocks noChangeAspect="1" noChangeArrowheads="1"/>
-          </p:cNvPicPr>
-          <p:nvPr/>
-        </p:nvPicPr>
-        <p:blipFill>
-          <a:blip r:embed="rId3">
-            <a:extLst>
-              <a:ext uri="{28A0092B-C50C-407E-A947-70E740481C1C}">
-                <a14:useLocalDpi xmlns:a14="http://schemas.microsoft.com/office/drawing/2010/main" val="0"/>
-              </a:ext>
-            </a:extLst>
-          </a:blip>
-          <a:stretch>
-            <a:fillRect/>
-          </a:stretch>
-        </p:blipFill>
-        <p:spPr bwMode="auto">
-          <a:xfrm>
-            <a:off x="5208104" y="992104"/>
-            <a:ext cx="6472362" cy="4287939"/>
-          </a:xfrm>
-          <a:prstGeom prst="rect">
-            <a:avLst/>
-          </a:prstGeom>
-          <a:noFill/>
-          <a:extLst>
-            <a:ext uri="{909E8E84-426E-40DD-AFC4-6F175D3DCCD1}">
-              <a14:hiddenFill xmlns:a14="http://schemas.microsoft.com/office/drawing/2010/main">
-                <a:solidFill>
-                  <a:schemeClr val="accent1"/>
-                </a:solidFill>
-              </a14:hiddenFill>
-            </a:ext>
-            <a:ext uri="{91240B29-F687-4F45-9708-019B960494DF}">
-              <a14:hiddenLine xmlns:a14="http://schemas.microsoft.com/office/drawing/2010/main" w="9525">
-                <a:solidFill>
-                  <a:schemeClr val="tx1"/>
-                </a:solidFill>
-                <a:miter lim="800000"/>
-                <a:headEnd/>
-                <a:tailEnd/>
-              </a14:hiddenLine>
-            </a:ext>
-          </a:extLst>
-        </p:spPr>
-      </p:pic>
-    </p:spTree>
-    <p:extLst>
-      <p:ext uri="{BB962C8B-B14F-4D97-AF65-F5344CB8AC3E}">
-        <p14:creationId xmlns:p14="http://schemas.microsoft.com/office/powerpoint/2010/main" val="560149371"/>
       </p:ext>
     </p:extLst>
   </p:cSld>
@@ -45235,6 +47403,14 @@
 </file>
 
 <file path=customXml/item1.xml><?xml version="1.0" encoding="utf-8"?>
+<p:properties xmlns:p="http://schemas.microsoft.com/office/2006/metadata/properties" xmlns:xsi="http://www.w3.org/2001/XMLSchema-instance" xmlns:pc="http://schemas.microsoft.com/office/infopath/2007/PartnerControls">
+  <documentManagement>
+    <MediaServiceKeyPoints xmlns="71af3243-3dd4-4a8d-8c0d-dd76da1f02a5" xsi:nil="true"/>
+  </documentManagement>
+</p:properties>
+</file>
+
+<file path=customXml/item2.xml><?xml version="1.0" encoding="utf-8"?>
 <ct:contentTypeSchema xmlns:ct="http://schemas.microsoft.com/office/2006/metadata/contentType" xmlns:ma="http://schemas.microsoft.com/office/2006/metadata/properties/metaAttributes" ct:_="" ma:_="" ma:contentTypeName="Document" ma:contentTypeID="0x01010079F111ED35F8CC479449609E8A0923A6" ma:contentTypeVersion="11" ma:contentTypeDescription="Create a new document." ma:contentTypeScope="" ma:versionID="96291512c1ee715ab617f4c07df79fc1">
   <xsd:schema xmlns:xsd="http://www.w3.org/2001/XMLSchema" xmlns:xs="http://www.w3.org/2001/XMLSchema" xmlns:p="http://schemas.microsoft.com/office/2006/metadata/properties" xmlns:ns2="71af3243-3dd4-4a8d-8c0d-dd76da1f02a5" xmlns:ns3="16c05727-aa75-4e4a-9b5f-8a80a1165891" targetNamespace="http://schemas.microsoft.com/office/2006/metadata/properties" ma:root="true" ma:fieldsID="8256c27c40ca5c40ce1cf6c44f0205df" ns2:_="" ns3:_="">
     <xsd:import namespace="71af3243-3dd4-4a8d-8c0d-dd76da1f02a5"/>
@@ -45445,14 +47621,6 @@
 </ct:contentTypeSchema>
 </file>
 
-<file path=customXml/item2.xml><?xml version="1.0" encoding="utf-8"?>
-<p:properties xmlns:p="http://schemas.microsoft.com/office/2006/metadata/properties" xmlns:xsi="http://www.w3.org/2001/XMLSchema-instance" xmlns:pc="http://schemas.microsoft.com/office/infopath/2007/PartnerControls">
-  <documentManagement>
-    <MediaServiceKeyPoints xmlns="71af3243-3dd4-4a8d-8c0d-dd76da1f02a5" xsi:nil="true"/>
-  </documentManagement>
-</p:properties>
-</file>
-
 <file path=customXml/item3.xml><?xml version="1.0" encoding="utf-8"?>
 <?mso-contentType ?>
 <FormTemplates xmlns="http://schemas.microsoft.com/sharepoint/v3/contenttype/forms">
@@ -45463,6 +47631,16 @@
 </file>
 
 <file path=customXml/itemProps1.xml><?xml version="1.0" encoding="utf-8"?>
+<ds:datastoreItem xmlns:ds="http://schemas.openxmlformats.org/officeDocument/2006/customXml" ds:itemID="{03C7D9E6-B0D9-433E-BD46-EB60F64F4DA8}">
+  <ds:schemaRefs>
+    <ds:schemaRef ds:uri="http://schemas.microsoft.com/office/2006/metadata/properties"/>
+    <ds:schemaRef ds:uri="http://schemas.microsoft.com/office/infopath/2007/PartnerControls"/>
+    <ds:schemaRef ds:uri="71af3243-3dd4-4a8d-8c0d-dd76da1f02a5"/>
+  </ds:schemaRefs>
+</ds:datastoreItem>
+</file>
+
+<file path=customXml/itemProps2.xml><?xml version="1.0" encoding="utf-8"?>
 <ds:datastoreItem xmlns:ds="http://schemas.openxmlformats.org/officeDocument/2006/customXml" ds:itemID="{B2AB02E3-5ADF-4BF0-9C1B-35CDF3FE95B0}">
   <ds:schemaRefs>
     <ds:schemaRef ds:uri="http://schemas.microsoft.com/office/2006/metadata/contentType"/>
@@ -45481,16 +47659,6 @@
 </ds:datastoreItem>
 </file>
 
-<file path=customXml/itemProps2.xml><?xml version="1.0" encoding="utf-8"?>
-<ds:datastoreItem xmlns:ds="http://schemas.openxmlformats.org/officeDocument/2006/customXml" ds:itemID="{03C7D9E6-B0D9-433E-BD46-EB60F64F4DA8}">
-  <ds:schemaRefs>
-    <ds:schemaRef ds:uri="http://schemas.microsoft.com/office/2006/metadata/properties"/>
-    <ds:schemaRef ds:uri="http://schemas.microsoft.com/office/infopath/2007/PartnerControls"/>
-    <ds:schemaRef ds:uri="71af3243-3dd4-4a8d-8c0d-dd76da1f02a5"/>
-  </ds:schemaRefs>
-</ds:datastoreItem>
-</file>
-
 <file path=customXml/itemProps3.xml><?xml version="1.0" encoding="utf-8"?>
 <ds:datastoreItem xmlns:ds="http://schemas.openxmlformats.org/officeDocument/2006/customXml" ds:itemID="{5CA875DA-F9FD-4F83-A049-3B1027B542DE}">
   <ds:schemaRefs>
